--- a/LCC/Python/03_流程控制(分支).pptx
+++ b/LCC/Python/03_流程控制(分支).pptx
@@ -893,7 +893,7 @@
             <a:fld id="{B61BEF0D-F0BB-DE4B-95CE-6DB70DBA9567}" type="datetimeFigureOut">
               <a:rPr lang="en-US" smtClean="0"/>
               <a:pPr/>
-              <a:t>12/28/2020</a:t>
+              <a:t>12/30/2020</a:t>
             </a:fld>
             <a:endParaRPr lang="en-US" dirty="0"/>
           </a:p>
@@ -1146,7 +1146,7 @@
             <a:fld id="{B61BEF0D-F0BB-DE4B-95CE-6DB70DBA9567}" type="datetimeFigureOut">
               <a:rPr lang="en-US" smtClean="0"/>
               <a:pPr/>
-              <a:t>12/28/2020</a:t>
+              <a:t>12/30/2020</a:t>
             </a:fld>
             <a:endParaRPr lang="en-US" dirty="0"/>
           </a:p>
@@ -1462,7 +1462,7 @@
             <a:fld id="{B61BEF0D-F0BB-DE4B-95CE-6DB70DBA9567}" type="datetimeFigureOut">
               <a:rPr lang="en-US" smtClean="0"/>
               <a:pPr/>
-              <a:t>12/28/2020</a:t>
+              <a:t>12/30/2020</a:t>
             </a:fld>
             <a:endParaRPr lang="en-US" dirty="0"/>
           </a:p>
@@ -1797,7 +1797,7 @@
             <a:fld id="{B61BEF0D-F0BB-DE4B-95CE-6DB70DBA9567}" type="datetimeFigureOut">
               <a:rPr lang="en-US" smtClean="0"/>
               <a:pPr/>
-              <a:t>12/28/2020</a:t>
+              <a:t>12/30/2020</a:t>
             </a:fld>
             <a:endParaRPr lang="en-US" dirty="0"/>
           </a:p>
@@ -2113,7 +2113,7 @@
             <a:fld id="{B61BEF0D-F0BB-DE4B-95CE-6DB70DBA9567}" type="datetimeFigureOut">
               <a:rPr lang="en-US" smtClean="0"/>
               <a:pPr/>
-              <a:t>12/28/2020</a:t>
+              <a:t>12/30/2020</a:t>
             </a:fld>
             <a:endParaRPr lang="en-US" dirty="0"/>
           </a:p>
@@ -2508,7 +2508,7 @@
             <a:fld id="{B61BEF0D-F0BB-DE4B-95CE-6DB70DBA9567}" type="datetimeFigureOut">
               <a:rPr lang="en-US" smtClean="0"/>
               <a:pPr/>
-              <a:t>12/28/2020</a:t>
+              <a:t>12/30/2020</a:t>
             </a:fld>
             <a:endParaRPr lang="en-US" dirty="0"/>
           </a:p>
@@ -2679,7 +2679,7 @@
           <a:p>
             <a:fld id="{55C6B4A9-1611-4792-9094-5F34BCA07E0B}" type="datetimeFigureOut">
               <a:rPr lang="en-US" smtClean="0"/>
-              <a:t>12/28/2020</a:t>
+              <a:t>12/30/2020</a:t>
             </a:fld>
             <a:endParaRPr lang="en-US" dirty="0"/>
           </a:p>
@@ -2860,7 +2860,7 @@
             <a:fld id="{B61BEF0D-F0BB-DE4B-95CE-6DB70DBA9567}" type="datetimeFigureOut">
               <a:rPr lang="en-US" smtClean="0"/>
               <a:pPr/>
-              <a:t>12/28/2020</a:t>
+              <a:t>12/30/2020</a:t>
             </a:fld>
             <a:endParaRPr lang="en-US" dirty="0"/>
           </a:p>
@@ -3032,7 +3032,7 @@
             <a:fld id="{B61BEF0D-F0BB-DE4B-95CE-6DB70DBA9567}" type="datetimeFigureOut">
               <a:rPr lang="en-US" smtClean="0"/>
               <a:pPr/>
-              <a:t>12/28/2020</a:t>
+              <a:t>12/30/2020</a:t>
             </a:fld>
             <a:endParaRPr lang="en-US" dirty="0"/>
           </a:p>
@@ -3314,7 +3314,7 @@
             <a:fld id="{B61BEF0D-F0BB-DE4B-95CE-6DB70DBA9567}" type="datetimeFigureOut">
               <a:rPr lang="en-US" smtClean="0"/>
               <a:pPr/>
-              <a:t>12/28/2020</a:t>
+              <a:t>12/30/2020</a:t>
             </a:fld>
             <a:endParaRPr lang="en-US" dirty="0"/>
           </a:p>
@@ -3547,7 +3547,7 @@
           <a:p>
             <a:fld id="{EB712588-04B1-427B-82EE-E8DB90309F08}" type="datetimeFigureOut">
               <a:rPr lang="en-US" smtClean="0"/>
-              <a:t>12/28/2020</a:t>
+              <a:t>12/30/2020</a:t>
             </a:fld>
             <a:endParaRPr lang="en-US" dirty="0"/>
           </a:p>
@@ -3955,7 +3955,7 @@
             <a:fld id="{B61BEF0D-F0BB-DE4B-95CE-6DB70DBA9567}" type="datetimeFigureOut">
               <a:rPr lang="en-US" smtClean="0"/>
               <a:pPr/>
-              <a:t>12/28/2020</a:t>
+              <a:t>12/30/2020</a:t>
             </a:fld>
             <a:endParaRPr lang="en-US" dirty="0"/>
           </a:p>
@@ -4113,7 +4113,7 @@
             <a:fld id="{B61BEF0D-F0BB-DE4B-95CE-6DB70DBA9567}" type="datetimeFigureOut">
               <a:rPr lang="en-US" smtClean="0"/>
               <a:pPr/>
-              <a:t>12/28/2020</a:t>
+              <a:t>12/30/2020</a:t>
             </a:fld>
             <a:endParaRPr lang="en-US" dirty="0"/>
           </a:p>
@@ -4243,7 +4243,7 @@
             <a:fld id="{B61BEF0D-F0BB-DE4B-95CE-6DB70DBA9567}" type="datetimeFigureOut">
               <a:rPr lang="en-US" smtClean="0"/>
               <a:pPr/>
-              <a:t>12/28/2020</a:t>
+              <a:t>12/30/2020</a:t>
             </a:fld>
             <a:endParaRPr lang="en-US" dirty="0"/>
           </a:p>
@@ -4499,7 +4499,7 @@
           <a:p>
             <a:fld id="{42A54C80-263E-416B-A8E0-580EDEADCBDC}" type="datetimeFigureOut">
               <a:rPr lang="en-US" smtClean="0"/>
-              <a:t>12/28/2020</a:t>
+              <a:t>12/30/2020</a:t>
             </a:fld>
             <a:endParaRPr lang="en-US" dirty="0"/>
           </a:p>
@@ -4806,7 +4806,7 @@
             <a:fld id="{B61BEF0D-F0BB-DE4B-95CE-6DB70DBA9567}" type="datetimeFigureOut">
               <a:rPr lang="en-US" smtClean="0"/>
               <a:pPr/>
-              <a:t>12/28/2020</a:t>
+              <a:t>12/30/2020</a:t>
             </a:fld>
             <a:endParaRPr lang="en-US" dirty="0"/>
           </a:p>
@@ -5509,7 +5509,7 @@
             <a:fld id="{B61BEF0D-F0BB-DE4B-95CE-6DB70DBA9567}" type="datetimeFigureOut">
               <a:rPr lang="en-US" smtClean="0"/>
               <a:pPr/>
-              <a:t>12/28/2020</a:t>
+              <a:t>12/30/2020</a:t>
             </a:fld>
             <a:endParaRPr lang="en-US" dirty="0"/>
           </a:p>
@@ -6128,7 +6128,7 @@
           <a:p>
             <a:fld id="{4805910D-2C61-424F-80CE-807290CF0E1E}" type="datetime4">
               <a:rPr lang="zh-TW" altLang="zh-TW"/>
-              <a:t>109年12月28日星期一</a:t>
+              <a:t>109年12月30日星期三</a:t>
             </a:fld>
             <a:endParaRPr lang="zh-TW" altLang="en-US" dirty="0"/>
           </a:p>
@@ -7774,6 +7774,30 @@
           <a:chExt cx="0" cy="0"/>
         </a:xfrm>
       </p:grpSpPr>
+      <p:pic>
+        <p:nvPicPr>
+          <p:cNvPr id="8" name="圖片 7"/>
+          <p:cNvPicPr>
+            <a:picLocks noChangeAspect="1"/>
+          </p:cNvPicPr>
+          <p:nvPr/>
+        </p:nvPicPr>
+        <p:blipFill>
+          <a:blip r:embed="rId2"/>
+          <a:stretch>
+            <a:fillRect/>
+          </a:stretch>
+        </p:blipFill>
+        <p:spPr>
+          <a:xfrm>
+            <a:off x="6364224" y="1560195"/>
+            <a:ext cx="4429125" cy="4762500"/>
+          </a:xfrm>
+          <a:prstGeom prst="rect">
+            <a:avLst/>
+          </a:prstGeom>
+        </p:spPr>
+      </p:pic>
       <p:sp>
         <p:nvSpPr>
           <p:cNvPr id="2" name="標題 1"/>
@@ -7816,7 +7840,7 @@
           <a:bodyPr/>
           <a:lstStyle/>
           <a:p>
-            <a:endParaRPr lang="zh-TW" altLang="en-US"/>
+            <a:endParaRPr lang="zh-TW" altLang="en-US" dirty="0"/>
           </a:p>
         </p:txBody>
       </p:sp>
@@ -7829,7 +7853,7 @@
           <p:nvPr/>
         </p:nvPicPr>
         <p:blipFill>
-          <a:blip r:embed="rId2"/>
+          <a:blip r:embed="rId3"/>
           <a:stretch>
             <a:fillRect/>
           </a:stretch>
@@ -7844,6 +7868,140 @@
           </a:prstGeom>
         </p:spPr>
       </p:pic>
+      <p:sp>
+        <p:nvSpPr>
+          <p:cNvPr id="5" name="向右箭號 4"/>
+          <p:cNvSpPr/>
+          <p:nvPr/>
+        </p:nvSpPr>
+        <p:spPr>
+          <a:xfrm>
+            <a:off x="6163056" y="3493008"/>
+            <a:ext cx="612648" cy="201168"/>
+          </a:xfrm>
+          <a:prstGeom prst="rightArrow">
+            <a:avLst/>
+          </a:prstGeom>
+          <a:solidFill>
+            <a:srgbClr val="FF0000"/>
+          </a:solidFill>
+          <a:ln>
+            <a:solidFill>
+              <a:srgbClr val="FF0000"/>
+            </a:solidFill>
+          </a:ln>
+        </p:spPr>
+        <p:style>
+          <a:lnRef idx="2">
+            <a:schemeClr val="accent1">
+              <a:shade val="50000"/>
+            </a:schemeClr>
+          </a:lnRef>
+          <a:fillRef idx="1">
+            <a:schemeClr val="accent1"/>
+          </a:fillRef>
+          <a:effectRef idx="0">
+            <a:schemeClr val="accent1"/>
+          </a:effectRef>
+          <a:fontRef idx="minor">
+            <a:schemeClr val="lt1"/>
+          </a:fontRef>
+        </p:style>
+        <p:txBody>
+          <a:bodyPr rtlCol="0" anchor="ctr"/>
+          <a:lstStyle/>
+          <a:p>
+            <a:pPr algn="ctr"/>
+            <a:endParaRPr lang="zh-TW" altLang="en-US"/>
+          </a:p>
+        </p:txBody>
+      </p:sp>
+      <p:sp>
+        <p:nvSpPr>
+          <p:cNvPr id="9" name="向右箭號 8"/>
+          <p:cNvSpPr/>
+          <p:nvPr/>
+        </p:nvSpPr>
+        <p:spPr>
+          <a:xfrm>
+            <a:off x="6163056" y="5593080"/>
+            <a:ext cx="612648" cy="201168"/>
+          </a:xfrm>
+          <a:prstGeom prst="rightArrow">
+            <a:avLst/>
+          </a:prstGeom>
+          <a:solidFill>
+            <a:srgbClr val="FF0000"/>
+          </a:solidFill>
+          <a:ln>
+            <a:solidFill>
+              <a:srgbClr val="FF0000"/>
+            </a:solidFill>
+          </a:ln>
+        </p:spPr>
+        <p:style>
+          <a:lnRef idx="2">
+            <a:schemeClr val="accent1">
+              <a:shade val="50000"/>
+            </a:schemeClr>
+          </a:lnRef>
+          <a:fillRef idx="1">
+            <a:schemeClr val="accent1"/>
+          </a:fillRef>
+          <a:effectRef idx="0">
+            <a:schemeClr val="accent1"/>
+          </a:effectRef>
+          <a:fontRef idx="minor">
+            <a:schemeClr val="lt1"/>
+          </a:fontRef>
+        </p:style>
+        <p:txBody>
+          <a:bodyPr rtlCol="0" anchor="ctr"/>
+          <a:lstStyle/>
+          <a:p>
+            <a:pPr algn="ctr"/>
+            <a:endParaRPr lang="zh-TW" altLang="en-US"/>
+          </a:p>
+        </p:txBody>
+      </p:sp>
+      <p:sp>
+        <p:nvSpPr>
+          <p:cNvPr id="10" name="文字方塊 9"/>
+          <p:cNvSpPr txBox="1"/>
+          <p:nvPr/>
+        </p:nvSpPr>
+        <p:spPr>
+          <a:xfrm>
+            <a:off x="5816656" y="3829304"/>
+            <a:ext cx="461665" cy="1246495"/>
+          </a:xfrm>
+          <a:prstGeom prst="rect">
+            <a:avLst/>
+          </a:prstGeom>
+          <a:noFill/>
+        </p:spPr>
+        <p:txBody>
+          <a:bodyPr vert="eaVert" wrap="none" rtlCol="0">
+            <a:spAutoFit/>
+          </a:bodyPr>
+          <a:lstStyle/>
+          <a:p>
+            <a:r>
+              <a:rPr lang="zh-TW" altLang="en-US" smtClean="0">
+                <a:solidFill>
+                  <a:srgbClr val="FF0000"/>
+                </a:solidFill>
+              </a:rPr>
+              <a:t>多一點檢查</a:t>
+            </a:r>
+            <a:endParaRPr lang="zh-TW" altLang="en-US">
+              <a:solidFill>
+                <a:srgbClr val="FF0000"/>
+              </a:solidFill>
+            </a:endParaRPr>
+          </a:p>
+        </p:txBody>
+      </p:sp>
     </p:spTree>
     <p:extLst>
       <p:ext uri="{BB962C8B-B14F-4D97-AF65-F5344CB8AC3E}">
@@ -7984,7 +8142,7 @@
       </p:grpSpPr>
       <p:pic>
         <p:nvPicPr>
-          <p:cNvPr id="2" name="圖片 1"/>
+          <p:cNvPr id="3" name="圖片 2"/>
           <p:cNvPicPr>
             <a:picLocks noChangeAspect="1"/>
           </p:cNvPicPr>
@@ -7998,8 +8156,8 @@
         </p:blipFill>
         <p:spPr>
           <a:xfrm>
-            <a:off x="5399913" y="2160589"/>
-            <a:ext cx="4629150" cy="3324225"/>
+            <a:off x="5394960" y="989082"/>
+            <a:ext cx="4895850" cy="5362575"/>
           </a:xfrm>
           <a:prstGeom prst="rect">
             <a:avLst/>
@@ -8075,8 +8233,8 @@
         </p:nvSpPr>
         <p:spPr>
           <a:xfrm>
-            <a:off x="5345430" y="2130330"/>
-            <a:ext cx="1494282" cy="347472"/>
+            <a:off x="5894070" y="2569464"/>
+            <a:ext cx="1494282" cy="270318"/>
           </a:xfrm>
           <a:prstGeom prst="rect">
             <a:avLst/>
@@ -8121,7 +8279,7 @@
         </p:nvSpPr>
         <p:spPr>
           <a:xfrm>
-            <a:off x="4897374" y="3670370"/>
+            <a:off x="5086195" y="4185826"/>
             <a:ext cx="448056" cy="466344"/>
           </a:xfrm>
           <a:prstGeom prst="rightArrow">
@@ -8169,11 +8327,14 @@
         </p:nvSpPr>
         <p:spPr>
           <a:xfrm>
-            <a:off x="5422392" y="2666046"/>
-            <a:ext cx="278892" cy="2429378"/>
+            <a:off x="5623788" y="2967548"/>
+            <a:ext cx="471678" cy="2902900"/>
           </a:xfrm>
           <a:prstGeom prst="leftBrace">
-            <a:avLst/>
+            <a:avLst>
+              <a:gd name="adj1" fmla="val 8333"/>
+              <a:gd name="adj2" fmla="val 49370"/>
+            </a:avLst>
           </a:prstGeom>
           <a:noFill/>
           <a:ln w="28575">
@@ -8213,7 +8374,7 @@
         </p:nvSpPr>
         <p:spPr>
           <a:xfrm>
-            <a:off x="4753582" y="4182237"/>
+            <a:off x="4763029" y="4558210"/>
             <a:ext cx="646331" cy="369332"/>
           </a:xfrm>
           <a:prstGeom prst="rect">
@@ -11408,10 +11569,18 @@
           <a:p>
             <a:r>
               <a:rPr lang="zh-TW" altLang="en-US" dirty="0" smtClean="0"/>
-              <a:t>用</a:t>
+              <a:t>沒</a:t>
             </a:r>
             <a:r>
               <a:rPr lang="en-US" altLang="zh-TW" dirty="0" smtClean="0"/>
+              <a:t>switch-case </a:t>
+            </a:r>
+            <a:r>
+              <a:rPr lang="zh-TW" altLang="en-US" smtClean="0"/>
+              <a:t>只好用</a:t>
+            </a:r>
+            <a:r>
+              <a:rPr lang="en-US" altLang="zh-TW" smtClean="0"/>
               <a:t>if…</a:t>
             </a:r>
             <a:r>

--- a/LCC/Python/03_流程控制(分支).pptx
+++ b/LCC/Python/03_流程控制(分支).pptx
@@ -893,7 +893,7 @@
             <a:fld id="{B61BEF0D-F0BB-DE4B-95CE-6DB70DBA9567}" type="datetimeFigureOut">
               <a:rPr lang="en-US" smtClean="0"/>
               <a:pPr/>
-              <a:t>12/30/2020</a:t>
+              <a:t>1/5/2021</a:t>
             </a:fld>
             <a:endParaRPr lang="en-US" dirty="0"/>
           </a:p>
@@ -1146,7 +1146,7 @@
             <a:fld id="{B61BEF0D-F0BB-DE4B-95CE-6DB70DBA9567}" type="datetimeFigureOut">
               <a:rPr lang="en-US" smtClean="0"/>
               <a:pPr/>
-              <a:t>12/30/2020</a:t>
+              <a:t>1/5/2021</a:t>
             </a:fld>
             <a:endParaRPr lang="en-US" dirty="0"/>
           </a:p>
@@ -1462,7 +1462,7 @@
             <a:fld id="{B61BEF0D-F0BB-DE4B-95CE-6DB70DBA9567}" type="datetimeFigureOut">
               <a:rPr lang="en-US" smtClean="0"/>
               <a:pPr/>
-              <a:t>12/30/2020</a:t>
+              <a:t>1/5/2021</a:t>
             </a:fld>
             <a:endParaRPr lang="en-US" dirty="0"/>
           </a:p>
@@ -1797,7 +1797,7 @@
             <a:fld id="{B61BEF0D-F0BB-DE4B-95CE-6DB70DBA9567}" type="datetimeFigureOut">
               <a:rPr lang="en-US" smtClean="0"/>
               <a:pPr/>
-              <a:t>12/30/2020</a:t>
+              <a:t>1/5/2021</a:t>
             </a:fld>
             <a:endParaRPr lang="en-US" dirty="0"/>
           </a:p>
@@ -2113,7 +2113,7 @@
             <a:fld id="{B61BEF0D-F0BB-DE4B-95CE-6DB70DBA9567}" type="datetimeFigureOut">
               <a:rPr lang="en-US" smtClean="0"/>
               <a:pPr/>
-              <a:t>12/30/2020</a:t>
+              <a:t>1/5/2021</a:t>
             </a:fld>
             <a:endParaRPr lang="en-US" dirty="0"/>
           </a:p>
@@ -2508,7 +2508,7 @@
             <a:fld id="{B61BEF0D-F0BB-DE4B-95CE-6DB70DBA9567}" type="datetimeFigureOut">
               <a:rPr lang="en-US" smtClean="0"/>
               <a:pPr/>
-              <a:t>12/30/2020</a:t>
+              <a:t>1/5/2021</a:t>
             </a:fld>
             <a:endParaRPr lang="en-US" dirty="0"/>
           </a:p>
@@ -2679,7 +2679,7 @@
           <a:p>
             <a:fld id="{55C6B4A9-1611-4792-9094-5F34BCA07E0B}" type="datetimeFigureOut">
               <a:rPr lang="en-US" smtClean="0"/>
-              <a:t>12/30/2020</a:t>
+              <a:t>1/5/2021</a:t>
             </a:fld>
             <a:endParaRPr lang="en-US" dirty="0"/>
           </a:p>
@@ -2860,7 +2860,7 @@
             <a:fld id="{B61BEF0D-F0BB-DE4B-95CE-6DB70DBA9567}" type="datetimeFigureOut">
               <a:rPr lang="en-US" smtClean="0"/>
               <a:pPr/>
-              <a:t>12/30/2020</a:t>
+              <a:t>1/5/2021</a:t>
             </a:fld>
             <a:endParaRPr lang="en-US" dirty="0"/>
           </a:p>
@@ -3032,7 +3032,7 @@
             <a:fld id="{B61BEF0D-F0BB-DE4B-95CE-6DB70DBA9567}" type="datetimeFigureOut">
               <a:rPr lang="en-US" smtClean="0"/>
               <a:pPr/>
-              <a:t>12/30/2020</a:t>
+              <a:t>1/5/2021</a:t>
             </a:fld>
             <a:endParaRPr lang="en-US" dirty="0"/>
           </a:p>
@@ -3314,7 +3314,7 @@
             <a:fld id="{B61BEF0D-F0BB-DE4B-95CE-6DB70DBA9567}" type="datetimeFigureOut">
               <a:rPr lang="en-US" smtClean="0"/>
               <a:pPr/>
-              <a:t>12/30/2020</a:t>
+              <a:t>1/5/2021</a:t>
             </a:fld>
             <a:endParaRPr lang="en-US" dirty="0"/>
           </a:p>
@@ -3547,7 +3547,7 @@
           <a:p>
             <a:fld id="{EB712588-04B1-427B-82EE-E8DB90309F08}" type="datetimeFigureOut">
               <a:rPr lang="en-US" smtClean="0"/>
-              <a:t>12/30/2020</a:t>
+              <a:t>1/5/2021</a:t>
             </a:fld>
             <a:endParaRPr lang="en-US" dirty="0"/>
           </a:p>
@@ -3955,7 +3955,7 @@
             <a:fld id="{B61BEF0D-F0BB-DE4B-95CE-6DB70DBA9567}" type="datetimeFigureOut">
               <a:rPr lang="en-US" smtClean="0"/>
               <a:pPr/>
-              <a:t>12/30/2020</a:t>
+              <a:t>1/5/2021</a:t>
             </a:fld>
             <a:endParaRPr lang="en-US" dirty="0"/>
           </a:p>
@@ -4113,7 +4113,7 @@
             <a:fld id="{B61BEF0D-F0BB-DE4B-95CE-6DB70DBA9567}" type="datetimeFigureOut">
               <a:rPr lang="en-US" smtClean="0"/>
               <a:pPr/>
-              <a:t>12/30/2020</a:t>
+              <a:t>1/5/2021</a:t>
             </a:fld>
             <a:endParaRPr lang="en-US" dirty="0"/>
           </a:p>
@@ -4243,7 +4243,7 @@
             <a:fld id="{B61BEF0D-F0BB-DE4B-95CE-6DB70DBA9567}" type="datetimeFigureOut">
               <a:rPr lang="en-US" smtClean="0"/>
               <a:pPr/>
-              <a:t>12/30/2020</a:t>
+              <a:t>1/5/2021</a:t>
             </a:fld>
             <a:endParaRPr lang="en-US" dirty="0"/>
           </a:p>
@@ -4499,7 +4499,7 @@
           <a:p>
             <a:fld id="{42A54C80-263E-416B-A8E0-580EDEADCBDC}" type="datetimeFigureOut">
               <a:rPr lang="en-US" smtClean="0"/>
-              <a:t>12/30/2020</a:t>
+              <a:t>1/5/2021</a:t>
             </a:fld>
             <a:endParaRPr lang="en-US" dirty="0"/>
           </a:p>
@@ -4806,7 +4806,7 @@
             <a:fld id="{B61BEF0D-F0BB-DE4B-95CE-6DB70DBA9567}" type="datetimeFigureOut">
               <a:rPr lang="en-US" smtClean="0"/>
               <a:pPr/>
-              <a:t>12/30/2020</a:t>
+              <a:t>1/5/2021</a:t>
             </a:fld>
             <a:endParaRPr lang="en-US" dirty="0"/>
           </a:p>
@@ -5509,7 +5509,7 @@
             <a:fld id="{B61BEF0D-F0BB-DE4B-95CE-6DB70DBA9567}" type="datetimeFigureOut">
               <a:rPr lang="en-US" smtClean="0"/>
               <a:pPr/>
-              <a:t>12/30/2020</a:t>
+              <a:t>1/5/2021</a:t>
             </a:fld>
             <a:endParaRPr lang="en-US" dirty="0"/>
           </a:p>
@@ -6128,12 +6128,53 @@
           <a:p>
             <a:fld id="{4805910D-2C61-424F-80CE-807290CF0E1E}" type="datetime4">
               <a:rPr lang="zh-TW" altLang="zh-TW"/>
-              <a:t>109年12月30日星期三</a:t>
+              <a:t>110年1月5日星期二</a:t>
             </a:fld>
             <a:endParaRPr lang="zh-TW" altLang="en-US" dirty="0"/>
           </a:p>
         </p:txBody>
       </p:sp>
+      <p:pic>
+        <p:nvPicPr>
+          <p:cNvPr id="4" name="Picture 2" descr="upload.wikimedia.org/wikipedia/commons/thumb/f/..."/>
+          <p:cNvPicPr>
+            <a:picLocks noChangeAspect="1" noChangeArrowheads="1"/>
+          </p:cNvPicPr>
+          <p:nvPr/>
+        </p:nvPicPr>
+        <p:blipFill>
+          <a:blip r:embed="rId2">
+            <a:extLst>
+              <a:ext uri="{28A0092B-C50C-407E-A947-70E740481C1C}">
+                <a14:useLocalDpi xmlns:a14="http://schemas.microsoft.com/office/drawing/2010/main" val="0"/>
+              </a:ext>
+            </a:extLst>
+          </a:blip>
+          <a:srcRect/>
+          <a:stretch>
+            <a:fillRect/>
+          </a:stretch>
+        </p:blipFill>
+        <p:spPr bwMode="auto">
+          <a:xfrm>
+            <a:off x="528866" y="4993541"/>
+            <a:ext cx="4743328" cy="1407187"/>
+          </a:xfrm>
+          <a:prstGeom prst="rect">
+            <a:avLst/>
+          </a:prstGeom>
+          <a:noFill/>
+          <a:extLst>
+            <a:ext uri="{909E8E84-426E-40DD-AFC4-6F175D3DCCD1}">
+              <a14:hiddenFill xmlns:a14="http://schemas.microsoft.com/office/drawing/2010/main">
+                <a:solidFill>
+                  <a:srgbClr val="FFFFFF"/>
+                </a:solidFill>
+              </a14:hiddenFill>
+            </a:ext>
+          </a:extLst>
+        </p:spPr>
+      </p:pic>
     </p:spTree>
     <p:extLst>
       <p:ext uri="{BB962C8B-B14F-4D97-AF65-F5344CB8AC3E}">

--- a/LCC/Python/03_流程控制(分支).pptx
+++ b/LCC/Python/03_流程控制(分支).pptx
@@ -893,7 +893,7 @@
             <a:fld id="{B61BEF0D-F0BB-DE4B-95CE-6DB70DBA9567}" type="datetimeFigureOut">
               <a:rPr lang="en-US" smtClean="0"/>
               <a:pPr/>
-              <a:t>1/5/2021</a:t>
+              <a:t>2/19/2021</a:t>
             </a:fld>
             <a:endParaRPr lang="en-US" dirty="0"/>
           </a:p>
@@ -1146,7 +1146,7 @@
             <a:fld id="{B61BEF0D-F0BB-DE4B-95CE-6DB70DBA9567}" type="datetimeFigureOut">
               <a:rPr lang="en-US" smtClean="0"/>
               <a:pPr/>
-              <a:t>1/5/2021</a:t>
+              <a:t>2/19/2021</a:t>
             </a:fld>
             <a:endParaRPr lang="en-US" dirty="0"/>
           </a:p>
@@ -1462,7 +1462,7 @@
             <a:fld id="{B61BEF0D-F0BB-DE4B-95CE-6DB70DBA9567}" type="datetimeFigureOut">
               <a:rPr lang="en-US" smtClean="0"/>
               <a:pPr/>
-              <a:t>1/5/2021</a:t>
+              <a:t>2/19/2021</a:t>
             </a:fld>
             <a:endParaRPr lang="en-US" dirty="0"/>
           </a:p>
@@ -1797,7 +1797,7 @@
             <a:fld id="{B61BEF0D-F0BB-DE4B-95CE-6DB70DBA9567}" type="datetimeFigureOut">
               <a:rPr lang="en-US" smtClean="0"/>
               <a:pPr/>
-              <a:t>1/5/2021</a:t>
+              <a:t>2/19/2021</a:t>
             </a:fld>
             <a:endParaRPr lang="en-US" dirty="0"/>
           </a:p>
@@ -2113,7 +2113,7 @@
             <a:fld id="{B61BEF0D-F0BB-DE4B-95CE-6DB70DBA9567}" type="datetimeFigureOut">
               <a:rPr lang="en-US" smtClean="0"/>
               <a:pPr/>
-              <a:t>1/5/2021</a:t>
+              <a:t>2/19/2021</a:t>
             </a:fld>
             <a:endParaRPr lang="en-US" dirty="0"/>
           </a:p>
@@ -2508,7 +2508,7 @@
             <a:fld id="{B61BEF0D-F0BB-DE4B-95CE-6DB70DBA9567}" type="datetimeFigureOut">
               <a:rPr lang="en-US" smtClean="0"/>
               <a:pPr/>
-              <a:t>1/5/2021</a:t>
+              <a:t>2/19/2021</a:t>
             </a:fld>
             <a:endParaRPr lang="en-US" dirty="0"/>
           </a:p>
@@ -2679,7 +2679,7 @@
           <a:p>
             <a:fld id="{55C6B4A9-1611-4792-9094-5F34BCA07E0B}" type="datetimeFigureOut">
               <a:rPr lang="en-US" smtClean="0"/>
-              <a:t>1/5/2021</a:t>
+              <a:t>2/19/2021</a:t>
             </a:fld>
             <a:endParaRPr lang="en-US" dirty="0"/>
           </a:p>
@@ -2860,7 +2860,7 @@
             <a:fld id="{B61BEF0D-F0BB-DE4B-95CE-6DB70DBA9567}" type="datetimeFigureOut">
               <a:rPr lang="en-US" smtClean="0"/>
               <a:pPr/>
-              <a:t>1/5/2021</a:t>
+              <a:t>2/19/2021</a:t>
             </a:fld>
             <a:endParaRPr lang="en-US" dirty="0"/>
           </a:p>
@@ -3032,7 +3032,7 @@
             <a:fld id="{B61BEF0D-F0BB-DE4B-95CE-6DB70DBA9567}" type="datetimeFigureOut">
               <a:rPr lang="en-US" smtClean="0"/>
               <a:pPr/>
-              <a:t>1/5/2021</a:t>
+              <a:t>2/19/2021</a:t>
             </a:fld>
             <a:endParaRPr lang="en-US" dirty="0"/>
           </a:p>
@@ -3314,7 +3314,7 @@
             <a:fld id="{B61BEF0D-F0BB-DE4B-95CE-6DB70DBA9567}" type="datetimeFigureOut">
               <a:rPr lang="en-US" smtClean="0"/>
               <a:pPr/>
-              <a:t>1/5/2021</a:t>
+              <a:t>2/19/2021</a:t>
             </a:fld>
             <a:endParaRPr lang="en-US" dirty="0"/>
           </a:p>
@@ -3547,7 +3547,7 @@
           <a:p>
             <a:fld id="{EB712588-04B1-427B-82EE-E8DB90309F08}" type="datetimeFigureOut">
               <a:rPr lang="en-US" smtClean="0"/>
-              <a:t>1/5/2021</a:t>
+              <a:t>2/19/2021</a:t>
             </a:fld>
             <a:endParaRPr lang="en-US" dirty="0"/>
           </a:p>
@@ -3955,7 +3955,7 @@
             <a:fld id="{B61BEF0D-F0BB-DE4B-95CE-6DB70DBA9567}" type="datetimeFigureOut">
               <a:rPr lang="en-US" smtClean="0"/>
               <a:pPr/>
-              <a:t>1/5/2021</a:t>
+              <a:t>2/19/2021</a:t>
             </a:fld>
             <a:endParaRPr lang="en-US" dirty="0"/>
           </a:p>
@@ -4113,7 +4113,7 @@
             <a:fld id="{B61BEF0D-F0BB-DE4B-95CE-6DB70DBA9567}" type="datetimeFigureOut">
               <a:rPr lang="en-US" smtClean="0"/>
               <a:pPr/>
-              <a:t>1/5/2021</a:t>
+              <a:t>2/19/2021</a:t>
             </a:fld>
             <a:endParaRPr lang="en-US" dirty="0"/>
           </a:p>
@@ -4243,7 +4243,7 @@
             <a:fld id="{B61BEF0D-F0BB-DE4B-95CE-6DB70DBA9567}" type="datetimeFigureOut">
               <a:rPr lang="en-US" smtClean="0"/>
               <a:pPr/>
-              <a:t>1/5/2021</a:t>
+              <a:t>2/19/2021</a:t>
             </a:fld>
             <a:endParaRPr lang="en-US" dirty="0"/>
           </a:p>
@@ -4499,7 +4499,7 @@
           <a:p>
             <a:fld id="{42A54C80-263E-416B-A8E0-580EDEADCBDC}" type="datetimeFigureOut">
               <a:rPr lang="en-US" smtClean="0"/>
-              <a:t>1/5/2021</a:t>
+              <a:t>2/19/2021</a:t>
             </a:fld>
             <a:endParaRPr lang="en-US" dirty="0"/>
           </a:p>
@@ -4806,7 +4806,7 @@
             <a:fld id="{B61BEF0D-F0BB-DE4B-95CE-6DB70DBA9567}" type="datetimeFigureOut">
               <a:rPr lang="en-US" smtClean="0"/>
               <a:pPr/>
-              <a:t>1/5/2021</a:t>
+              <a:t>2/19/2021</a:t>
             </a:fld>
             <a:endParaRPr lang="en-US" dirty="0"/>
           </a:p>
@@ -5509,7 +5509,7 @@
             <a:fld id="{B61BEF0D-F0BB-DE4B-95CE-6DB70DBA9567}" type="datetimeFigureOut">
               <a:rPr lang="en-US" smtClean="0"/>
               <a:pPr/>
-              <a:t>1/5/2021</a:t>
+              <a:t>2/19/2021</a:t>
             </a:fld>
             <a:endParaRPr lang="en-US" dirty="0"/>
           </a:p>
@@ -6128,7 +6128,7 @@
           <a:p>
             <a:fld id="{4805910D-2C61-424F-80CE-807290CF0E1E}" type="datetime4">
               <a:rPr lang="zh-TW" altLang="zh-TW"/>
-              <a:t>110年1月5日星期二</a:t>
+              <a:t>110年2月19日星期五</a:t>
             </a:fld>
             <a:endParaRPr lang="zh-TW" altLang="en-US" dirty="0"/>
           </a:p>
@@ -6175,6 +6175,44 @@
           </a:extLst>
         </p:spPr>
       </p:pic>
+      <p:sp>
+        <p:nvSpPr>
+          <p:cNvPr id="5" name="文字方塊 4"/>
+          <p:cNvSpPr txBox="1"/>
+          <p:nvPr/>
+        </p:nvSpPr>
+        <p:spPr>
+          <a:xfrm>
+            <a:off x="292608" y="6216062"/>
+            <a:ext cx="8468537" cy="369332"/>
+          </a:xfrm>
+          <a:prstGeom prst="rect">
+            <a:avLst/>
+          </a:prstGeom>
+          <a:noFill/>
+        </p:spPr>
+        <p:txBody>
+          <a:bodyPr wrap="none" rtlCol="0">
+            <a:spAutoFit/>
+          </a:bodyPr>
+          <a:lstStyle/>
+          <a:p>
+            <a:r>
+              <a:rPr lang="zh-TW" altLang="en-US" dirty="0" smtClean="0"/>
+              <a:t>投影片下載網址：</a:t>
+            </a:r>
+            <a:r>
+              <a:rPr lang="en-US" altLang="zh-TW" dirty="0" smtClean="0"/>
+              <a:t>https</a:t>
+            </a:r>
+            <a:r>
+              <a:rPr lang="en-US" altLang="zh-TW" dirty="0"/>
+              <a:t>://github.com/liulawsi/My_PPTs/tree/main/LCC/Python</a:t>
+            </a:r>
+            <a:endParaRPr lang="zh-TW" altLang="en-US" dirty="0"/>
+          </a:p>
+        </p:txBody>
+      </p:sp>
     </p:spTree>
     <p:extLst>
       <p:ext uri="{BB962C8B-B14F-4D97-AF65-F5344CB8AC3E}">
@@ -7265,6 +7303,13 @@
   <p:clrMapOvr>
     <a:masterClrMapping/>
   </p:clrMapOvr>
+  <p:timing>
+    <p:tnLst>
+      <p:par>
+        <p:cTn id="1" dur="indefinite" restart="never" nodeType="tmRoot"/>
+      </p:par>
+    </p:tnLst>
+  </p:timing>
 </p:sld>
 </file>
 
@@ -8832,12 +8877,12 @@
         <p:spPr>
           <a:xfrm>
             <a:off x="677333" y="2160589"/>
-            <a:ext cx="6127325" cy="3880773"/>
+            <a:ext cx="6127326" cy="4349939"/>
           </a:xfrm>
         </p:spPr>
         <p:txBody>
           <a:bodyPr>
-            <a:normAutofit lnSpcReduction="10000"/>
+            <a:normAutofit/>
           </a:bodyPr>
           <a:lstStyle/>
           <a:p>
@@ -11026,6 +11071,13 @@
   <p:clrMapOvr>
     <a:masterClrMapping/>
   </p:clrMapOvr>
+  <p:timing>
+    <p:tnLst>
+      <p:par>
+        <p:cTn id="1" dur="indefinite" restart="never" nodeType="tmRoot"/>
+      </p:par>
+    </p:tnLst>
+  </p:timing>
 </p:sld>
 </file>
 
@@ -11460,6 +11512,13 @@
   <p:clrMapOvr>
     <a:masterClrMapping/>
   </p:clrMapOvr>
+  <p:timing>
+    <p:tnLst>
+      <p:par>
+        <p:cTn id="1" dur="indefinite" restart="never" nodeType="tmRoot"/>
+      </p:par>
+    </p:tnLst>
+  </p:timing>
 </p:sld>
 </file>
 
@@ -12239,6 +12298,13 @@
   <p:clrMapOvr>
     <a:masterClrMapping/>
   </p:clrMapOvr>
+  <p:timing>
+    <p:tnLst>
+      <p:par>
+        <p:cTn id="1" dur="indefinite" restart="never" nodeType="tmRoot"/>
+      </p:par>
+    </p:tnLst>
+  </p:timing>
 </p:sld>
 </file>
 
@@ -13999,6 +14065,13 @@
   <p:clrMapOvr>
     <a:masterClrMapping/>
   </p:clrMapOvr>
+  <p:timing>
+    <p:tnLst>
+      <p:par>
+        <p:cTn id="1" dur="indefinite" restart="never" nodeType="tmRoot"/>
+      </p:par>
+    </p:tnLst>
+  </p:timing>
 </p:sld>
 </file>
 
@@ -14134,6 +14207,13 @@
   <p:clrMapOvr>
     <a:masterClrMapping/>
   </p:clrMapOvr>
+  <p:timing>
+    <p:tnLst>
+      <p:par>
+        <p:cTn id="1" dur="indefinite" restart="never" nodeType="tmRoot"/>
+      </p:par>
+    </p:tnLst>
+  </p:timing>
 </p:sld>
 </file>
 

--- a/LCC/Python/03_流程控制(分支).pptx
+++ b/LCC/Python/03_流程控制(分支).pptx
@@ -17,19 +17,20 @@
     <p:sldId id="264" r:id="rId11"/>
     <p:sldId id="260" r:id="rId12"/>
     <p:sldId id="261" r:id="rId13"/>
-    <p:sldId id="266" r:id="rId14"/>
-    <p:sldId id="280" r:id="rId15"/>
-    <p:sldId id="267" r:id="rId16"/>
-    <p:sldId id="268" r:id="rId17"/>
-    <p:sldId id="269" r:id="rId18"/>
-    <p:sldId id="270" r:id="rId19"/>
-    <p:sldId id="271" r:id="rId20"/>
-    <p:sldId id="277" r:id="rId21"/>
-    <p:sldId id="272" r:id="rId22"/>
-    <p:sldId id="273" r:id="rId23"/>
-    <p:sldId id="274" r:id="rId24"/>
-    <p:sldId id="275" r:id="rId25"/>
-    <p:sldId id="276" r:id="rId26"/>
+    <p:sldId id="281" r:id="rId14"/>
+    <p:sldId id="266" r:id="rId15"/>
+    <p:sldId id="280" r:id="rId16"/>
+    <p:sldId id="267" r:id="rId17"/>
+    <p:sldId id="268" r:id="rId18"/>
+    <p:sldId id="269" r:id="rId19"/>
+    <p:sldId id="270" r:id="rId20"/>
+    <p:sldId id="271" r:id="rId21"/>
+    <p:sldId id="277" r:id="rId22"/>
+    <p:sldId id="272" r:id="rId23"/>
+    <p:sldId id="273" r:id="rId24"/>
+    <p:sldId id="274" r:id="rId25"/>
+    <p:sldId id="275" r:id="rId26"/>
+    <p:sldId id="276" r:id="rId27"/>
   </p:sldIdLst>
   <p:sldSz cx="12192000" cy="6858000"/>
   <p:notesSz cx="6858000" cy="9144000"/>
@@ -893,7 +894,7 @@
             <a:fld id="{B61BEF0D-F0BB-DE4B-95CE-6DB70DBA9567}" type="datetimeFigureOut">
               <a:rPr lang="en-US" smtClean="0"/>
               <a:pPr/>
-              <a:t>2/19/2021</a:t>
+              <a:t>2/22/2021</a:t>
             </a:fld>
             <a:endParaRPr lang="en-US" dirty="0"/>
           </a:p>
@@ -1146,7 +1147,7 @@
             <a:fld id="{B61BEF0D-F0BB-DE4B-95CE-6DB70DBA9567}" type="datetimeFigureOut">
               <a:rPr lang="en-US" smtClean="0"/>
               <a:pPr/>
-              <a:t>2/19/2021</a:t>
+              <a:t>2/22/2021</a:t>
             </a:fld>
             <a:endParaRPr lang="en-US" dirty="0"/>
           </a:p>
@@ -1462,7 +1463,7 @@
             <a:fld id="{B61BEF0D-F0BB-DE4B-95CE-6DB70DBA9567}" type="datetimeFigureOut">
               <a:rPr lang="en-US" smtClean="0"/>
               <a:pPr/>
-              <a:t>2/19/2021</a:t>
+              <a:t>2/22/2021</a:t>
             </a:fld>
             <a:endParaRPr lang="en-US" dirty="0"/>
           </a:p>
@@ -1797,7 +1798,7 @@
             <a:fld id="{B61BEF0D-F0BB-DE4B-95CE-6DB70DBA9567}" type="datetimeFigureOut">
               <a:rPr lang="en-US" smtClean="0"/>
               <a:pPr/>
-              <a:t>2/19/2021</a:t>
+              <a:t>2/22/2021</a:t>
             </a:fld>
             <a:endParaRPr lang="en-US" dirty="0"/>
           </a:p>
@@ -2113,7 +2114,7 @@
             <a:fld id="{B61BEF0D-F0BB-DE4B-95CE-6DB70DBA9567}" type="datetimeFigureOut">
               <a:rPr lang="en-US" smtClean="0"/>
               <a:pPr/>
-              <a:t>2/19/2021</a:t>
+              <a:t>2/22/2021</a:t>
             </a:fld>
             <a:endParaRPr lang="en-US" dirty="0"/>
           </a:p>
@@ -2508,7 +2509,7 @@
             <a:fld id="{B61BEF0D-F0BB-DE4B-95CE-6DB70DBA9567}" type="datetimeFigureOut">
               <a:rPr lang="en-US" smtClean="0"/>
               <a:pPr/>
-              <a:t>2/19/2021</a:t>
+              <a:t>2/22/2021</a:t>
             </a:fld>
             <a:endParaRPr lang="en-US" dirty="0"/>
           </a:p>
@@ -2679,7 +2680,7 @@
           <a:p>
             <a:fld id="{55C6B4A9-1611-4792-9094-5F34BCA07E0B}" type="datetimeFigureOut">
               <a:rPr lang="en-US" smtClean="0"/>
-              <a:t>2/19/2021</a:t>
+              <a:t>2/22/2021</a:t>
             </a:fld>
             <a:endParaRPr lang="en-US" dirty="0"/>
           </a:p>
@@ -2860,7 +2861,7 @@
             <a:fld id="{B61BEF0D-F0BB-DE4B-95CE-6DB70DBA9567}" type="datetimeFigureOut">
               <a:rPr lang="en-US" smtClean="0"/>
               <a:pPr/>
-              <a:t>2/19/2021</a:t>
+              <a:t>2/22/2021</a:t>
             </a:fld>
             <a:endParaRPr lang="en-US" dirty="0"/>
           </a:p>
@@ -3032,7 +3033,7 @@
             <a:fld id="{B61BEF0D-F0BB-DE4B-95CE-6DB70DBA9567}" type="datetimeFigureOut">
               <a:rPr lang="en-US" smtClean="0"/>
               <a:pPr/>
-              <a:t>2/19/2021</a:t>
+              <a:t>2/22/2021</a:t>
             </a:fld>
             <a:endParaRPr lang="en-US" dirty="0"/>
           </a:p>
@@ -3314,7 +3315,7 @@
             <a:fld id="{B61BEF0D-F0BB-DE4B-95CE-6DB70DBA9567}" type="datetimeFigureOut">
               <a:rPr lang="en-US" smtClean="0"/>
               <a:pPr/>
-              <a:t>2/19/2021</a:t>
+              <a:t>2/22/2021</a:t>
             </a:fld>
             <a:endParaRPr lang="en-US" dirty="0"/>
           </a:p>
@@ -3547,7 +3548,7 @@
           <a:p>
             <a:fld id="{EB712588-04B1-427B-82EE-E8DB90309F08}" type="datetimeFigureOut">
               <a:rPr lang="en-US" smtClean="0"/>
-              <a:t>2/19/2021</a:t>
+              <a:t>2/22/2021</a:t>
             </a:fld>
             <a:endParaRPr lang="en-US" dirty="0"/>
           </a:p>
@@ -3955,7 +3956,7 @@
             <a:fld id="{B61BEF0D-F0BB-DE4B-95CE-6DB70DBA9567}" type="datetimeFigureOut">
               <a:rPr lang="en-US" smtClean="0"/>
               <a:pPr/>
-              <a:t>2/19/2021</a:t>
+              <a:t>2/22/2021</a:t>
             </a:fld>
             <a:endParaRPr lang="en-US" dirty="0"/>
           </a:p>
@@ -4113,7 +4114,7 @@
             <a:fld id="{B61BEF0D-F0BB-DE4B-95CE-6DB70DBA9567}" type="datetimeFigureOut">
               <a:rPr lang="en-US" smtClean="0"/>
               <a:pPr/>
-              <a:t>2/19/2021</a:t>
+              <a:t>2/22/2021</a:t>
             </a:fld>
             <a:endParaRPr lang="en-US" dirty="0"/>
           </a:p>
@@ -4243,7 +4244,7 @@
             <a:fld id="{B61BEF0D-F0BB-DE4B-95CE-6DB70DBA9567}" type="datetimeFigureOut">
               <a:rPr lang="en-US" smtClean="0"/>
               <a:pPr/>
-              <a:t>2/19/2021</a:t>
+              <a:t>2/22/2021</a:t>
             </a:fld>
             <a:endParaRPr lang="en-US" dirty="0"/>
           </a:p>
@@ -4499,7 +4500,7 @@
           <a:p>
             <a:fld id="{42A54C80-263E-416B-A8E0-580EDEADCBDC}" type="datetimeFigureOut">
               <a:rPr lang="en-US" smtClean="0"/>
-              <a:t>2/19/2021</a:t>
+              <a:t>2/22/2021</a:t>
             </a:fld>
             <a:endParaRPr lang="en-US" dirty="0"/>
           </a:p>
@@ -4806,7 +4807,7 @@
             <a:fld id="{B61BEF0D-F0BB-DE4B-95CE-6DB70DBA9567}" type="datetimeFigureOut">
               <a:rPr lang="en-US" smtClean="0"/>
               <a:pPr/>
-              <a:t>2/19/2021</a:t>
+              <a:t>2/22/2021</a:t>
             </a:fld>
             <a:endParaRPr lang="en-US" dirty="0"/>
           </a:p>
@@ -5509,7 +5510,7 @@
             <a:fld id="{B61BEF0D-F0BB-DE4B-95CE-6DB70DBA9567}" type="datetimeFigureOut">
               <a:rPr lang="en-US" smtClean="0"/>
               <a:pPr/>
-              <a:t>2/19/2021</a:t>
+              <a:t>2/22/2021</a:t>
             </a:fld>
             <a:endParaRPr lang="en-US" dirty="0"/>
           </a:p>
@@ -6128,7 +6129,7 @@
           <a:p>
             <a:fld id="{4805910D-2C61-424F-80CE-807290CF0E1E}" type="datetime4">
               <a:rPr lang="zh-TW" altLang="zh-TW"/>
-              <a:t>110年2月19日星期五</a:t>
+              <a:t>110年2月22日星期一</a:t>
             </a:fld>
             <a:endParaRPr lang="zh-TW" altLang="en-US" dirty="0"/>
           </a:p>
@@ -7065,6 +7066,127 @@
       </p:grpSpPr>
       <p:sp>
         <p:nvSpPr>
+          <p:cNvPr id="2" name="標題 1"/>
+          <p:cNvSpPr>
+            <a:spLocks noGrp="1"/>
+          </p:cNvSpPr>
+          <p:nvPr>
+            <p:ph type="title"/>
+          </p:nvPr>
+        </p:nvSpPr>
+        <p:spPr/>
+        <p:txBody>
+          <a:bodyPr/>
+          <a:lstStyle/>
+          <a:p>
+            <a:r>
+              <a:rPr lang="zh-TW" altLang="en-US" dirty="0" smtClean="0"/>
+              <a:t>小練習</a:t>
+            </a:r>
+            <a:r>
+              <a:rPr lang="en-US" altLang="zh-TW" dirty="0" smtClean="0"/>
+              <a:t/>
+            </a:r>
+            <a:br>
+              <a:rPr lang="en-US" altLang="zh-TW" dirty="0" smtClean="0"/>
+            </a:br>
+            <a:r>
+              <a:rPr lang="zh-TW" altLang="en-US" dirty="0"/>
+              <a:t>自己來喔</a:t>
+            </a:r>
+          </a:p>
+        </p:txBody>
+      </p:sp>
+      <p:sp>
+        <p:nvSpPr>
+          <p:cNvPr id="3" name="內容版面配置區 2"/>
+          <p:cNvSpPr>
+            <a:spLocks noGrp="1"/>
+          </p:cNvSpPr>
+          <p:nvPr>
+            <p:ph idx="1"/>
+          </p:nvPr>
+        </p:nvSpPr>
+        <p:spPr/>
+        <p:txBody>
+          <a:bodyPr/>
+          <a:lstStyle/>
+          <a:p>
+            <a:r>
+              <a:rPr lang="zh-TW" altLang="en-US" dirty="0" smtClean="0"/>
+              <a:t>輸入三角型三邊長，判斷是否可以形成三角形。</a:t>
+            </a:r>
+            <a:endParaRPr lang="en-US" altLang="zh-TW" dirty="0" smtClean="0"/>
+          </a:p>
+          <a:p>
+            <a:pPr lvl="1"/>
+            <a:r>
+              <a:rPr lang="zh-TW" altLang="en-US" dirty="0"/>
+              <a:t>進階：是不是正三角形</a:t>
+            </a:r>
+            <a:r>
+              <a:rPr lang="zh-TW" altLang="en-US" dirty="0" smtClean="0"/>
+              <a:t>？是不是直角三角形？是不是鈍</a:t>
+            </a:r>
+            <a:r>
+              <a:rPr lang="en-US" altLang="zh-TW" dirty="0" smtClean="0"/>
+              <a:t>(</a:t>
+            </a:r>
+            <a:r>
+              <a:rPr lang="zh-TW" altLang="en-US" dirty="0" smtClean="0"/>
+              <a:t>銳</a:t>
+            </a:r>
+            <a:r>
+              <a:rPr lang="en-US" altLang="zh-TW" dirty="0" smtClean="0"/>
+              <a:t>)</a:t>
+            </a:r>
+            <a:r>
+              <a:rPr lang="zh-TW" altLang="en-US" dirty="0" smtClean="0"/>
+              <a:t>角三角形？</a:t>
+            </a:r>
+            <a:endParaRPr lang="zh-TW" altLang="en-US" dirty="0"/>
+          </a:p>
+        </p:txBody>
+      </p:sp>
+    </p:spTree>
+    <p:extLst>
+      <p:ext uri="{BB962C8B-B14F-4D97-AF65-F5344CB8AC3E}">
+        <p14:creationId xmlns:p14="http://schemas.microsoft.com/office/powerpoint/2010/main" val="3351905157"/>
+      </p:ext>
+    </p:extLst>
+  </p:cSld>
+  <p:clrMapOvr>
+    <a:masterClrMapping/>
+  </p:clrMapOvr>
+  <p:timing>
+    <p:tnLst>
+      <p:par>
+        <p:cTn id="1" dur="indefinite" restart="never" nodeType="tmRoot"/>
+      </p:par>
+    </p:tnLst>
+  </p:timing>
+</p:sld>
+</file>
+
+<file path=ppt/slides/slide14.xml><?xml version="1.0" encoding="utf-8"?>
+<p:sld xmlns:a="http://schemas.openxmlformats.org/drawingml/2006/main" xmlns:r="http://schemas.openxmlformats.org/officeDocument/2006/relationships" xmlns:p="http://schemas.openxmlformats.org/presentationml/2006/main">
+  <p:cSld>
+    <p:spTree>
+      <p:nvGrpSpPr>
+        <p:cNvPr id="1" name=""/>
+        <p:cNvGrpSpPr/>
+        <p:nvPr/>
+      </p:nvGrpSpPr>
+      <p:grpSpPr>
+        <a:xfrm>
+          <a:off x="0" y="0"/>
+          <a:ext cx="0" cy="0"/>
+          <a:chOff x="0" y="0"/>
+          <a:chExt cx="0" cy="0"/>
+        </a:xfrm>
+      </p:grpSpPr>
+      <p:sp>
+        <p:nvSpPr>
           <p:cNvPr id="4" name="標題 3"/>
           <p:cNvSpPr>
             <a:spLocks noGrp="1"/>
@@ -7149,7 +7271,7 @@
 </p:sld>
 </file>
 
-<file path=ppt/slides/slide14.xml><?xml version="1.0" encoding="utf-8"?>
+<file path=ppt/slides/slide15.xml><?xml version="1.0" encoding="utf-8"?>
 <p:sld xmlns:a="http://schemas.openxmlformats.org/drawingml/2006/main" xmlns:r="http://schemas.openxmlformats.org/officeDocument/2006/relationships" xmlns:p="http://schemas.openxmlformats.org/presentationml/2006/main">
   <p:cSld>
     <p:spTree>
@@ -7313,7 +7435,7 @@
 </p:sld>
 </file>
 
-<file path=ppt/slides/slide15.xml><?xml version="1.0" encoding="utf-8"?>
+<file path=ppt/slides/slide16.xml><?xml version="1.0" encoding="utf-8"?>
 <p:sld xmlns:a="http://schemas.openxmlformats.org/drawingml/2006/main" xmlns:r="http://schemas.openxmlformats.org/officeDocument/2006/relationships" xmlns:p="http://schemas.openxmlformats.org/presentationml/2006/main">
   <p:cSld>
     <p:spTree>
@@ -7843,7 +7965,7 @@
 </p:sld>
 </file>
 
-<file path=ppt/slides/slide16.xml><?xml version="1.0" encoding="utf-8"?>
+<file path=ppt/slides/slide17.xml><?xml version="1.0" encoding="utf-8"?>
 <p:sld xmlns:a="http://schemas.openxmlformats.org/drawingml/2006/main" xmlns:r="http://schemas.openxmlformats.org/officeDocument/2006/relationships" xmlns:p="http://schemas.openxmlformats.org/presentationml/2006/main">
   <p:cSld>
     <p:spTree>
@@ -8108,7 +8230,7 @@
 </p:sld>
 </file>
 
-<file path=ppt/slides/slide17.xml><?xml version="1.0" encoding="utf-8"?>
+<file path=ppt/slides/slide18.xml><?xml version="1.0" encoding="utf-8"?>
 <p:sld xmlns:a="http://schemas.openxmlformats.org/drawingml/2006/main" xmlns:r="http://schemas.openxmlformats.org/officeDocument/2006/relationships" xmlns:p="http://schemas.openxmlformats.org/presentationml/2006/main">
   <p:cSld>
     <p:spTree>
@@ -8209,7 +8331,7 @@
 </p:sld>
 </file>
 
-<file path=ppt/slides/slide18.xml><?xml version="1.0" encoding="utf-8"?>
+<file path=ppt/slides/slide19.xml><?xml version="1.0" encoding="utf-8"?>
 <p:sld xmlns:a="http://schemas.openxmlformats.org/drawingml/2006/main" xmlns:r="http://schemas.openxmlformats.org/officeDocument/2006/relationships" xmlns:p="http://schemas.openxmlformats.org/presentationml/2006/main">
   <p:cSld>
     <p:spTree>
@@ -8494,292 +8616,6 @@
     <p:extLst>
       <p:ext uri="{BB962C8B-B14F-4D97-AF65-F5344CB8AC3E}">
         <p14:creationId xmlns:p14="http://schemas.microsoft.com/office/powerpoint/2010/main" val="2962973419"/>
-      </p:ext>
-    </p:extLst>
-  </p:cSld>
-  <p:clrMapOvr>
-    <a:masterClrMapping/>
-  </p:clrMapOvr>
-  <p:timing>
-    <p:tnLst>
-      <p:par>
-        <p:cTn id="1" dur="indefinite" restart="never" nodeType="tmRoot"/>
-      </p:par>
-    </p:tnLst>
-  </p:timing>
-</p:sld>
-</file>
-
-<file path=ppt/slides/slide19.xml><?xml version="1.0" encoding="utf-8"?>
-<p:sld xmlns:a="http://schemas.openxmlformats.org/drawingml/2006/main" xmlns:r="http://schemas.openxmlformats.org/officeDocument/2006/relationships" xmlns:p="http://schemas.openxmlformats.org/presentationml/2006/main">
-  <p:cSld>
-    <p:spTree>
-      <p:nvGrpSpPr>
-        <p:cNvPr id="1" name=""/>
-        <p:cNvGrpSpPr/>
-        <p:nvPr/>
-      </p:nvGrpSpPr>
-      <p:grpSpPr>
-        <a:xfrm>
-          <a:off x="0" y="0"/>
-          <a:ext cx="0" cy="0"/>
-          <a:chOff x="0" y="0"/>
-          <a:chExt cx="0" cy="0"/>
-        </a:xfrm>
-      </p:grpSpPr>
-      <p:sp>
-        <p:nvSpPr>
-          <p:cNvPr id="2" name="標題 1"/>
-          <p:cNvSpPr>
-            <a:spLocks noGrp="1"/>
-          </p:cNvSpPr>
-          <p:nvPr>
-            <p:ph type="title"/>
-          </p:nvPr>
-        </p:nvSpPr>
-        <p:spPr/>
-        <p:txBody>
-          <a:bodyPr/>
-          <a:lstStyle/>
-          <a:p>
-            <a:r>
-              <a:rPr lang="en-US" altLang="zh-TW" dirty="0"/>
-              <a:t>while</a:t>
-            </a:r>
-            <a:r>
-              <a:rPr lang="zh-TW" altLang="en-US" dirty="0"/>
-              <a:t> </a:t>
-            </a:r>
-            <a:r>
-              <a:rPr lang="zh-TW" altLang="en-US" dirty="0" smtClean="0"/>
-              <a:t>迴圈簡單解說</a:t>
-            </a:r>
-            <a:endParaRPr lang="zh-TW" altLang="en-US" dirty="0"/>
-          </a:p>
-        </p:txBody>
-      </p:sp>
-      <p:sp>
-        <p:nvSpPr>
-          <p:cNvPr id="3" name="內容版面配置區 2"/>
-          <p:cNvSpPr>
-            <a:spLocks noGrp="1"/>
-          </p:cNvSpPr>
-          <p:nvPr>
-            <p:ph idx="1"/>
-          </p:nvPr>
-        </p:nvSpPr>
-        <p:spPr/>
-        <p:txBody>
-          <a:bodyPr/>
-          <a:lstStyle/>
-          <a:p>
-            <a:r>
-              <a:rPr lang="zh-TW" altLang="en-US" dirty="0" smtClean="0"/>
-              <a:t>語法：</a:t>
-            </a:r>
-            <a:endParaRPr lang="en-US" altLang="zh-TW" dirty="0" smtClean="0"/>
-          </a:p>
-          <a:p>
-            <a:endParaRPr lang="en-US" altLang="zh-TW" dirty="0" smtClean="0"/>
-          </a:p>
-          <a:p>
-            <a:endParaRPr lang="en-US" altLang="zh-TW" dirty="0" smtClean="0"/>
-          </a:p>
-          <a:p>
-            <a:r>
-              <a:rPr lang="zh-TW" altLang="en-US" dirty="0"/>
-              <a:t>用口語</a:t>
-            </a:r>
-            <a:r>
-              <a:rPr lang="zh-TW" altLang="en-US" dirty="0" smtClean="0"/>
-              <a:t>講就是：當 </a:t>
-            </a:r>
-            <a:r>
-              <a:rPr lang="zh-TW" altLang="en-US" b="1" dirty="0" smtClean="0">
-                <a:solidFill>
-                  <a:srgbClr val="FF0000"/>
-                </a:solidFill>
-              </a:rPr>
-              <a:t>執行條件</a:t>
-            </a:r>
-            <a:r>
-              <a:rPr lang="zh-TW" altLang="en-US" dirty="0" smtClean="0"/>
-              <a:t>成立時就做</a:t>
-            </a:r>
-            <a:r>
-              <a:rPr lang="zh-TW" altLang="en-US" b="1" dirty="0" smtClean="0">
-                <a:solidFill>
-                  <a:srgbClr val="FF0000"/>
-                </a:solidFill>
-              </a:rPr>
-              <a:t>：</a:t>
-            </a:r>
-            <a:r>
-              <a:rPr lang="zh-TW" altLang="en-US" dirty="0" smtClean="0"/>
-              <a:t>後的事。</a:t>
-            </a:r>
-            <a:r>
-              <a:rPr lang="en-US" altLang="zh-TW" dirty="0" smtClean="0"/>
-              <a:t/>
-            </a:r>
-            <a:br>
-              <a:rPr lang="en-US" altLang="zh-TW" dirty="0" smtClean="0"/>
-            </a:br>
-            <a:r>
-              <a:rPr lang="zh-TW" altLang="en-US" dirty="0" smtClean="0"/>
-              <a:t>而且做完後再重頭檢查</a:t>
-            </a:r>
-            <a:r>
-              <a:rPr lang="zh-TW" altLang="en-US" b="1" dirty="0">
-                <a:solidFill>
-                  <a:srgbClr val="FF0000"/>
-                </a:solidFill>
-              </a:rPr>
-              <a:t>執行條件</a:t>
-            </a:r>
-            <a:r>
-              <a:rPr lang="zh-TW" altLang="en-US" dirty="0" smtClean="0"/>
-              <a:t>是否成立，如果成立再做一次</a:t>
-            </a:r>
-            <a:r>
-              <a:rPr lang="en-US" altLang="zh-TW" dirty="0" smtClean="0"/>
-              <a:t>……..</a:t>
-            </a:r>
-            <a:r>
-              <a:rPr lang="zh-TW" altLang="en-US" dirty="0" smtClean="0"/>
-              <a:t>以此類推。</a:t>
-            </a:r>
-            <a:endParaRPr lang="en-US" altLang="zh-TW" dirty="0" smtClean="0"/>
-          </a:p>
-          <a:p>
-            <a:r>
-              <a:rPr lang="zh-TW" altLang="en-US" dirty="0"/>
-              <a:t>所以程式會重複</a:t>
-            </a:r>
-            <a:r>
-              <a:rPr lang="zh-TW" altLang="en-US" dirty="0" smtClean="0"/>
-              <a:t>執行。</a:t>
-            </a:r>
-            <a:endParaRPr lang="en-US" altLang="zh-TW" dirty="0" smtClean="0"/>
-          </a:p>
-          <a:p>
-            <a:r>
-              <a:rPr lang="zh-TW" altLang="en-US" dirty="0" smtClean="0"/>
-              <a:t>當</a:t>
-            </a:r>
-            <a:r>
-              <a:rPr lang="zh-TW" altLang="en-US" b="1" dirty="0">
-                <a:solidFill>
-                  <a:srgbClr val="FF0000"/>
-                </a:solidFill>
-              </a:rPr>
-              <a:t>執行條件</a:t>
-            </a:r>
-            <a:r>
-              <a:rPr lang="zh-TW" altLang="en-US" dirty="0" smtClean="0"/>
-              <a:t>寫成 </a:t>
-            </a:r>
-            <a:r>
-              <a:rPr lang="en-US" altLang="zh-TW" b="1" dirty="0" smtClean="0">
-                <a:solidFill>
-                  <a:srgbClr val="FF0000"/>
-                </a:solidFill>
-              </a:rPr>
-              <a:t>True</a:t>
-            </a:r>
-            <a:r>
-              <a:rPr lang="zh-TW" altLang="en-US" dirty="0" smtClean="0"/>
-              <a:t>時，表示條件</a:t>
-            </a:r>
-            <a:r>
-              <a:rPr lang="zh-TW" altLang="en-US" b="1" dirty="0" smtClean="0">
-                <a:solidFill>
-                  <a:srgbClr val="FF0000"/>
-                </a:solidFill>
-              </a:rPr>
-              <a:t>永遠成立</a:t>
-            </a:r>
-            <a:r>
-              <a:rPr lang="zh-TW" altLang="en-US" dirty="0" smtClean="0"/>
-              <a:t>！</a:t>
-            </a:r>
-            <a:endParaRPr lang="en-US" altLang="zh-TW" dirty="0" smtClean="0"/>
-          </a:p>
-          <a:p>
-            <a:r>
-              <a:rPr lang="zh-TW" altLang="en-US" dirty="0" smtClean="0"/>
-              <a:t>所以</a:t>
-            </a:r>
-            <a:r>
-              <a:rPr lang="en-US" altLang="zh-TW" dirty="0" smtClean="0"/>
-              <a:t>while</a:t>
-            </a:r>
-            <a:r>
-              <a:rPr lang="zh-TW" altLang="en-US" dirty="0" smtClean="0"/>
-              <a:t>的</a:t>
-            </a:r>
-            <a:r>
-              <a:rPr lang="zh-TW" altLang="en-US" b="1" dirty="0">
-                <a:solidFill>
-                  <a:srgbClr val="FF0000"/>
-                </a:solidFill>
-              </a:rPr>
-              <a:t>：</a:t>
-            </a:r>
-            <a:r>
-              <a:rPr lang="zh-TW" altLang="en-US" dirty="0"/>
-              <a:t>後的事情</a:t>
-            </a:r>
-            <a:r>
-              <a:rPr lang="zh-TW" altLang="en-US" dirty="0" smtClean="0"/>
-              <a:t>會永遠無限制地重複！也就是程式不會停止！</a:t>
-            </a:r>
-            <a:endParaRPr lang="en-US" altLang="zh-TW" dirty="0" smtClean="0"/>
-          </a:p>
-          <a:p>
-            <a:endParaRPr lang="en-US" altLang="zh-TW" dirty="0"/>
-          </a:p>
-          <a:p>
-            <a:r>
-              <a:rPr lang="en-US" altLang="zh-TW" dirty="0" smtClean="0"/>
-              <a:t>while</a:t>
-            </a:r>
-            <a:r>
-              <a:rPr lang="zh-TW" altLang="en-US" dirty="0" smtClean="0"/>
-              <a:t>的詳細用法，後面單元再講解。</a:t>
-            </a:r>
-            <a:endParaRPr lang="zh-TW" altLang="en-US" dirty="0"/>
-          </a:p>
-        </p:txBody>
-      </p:sp>
-      <p:pic>
-        <p:nvPicPr>
-          <p:cNvPr id="4" name="圖片 3"/>
-          <p:cNvPicPr>
-            <a:picLocks noChangeAspect="1"/>
-          </p:cNvPicPr>
-          <p:nvPr/>
-        </p:nvPicPr>
-        <p:blipFill>
-          <a:blip r:embed="rId2"/>
-          <a:stretch>
-            <a:fillRect/>
-          </a:stretch>
-        </p:blipFill>
-        <p:spPr>
-          <a:xfrm>
-            <a:off x="1893760" y="2160588"/>
-            <a:ext cx="2062963" cy="1137601"/>
-          </a:xfrm>
-          <a:prstGeom prst="rect">
-            <a:avLst/>
-          </a:prstGeom>
-        </p:spPr>
-      </p:pic>
-    </p:spTree>
-    <p:extLst>
-      <p:ext uri="{BB962C8B-B14F-4D97-AF65-F5344CB8AC3E}">
-        <p14:creationId xmlns:p14="http://schemas.microsoft.com/office/powerpoint/2010/main" val="2453313630"/>
       </p:ext>
     </p:extLst>
   </p:cSld>
@@ -10473,6 +10309,292 @@
           <a:lstStyle/>
           <a:p>
             <a:r>
+              <a:rPr lang="en-US" altLang="zh-TW" dirty="0"/>
+              <a:t>while</a:t>
+            </a:r>
+            <a:r>
+              <a:rPr lang="zh-TW" altLang="en-US" dirty="0"/>
+              <a:t> </a:t>
+            </a:r>
+            <a:r>
+              <a:rPr lang="zh-TW" altLang="en-US" dirty="0" smtClean="0"/>
+              <a:t>迴圈簡單解說</a:t>
+            </a:r>
+            <a:endParaRPr lang="zh-TW" altLang="en-US" dirty="0"/>
+          </a:p>
+        </p:txBody>
+      </p:sp>
+      <p:sp>
+        <p:nvSpPr>
+          <p:cNvPr id="3" name="內容版面配置區 2"/>
+          <p:cNvSpPr>
+            <a:spLocks noGrp="1"/>
+          </p:cNvSpPr>
+          <p:nvPr>
+            <p:ph idx="1"/>
+          </p:nvPr>
+        </p:nvSpPr>
+        <p:spPr/>
+        <p:txBody>
+          <a:bodyPr/>
+          <a:lstStyle/>
+          <a:p>
+            <a:r>
+              <a:rPr lang="zh-TW" altLang="en-US" dirty="0" smtClean="0"/>
+              <a:t>語法：</a:t>
+            </a:r>
+            <a:endParaRPr lang="en-US" altLang="zh-TW" dirty="0" smtClean="0"/>
+          </a:p>
+          <a:p>
+            <a:endParaRPr lang="en-US" altLang="zh-TW" dirty="0" smtClean="0"/>
+          </a:p>
+          <a:p>
+            <a:endParaRPr lang="en-US" altLang="zh-TW" dirty="0" smtClean="0"/>
+          </a:p>
+          <a:p>
+            <a:r>
+              <a:rPr lang="zh-TW" altLang="en-US" dirty="0"/>
+              <a:t>用口語</a:t>
+            </a:r>
+            <a:r>
+              <a:rPr lang="zh-TW" altLang="en-US" dirty="0" smtClean="0"/>
+              <a:t>講就是：當 </a:t>
+            </a:r>
+            <a:r>
+              <a:rPr lang="zh-TW" altLang="en-US" b="1" dirty="0" smtClean="0">
+                <a:solidFill>
+                  <a:srgbClr val="FF0000"/>
+                </a:solidFill>
+              </a:rPr>
+              <a:t>執行條件</a:t>
+            </a:r>
+            <a:r>
+              <a:rPr lang="zh-TW" altLang="en-US" dirty="0" smtClean="0"/>
+              <a:t>成立時就做</a:t>
+            </a:r>
+            <a:r>
+              <a:rPr lang="zh-TW" altLang="en-US" b="1" dirty="0" smtClean="0">
+                <a:solidFill>
+                  <a:srgbClr val="FF0000"/>
+                </a:solidFill>
+              </a:rPr>
+              <a:t>：</a:t>
+            </a:r>
+            <a:r>
+              <a:rPr lang="zh-TW" altLang="en-US" dirty="0" smtClean="0"/>
+              <a:t>後的事。</a:t>
+            </a:r>
+            <a:r>
+              <a:rPr lang="en-US" altLang="zh-TW" dirty="0" smtClean="0"/>
+              <a:t/>
+            </a:r>
+            <a:br>
+              <a:rPr lang="en-US" altLang="zh-TW" dirty="0" smtClean="0"/>
+            </a:br>
+            <a:r>
+              <a:rPr lang="zh-TW" altLang="en-US" dirty="0" smtClean="0"/>
+              <a:t>而且做完後再重頭檢查</a:t>
+            </a:r>
+            <a:r>
+              <a:rPr lang="zh-TW" altLang="en-US" b="1" dirty="0">
+                <a:solidFill>
+                  <a:srgbClr val="FF0000"/>
+                </a:solidFill>
+              </a:rPr>
+              <a:t>執行條件</a:t>
+            </a:r>
+            <a:r>
+              <a:rPr lang="zh-TW" altLang="en-US" dirty="0" smtClean="0"/>
+              <a:t>是否成立，如果成立再做一次</a:t>
+            </a:r>
+            <a:r>
+              <a:rPr lang="en-US" altLang="zh-TW" dirty="0" smtClean="0"/>
+              <a:t>……..</a:t>
+            </a:r>
+            <a:r>
+              <a:rPr lang="zh-TW" altLang="en-US" dirty="0" smtClean="0"/>
+              <a:t>以此類推。</a:t>
+            </a:r>
+            <a:endParaRPr lang="en-US" altLang="zh-TW" dirty="0" smtClean="0"/>
+          </a:p>
+          <a:p>
+            <a:r>
+              <a:rPr lang="zh-TW" altLang="en-US" dirty="0"/>
+              <a:t>所以程式會重複</a:t>
+            </a:r>
+            <a:r>
+              <a:rPr lang="zh-TW" altLang="en-US" dirty="0" smtClean="0"/>
+              <a:t>執行。</a:t>
+            </a:r>
+            <a:endParaRPr lang="en-US" altLang="zh-TW" dirty="0" smtClean="0"/>
+          </a:p>
+          <a:p>
+            <a:r>
+              <a:rPr lang="zh-TW" altLang="en-US" dirty="0" smtClean="0"/>
+              <a:t>當</a:t>
+            </a:r>
+            <a:r>
+              <a:rPr lang="zh-TW" altLang="en-US" b="1" dirty="0">
+                <a:solidFill>
+                  <a:srgbClr val="FF0000"/>
+                </a:solidFill>
+              </a:rPr>
+              <a:t>執行條件</a:t>
+            </a:r>
+            <a:r>
+              <a:rPr lang="zh-TW" altLang="en-US" dirty="0" smtClean="0"/>
+              <a:t>寫成 </a:t>
+            </a:r>
+            <a:r>
+              <a:rPr lang="en-US" altLang="zh-TW" b="1" dirty="0" smtClean="0">
+                <a:solidFill>
+                  <a:srgbClr val="FF0000"/>
+                </a:solidFill>
+              </a:rPr>
+              <a:t>True</a:t>
+            </a:r>
+            <a:r>
+              <a:rPr lang="zh-TW" altLang="en-US" dirty="0" smtClean="0"/>
+              <a:t>時，表示條件</a:t>
+            </a:r>
+            <a:r>
+              <a:rPr lang="zh-TW" altLang="en-US" b="1" dirty="0" smtClean="0">
+                <a:solidFill>
+                  <a:srgbClr val="FF0000"/>
+                </a:solidFill>
+              </a:rPr>
+              <a:t>永遠成立</a:t>
+            </a:r>
+            <a:r>
+              <a:rPr lang="zh-TW" altLang="en-US" dirty="0" smtClean="0"/>
+              <a:t>！</a:t>
+            </a:r>
+            <a:endParaRPr lang="en-US" altLang="zh-TW" dirty="0" smtClean="0"/>
+          </a:p>
+          <a:p>
+            <a:r>
+              <a:rPr lang="zh-TW" altLang="en-US" dirty="0" smtClean="0"/>
+              <a:t>所以</a:t>
+            </a:r>
+            <a:r>
+              <a:rPr lang="en-US" altLang="zh-TW" dirty="0" smtClean="0"/>
+              <a:t>while</a:t>
+            </a:r>
+            <a:r>
+              <a:rPr lang="zh-TW" altLang="en-US" dirty="0" smtClean="0"/>
+              <a:t>的</a:t>
+            </a:r>
+            <a:r>
+              <a:rPr lang="zh-TW" altLang="en-US" b="1" dirty="0">
+                <a:solidFill>
+                  <a:srgbClr val="FF0000"/>
+                </a:solidFill>
+              </a:rPr>
+              <a:t>：</a:t>
+            </a:r>
+            <a:r>
+              <a:rPr lang="zh-TW" altLang="en-US" dirty="0"/>
+              <a:t>後的事情</a:t>
+            </a:r>
+            <a:r>
+              <a:rPr lang="zh-TW" altLang="en-US" dirty="0" smtClean="0"/>
+              <a:t>會永遠無限制地重複！也就是程式不會停止！</a:t>
+            </a:r>
+            <a:endParaRPr lang="en-US" altLang="zh-TW" dirty="0" smtClean="0"/>
+          </a:p>
+          <a:p>
+            <a:endParaRPr lang="en-US" altLang="zh-TW" dirty="0"/>
+          </a:p>
+          <a:p>
+            <a:r>
+              <a:rPr lang="en-US" altLang="zh-TW" dirty="0" smtClean="0"/>
+              <a:t>while</a:t>
+            </a:r>
+            <a:r>
+              <a:rPr lang="zh-TW" altLang="en-US" dirty="0" smtClean="0"/>
+              <a:t>的詳細用法，後面單元再講解。</a:t>
+            </a:r>
+            <a:endParaRPr lang="zh-TW" altLang="en-US" dirty="0"/>
+          </a:p>
+        </p:txBody>
+      </p:sp>
+      <p:pic>
+        <p:nvPicPr>
+          <p:cNvPr id="4" name="圖片 3"/>
+          <p:cNvPicPr>
+            <a:picLocks noChangeAspect="1"/>
+          </p:cNvPicPr>
+          <p:nvPr/>
+        </p:nvPicPr>
+        <p:blipFill>
+          <a:blip r:embed="rId2"/>
+          <a:stretch>
+            <a:fillRect/>
+          </a:stretch>
+        </p:blipFill>
+        <p:spPr>
+          <a:xfrm>
+            <a:off x="1893760" y="2160588"/>
+            <a:ext cx="2062963" cy="1137601"/>
+          </a:xfrm>
+          <a:prstGeom prst="rect">
+            <a:avLst/>
+          </a:prstGeom>
+        </p:spPr>
+      </p:pic>
+    </p:spTree>
+    <p:extLst>
+      <p:ext uri="{BB962C8B-B14F-4D97-AF65-F5344CB8AC3E}">
+        <p14:creationId xmlns:p14="http://schemas.microsoft.com/office/powerpoint/2010/main" val="2453313630"/>
+      </p:ext>
+    </p:extLst>
+  </p:cSld>
+  <p:clrMapOvr>
+    <a:masterClrMapping/>
+  </p:clrMapOvr>
+  <p:timing>
+    <p:tnLst>
+      <p:par>
+        <p:cTn id="1" dur="indefinite" restart="never" nodeType="tmRoot"/>
+      </p:par>
+    </p:tnLst>
+  </p:timing>
+</p:sld>
+</file>
+
+<file path=ppt/slides/slide21.xml><?xml version="1.0" encoding="utf-8"?>
+<p:sld xmlns:a="http://schemas.openxmlformats.org/drawingml/2006/main" xmlns:r="http://schemas.openxmlformats.org/officeDocument/2006/relationships" xmlns:p="http://schemas.openxmlformats.org/presentationml/2006/main">
+  <p:cSld>
+    <p:spTree>
+      <p:nvGrpSpPr>
+        <p:cNvPr id="1" name=""/>
+        <p:cNvGrpSpPr/>
+        <p:nvPr/>
+      </p:nvGrpSpPr>
+      <p:grpSpPr>
+        <a:xfrm>
+          <a:off x="0" y="0"/>
+          <a:ext cx="0" cy="0"/>
+          <a:chOff x="0" y="0"/>
+          <a:chExt cx="0" cy="0"/>
+        </a:xfrm>
+      </p:grpSpPr>
+      <p:sp>
+        <p:nvSpPr>
+          <p:cNvPr id="2" name="標題 1"/>
+          <p:cNvSpPr>
+            <a:spLocks noGrp="1"/>
+          </p:cNvSpPr>
+          <p:nvPr>
+            <p:ph type="title"/>
+          </p:nvPr>
+        </p:nvSpPr>
+        <p:spPr/>
+        <p:txBody>
+          <a:bodyPr/>
+          <a:lstStyle/>
+          <a:p>
+            <a:r>
               <a:rPr lang="zh-TW" altLang="en-US" dirty="0" smtClean="0"/>
               <a:t>練習三</a:t>
             </a:r>
@@ -10990,7 +11112,7 @@
 </p:sld>
 </file>
 
-<file path=ppt/slides/slide21.xml><?xml version="1.0" encoding="utf-8"?>
+<file path=ppt/slides/slide22.xml><?xml version="1.0" encoding="utf-8"?>
 <p:sld xmlns:a="http://schemas.openxmlformats.org/drawingml/2006/main" xmlns:r="http://schemas.openxmlformats.org/officeDocument/2006/relationships" xmlns:p="http://schemas.openxmlformats.org/presentationml/2006/main">
   <p:cSld>
     <p:spTree>
@@ -11081,7 +11203,7 @@
 </p:sld>
 </file>
 
-<file path=ppt/slides/slide22.xml><?xml version="1.0" encoding="utf-8"?>
+<file path=ppt/slides/slide23.xml><?xml version="1.0" encoding="utf-8"?>
 <p:sld xmlns:a="http://schemas.openxmlformats.org/drawingml/2006/main" xmlns:r="http://schemas.openxmlformats.org/officeDocument/2006/relationships" xmlns:p="http://schemas.openxmlformats.org/presentationml/2006/main">
   <p:cSld>
     <p:spTree>
@@ -11522,7 +11644,7 @@
 </p:sld>
 </file>
 
-<file path=ppt/slides/slide23.xml><?xml version="1.0" encoding="utf-8"?>
+<file path=ppt/slides/slide24.xml><?xml version="1.0" encoding="utf-8"?>
 <p:sld xmlns:a="http://schemas.openxmlformats.org/drawingml/2006/main" xmlns:r="http://schemas.openxmlformats.org/officeDocument/2006/relationships" xmlns:p="http://schemas.openxmlformats.org/presentationml/2006/main">
   <p:cSld>
     <p:spTree>
@@ -12206,7 +12328,7 @@
 </p:sld>
 </file>
 
-<file path=ppt/slides/slide24.xml><?xml version="1.0" encoding="utf-8"?>
+<file path=ppt/slides/slide25.xml><?xml version="1.0" encoding="utf-8"?>
 <p:sld xmlns:a="http://schemas.openxmlformats.org/drawingml/2006/main" xmlns:r="http://schemas.openxmlformats.org/officeDocument/2006/relationships" xmlns:p="http://schemas.openxmlformats.org/presentationml/2006/main">
   <p:cSld>
     <p:spTree>
@@ -12308,7 +12430,7 @@
 </p:sld>
 </file>
 
-<file path=ppt/slides/slide25.xml><?xml version="1.0" encoding="utf-8"?>
+<file path=ppt/slides/slide26.xml><?xml version="1.0" encoding="utf-8"?>
 <p:sld xmlns:a="http://schemas.openxmlformats.org/drawingml/2006/main" xmlns:r="http://schemas.openxmlformats.org/officeDocument/2006/relationships" xmlns:p="http://schemas.openxmlformats.org/presentationml/2006/main">
   <p:cSld>
     <p:spTree>
@@ -13880,7 +14002,9 @@
         </p:nvSpPr>
         <p:spPr/>
         <p:txBody>
-          <a:bodyPr/>
+          <a:bodyPr>
+            <a:normAutofit fontScale="92500" lnSpcReduction="20000"/>
+          </a:bodyPr>
           <a:lstStyle/>
           <a:p>
             <a:r>
@@ -14010,7 +14134,89 @@
               <a:rPr lang="en-US" altLang="zh-TW" dirty="0" smtClean="0"/>
               <a:t>)</a:t>
             </a:r>
-            <a:endParaRPr lang="zh-TW" altLang="en-US" dirty="0"/>
+          </a:p>
+          <a:p>
+            <a:pPr lvl="1"/>
+            <a:r>
+              <a:rPr lang="zh-TW" altLang="en-US" dirty="0" smtClean="0"/>
+              <a:t>加</a:t>
+            </a:r>
+            <a:r>
+              <a:rPr lang="en-US" altLang="zh-TW" dirty="0" smtClean="0"/>
+              <a:t>(+)</a:t>
+            </a:r>
+            <a:r>
+              <a:rPr lang="zh-TW" altLang="en-US" dirty="0" smtClean="0"/>
+              <a:t>、減</a:t>
+            </a:r>
+            <a:r>
+              <a:rPr lang="en-US" altLang="zh-TW" dirty="0" smtClean="0"/>
+              <a:t>(-)</a:t>
+            </a:r>
+            <a:r>
+              <a:rPr lang="zh-TW" altLang="en-US" dirty="0" smtClean="0"/>
+              <a:t>、乘</a:t>
+            </a:r>
+            <a:r>
+              <a:rPr lang="en-US" altLang="zh-TW" dirty="0" smtClean="0"/>
+              <a:t>(*)</a:t>
+            </a:r>
+          </a:p>
+          <a:p>
+            <a:pPr lvl="1"/>
+            <a:r>
+              <a:rPr lang="zh-TW" altLang="en-US" sz="1800" b="1" dirty="0" smtClean="0"/>
+              <a:t>除</a:t>
+            </a:r>
+            <a:endParaRPr lang="en-US" altLang="zh-TW" sz="1800" b="1" dirty="0"/>
+          </a:p>
+          <a:p>
+            <a:pPr lvl="2"/>
+            <a:r>
+              <a:rPr lang="en-US" altLang="zh-TW" sz="1600" b="1" dirty="0" smtClean="0"/>
+              <a:t>/ :</a:t>
+            </a:r>
+            <a:r>
+              <a:rPr lang="zh-TW" altLang="en-US" sz="1600" b="1" dirty="0" smtClean="0"/>
+              <a:t>一般除法，會算到小數點。</a:t>
+            </a:r>
+            <a:endParaRPr lang="en-US" altLang="zh-TW" sz="1600" b="1" dirty="0" smtClean="0"/>
+          </a:p>
+          <a:p>
+            <a:pPr lvl="2"/>
+            <a:r>
+              <a:rPr lang="en-US" altLang="zh-TW" sz="1600" b="1" dirty="0" smtClean="0"/>
+              <a:t>//:</a:t>
+            </a:r>
+            <a:r>
+              <a:rPr lang="zh-TW" altLang="en-US" sz="1600" b="1" dirty="0" smtClean="0"/>
+              <a:t>整數除法，商只算到整數，不會有小數，自動捨去。</a:t>
+            </a:r>
+            <a:endParaRPr lang="en-US" altLang="zh-TW" sz="1600" b="1" dirty="0" smtClean="0"/>
+          </a:p>
+          <a:p>
+            <a:pPr lvl="2"/>
+            <a:r>
+              <a:rPr lang="en-US" altLang="zh-TW" sz="1600" b="1" dirty="0" smtClean="0">
+                <a:solidFill>
+                  <a:srgbClr val="C00000"/>
+                </a:solidFill>
+              </a:rPr>
+              <a:t>%:</a:t>
+            </a:r>
+            <a:r>
+              <a:rPr lang="zh-TW" altLang="en-US" sz="1600" b="1" dirty="0" smtClean="0">
+                <a:solidFill>
+                  <a:srgbClr val="C00000"/>
+                </a:solidFill>
+              </a:rPr>
+              <a:t>取餘數，配合上一個運算子。</a:t>
+            </a:r>
+            <a:endParaRPr lang="zh-TW" altLang="en-US" sz="1600" b="1" dirty="0">
+              <a:solidFill>
+                <a:srgbClr val="C00000"/>
+              </a:solidFill>
+            </a:endParaRPr>
           </a:p>
           <a:p>
             <a:endParaRPr lang="zh-TW" altLang="en-US" dirty="0"/>
@@ -14025,7 +14231,7 @@
         </p:nvSpPr>
         <p:spPr>
           <a:xfrm>
-            <a:off x="677334" y="5902219"/>
+            <a:off x="677334" y="6041362"/>
             <a:ext cx="1669047" cy="369332"/>
           </a:xfrm>
           <a:prstGeom prst="rect">
@@ -14068,7 +14274,203 @@
   <p:timing>
     <p:tnLst>
       <p:par>
-        <p:cTn id="1" dur="indefinite" restart="never" nodeType="tmRoot"/>
+        <p:cTn id="1" dur="indefinite" restart="never" nodeType="tmRoot">
+          <p:childTnLst>
+            <p:seq concurrent="1" nextAc="seek">
+              <p:cTn id="2" dur="indefinite" nodeType="mainSeq">
+                <p:childTnLst>
+                  <p:par>
+                    <p:cTn id="3" fill="hold">
+                      <p:stCondLst>
+                        <p:cond delay="indefinite"/>
+                      </p:stCondLst>
+                      <p:childTnLst>
+                        <p:par>
+                          <p:cTn id="4" fill="hold">
+                            <p:stCondLst>
+                              <p:cond delay="0"/>
+                            </p:stCondLst>
+                            <p:childTnLst>
+                              <p:par>
+                                <p:cTn id="5" presetID="1" presetClass="entr" presetSubtype="0" fill="hold" nodeType="clickEffect">
+                                  <p:stCondLst>
+                                    <p:cond delay="0"/>
+                                  </p:stCondLst>
+                                  <p:childTnLst>
+                                    <p:set>
+                                      <p:cBhvr>
+                                        <p:cTn id="6" dur="1" fill="hold">
+                                          <p:stCondLst>
+                                            <p:cond delay="0"/>
+                                          </p:stCondLst>
+                                        </p:cTn>
+                                        <p:tgtEl>
+                                          <p:spTgt spid="3">
+                                            <p:txEl>
+                                              <p:pRg st="7" end="7"/>
+                                            </p:txEl>
+                                          </p:spTgt>
+                                        </p:tgtEl>
+                                        <p:attrNameLst>
+                                          <p:attrName>style.visibility</p:attrName>
+                                        </p:attrNameLst>
+                                      </p:cBhvr>
+                                      <p:to>
+                                        <p:strVal val="visible"/>
+                                      </p:to>
+                                    </p:set>
+                                  </p:childTnLst>
+                                </p:cTn>
+                              </p:par>
+                              <p:par>
+                                <p:cTn id="7" presetID="1" presetClass="entr" presetSubtype="0" fill="hold" nodeType="withEffect">
+                                  <p:stCondLst>
+                                    <p:cond delay="0"/>
+                                  </p:stCondLst>
+                                  <p:childTnLst>
+                                    <p:set>
+                                      <p:cBhvr>
+                                        <p:cTn id="8" dur="1" fill="hold">
+                                          <p:stCondLst>
+                                            <p:cond delay="0"/>
+                                          </p:stCondLst>
+                                        </p:cTn>
+                                        <p:tgtEl>
+                                          <p:spTgt spid="3">
+                                            <p:txEl>
+                                              <p:pRg st="8" end="8"/>
+                                            </p:txEl>
+                                          </p:spTgt>
+                                        </p:tgtEl>
+                                        <p:attrNameLst>
+                                          <p:attrName>style.visibility</p:attrName>
+                                        </p:attrNameLst>
+                                      </p:cBhvr>
+                                      <p:to>
+                                        <p:strVal val="visible"/>
+                                      </p:to>
+                                    </p:set>
+                                  </p:childTnLst>
+                                </p:cTn>
+                              </p:par>
+                              <p:par>
+                                <p:cTn id="9" presetID="1" presetClass="entr" presetSubtype="0" fill="hold" nodeType="withEffect">
+                                  <p:stCondLst>
+                                    <p:cond delay="0"/>
+                                  </p:stCondLst>
+                                  <p:childTnLst>
+                                    <p:set>
+                                      <p:cBhvr>
+                                        <p:cTn id="10" dur="1" fill="hold">
+                                          <p:stCondLst>
+                                            <p:cond delay="0"/>
+                                          </p:stCondLst>
+                                        </p:cTn>
+                                        <p:tgtEl>
+                                          <p:spTgt spid="3">
+                                            <p:txEl>
+                                              <p:pRg st="9" end="9"/>
+                                            </p:txEl>
+                                          </p:spTgt>
+                                        </p:tgtEl>
+                                        <p:attrNameLst>
+                                          <p:attrName>style.visibility</p:attrName>
+                                        </p:attrNameLst>
+                                      </p:cBhvr>
+                                      <p:to>
+                                        <p:strVal val="visible"/>
+                                      </p:to>
+                                    </p:set>
+                                  </p:childTnLst>
+                                </p:cTn>
+                              </p:par>
+                              <p:par>
+                                <p:cTn id="11" presetID="1" presetClass="entr" presetSubtype="0" fill="hold" nodeType="withEffect">
+                                  <p:stCondLst>
+                                    <p:cond delay="0"/>
+                                  </p:stCondLst>
+                                  <p:childTnLst>
+                                    <p:set>
+                                      <p:cBhvr>
+                                        <p:cTn id="12" dur="1" fill="hold">
+                                          <p:stCondLst>
+                                            <p:cond delay="0"/>
+                                          </p:stCondLst>
+                                        </p:cTn>
+                                        <p:tgtEl>
+                                          <p:spTgt spid="3">
+                                            <p:txEl>
+                                              <p:pRg st="10" end="10"/>
+                                            </p:txEl>
+                                          </p:spTgt>
+                                        </p:tgtEl>
+                                        <p:attrNameLst>
+                                          <p:attrName>style.visibility</p:attrName>
+                                        </p:attrNameLst>
+                                      </p:cBhvr>
+                                      <p:to>
+                                        <p:strVal val="visible"/>
+                                      </p:to>
+                                    </p:set>
+                                  </p:childTnLst>
+                                </p:cTn>
+                              </p:par>
+                              <p:par>
+                                <p:cTn id="13" presetID="1" presetClass="entr" presetSubtype="0" fill="hold" nodeType="withEffect">
+                                  <p:stCondLst>
+                                    <p:cond delay="0"/>
+                                  </p:stCondLst>
+                                  <p:childTnLst>
+                                    <p:set>
+                                      <p:cBhvr>
+                                        <p:cTn id="14" dur="1" fill="hold">
+                                          <p:stCondLst>
+                                            <p:cond delay="0"/>
+                                          </p:stCondLst>
+                                        </p:cTn>
+                                        <p:tgtEl>
+                                          <p:spTgt spid="3">
+                                            <p:txEl>
+                                              <p:pRg st="11" end="11"/>
+                                            </p:txEl>
+                                          </p:spTgt>
+                                        </p:tgtEl>
+                                        <p:attrNameLst>
+                                          <p:attrName>style.visibility</p:attrName>
+                                        </p:attrNameLst>
+                                      </p:cBhvr>
+                                      <p:to>
+                                        <p:strVal val="visible"/>
+                                      </p:to>
+                                    </p:set>
+                                  </p:childTnLst>
+                                </p:cTn>
+                              </p:par>
+                            </p:childTnLst>
+                          </p:cTn>
+                        </p:par>
+                      </p:childTnLst>
+                    </p:cTn>
+                  </p:par>
+                </p:childTnLst>
+              </p:cTn>
+              <p:prevCondLst>
+                <p:cond evt="onPrev" delay="0">
+                  <p:tgtEl>
+                    <p:sldTgt/>
+                  </p:tgtEl>
+                </p:cond>
+              </p:prevCondLst>
+              <p:nextCondLst>
+                <p:cond evt="onNext" delay="0">
+                  <p:tgtEl>
+                    <p:sldTgt/>
+                  </p:tgtEl>
+                </p:cond>
+              </p:nextCondLst>
+            </p:seq>
+          </p:childTnLst>
+        </p:cTn>
       </p:par>
     </p:tnLst>
   </p:timing>
@@ -14554,66 +14956,6 @@
             <a:bodyPr rtlCol="0" anchor="t"/>
             <a:lstStyle/>
             <a:p>
-              <a:r>
-                <a:rPr lang="en-US" altLang="zh-TW" dirty="0" smtClean="0">
-                  <a:solidFill>
-                    <a:schemeClr val="tx1"/>
-                  </a:solidFill>
-                </a:rPr>
-                <a:t>A=13</a:t>
-              </a:r>
-            </a:p>
-            <a:p>
-              <a:r>
-                <a:rPr lang="en-US" altLang="zh-TW" dirty="0" smtClean="0">
-                  <a:solidFill>
-                    <a:schemeClr val="tx1"/>
-                  </a:solidFill>
-                </a:rPr>
-                <a:t>B=77</a:t>
-              </a:r>
-            </a:p>
-            <a:p>
-              <a:r>
-                <a:rPr lang="en-US" altLang="zh-TW" dirty="0" smtClean="0">
-                  <a:solidFill>
-                    <a:srgbClr val="C00000"/>
-                  </a:solidFill>
-                </a:rPr>
-                <a:t>A</a:t>
-              </a:r>
-              <a:r>
-                <a:rPr lang="zh-TW" altLang="en-US" dirty="0" smtClean="0">
-                  <a:solidFill>
-                    <a:srgbClr val="C00000"/>
-                  </a:solidFill>
-                </a:rPr>
-                <a:t> </a:t>
-              </a:r>
-              <a:r>
-                <a:rPr lang="en-US" altLang="zh-TW" dirty="0" smtClean="0">
-                  <a:solidFill>
-                    <a:srgbClr val="C00000"/>
-                  </a:solidFill>
-                </a:rPr>
-                <a:t>&lt;</a:t>
-              </a:r>
-              <a:r>
-                <a:rPr lang="zh-TW" altLang="en-US" dirty="0" smtClean="0">
-                  <a:solidFill>
-                    <a:srgbClr val="C00000"/>
-                  </a:solidFill>
-                </a:rPr>
-                <a:t> </a:t>
-              </a:r>
-              <a:r>
-                <a:rPr lang="en-US" altLang="zh-TW" dirty="0" smtClean="0">
-                  <a:solidFill>
-                    <a:srgbClr val="C00000"/>
-                  </a:solidFill>
-                </a:rPr>
-                <a:t>B</a:t>
-              </a:r>
               <a:endParaRPr lang="zh-TW" altLang="en-US" dirty="0">
                 <a:solidFill>
                   <a:srgbClr val="C00000"/>
@@ -14706,6 +15048,183 @@
                 <a:srgbClr val="C00000"/>
               </a:solidFill>
             </a:endParaRPr>
+          </a:p>
+        </p:txBody>
+      </p:sp>
+      <p:sp>
+        <p:nvSpPr>
+          <p:cNvPr id="10" name="矩形 9"/>
+          <p:cNvSpPr/>
+          <p:nvPr/>
+        </p:nvSpPr>
+        <p:spPr>
+          <a:xfrm>
+            <a:off x="6718285" y="4408745"/>
+            <a:ext cx="442750" cy="369332"/>
+          </a:xfrm>
+          <a:prstGeom prst="rect">
+            <a:avLst/>
+          </a:prstGeom>
+        </p:spPr>
+        <p:txBody>
+          <a:bodyPr wrap="none">
+            <a:spAutoFit/>
+          </a:bodyPr>
+          <a:lstStyle/>
+          <a:p>
+            <a:r>
+              <a:rPr lang="en-US" altLang="zh-TW" dirty="0"/>
+              <a:t>A=</a:t>
+            </a:r>
+            <a:endParaRPr lang="zh-TW" altLang="en-US" dirty="0"/>
+          </a:p>
+        </p:txBody>
+      </p:sp>
+      <p:sp>
+        <p:nvSpPr>
+          <p:cNvPr id="11" name="矩形 10"/>
+          <p:cNvSpPr/>
+          <p:nvPr/>
+        </p:nvSpPr>
+        <p:spPr>
+          <a:xfrm>
+            <a:off x="7033599" y="4408745"/>
+            <a:ext cx="428322" cy="369332"/>
+          </a:xfrm>
+          <a:prstGeom prst="rect">
+            <a:avLst/>
+          </a:prstGeom>
+        </p:spPr>
+        <p:txBody>
+          <a:bodyPr wrap="none">
+            <a:spAutoFit/>
+          </a:bodyPr>
+          <a:lstStyle/>
+          <a:p>
+            <a:r>
+              <a:rPr lang="en-US" altLang="zh-TW" dirty="0">
+                <a:solidFill>
+                  <a:srgbClr val="0070C0"/>
+                </a:solidFill>
+              </a:rPr>
+              <a:t>13</a:t>
+            </a:r>
+            <a:endParaRPr lang="en-US" altLang="zh-TW" dirty="0">
+              <a:solidFill>
+                <a:srgbClr val="0070C0"/>
+              </a:solidFill>
+            </a:endParaRPr>
+          </a:p>
+        </p:txBody>
+      </p:sp>
+      <p:sp>
+        <p:nvSpPr>
+          <p:cNvPr id="12" name="矩形 11"/>
+          <p:cNvSpPr/>
+          <p:nvPr/>
+        </p:nvSpPr>
+        <p:spPr>
+          <a:xfrm>
+            <a:off x="6724697" y="4671863"/>
+            <a:ext cx="436338" cy="369332"/>
+          </a:xfrm>
+          <a:prstGeom prst="rect">
+            <a:avLst/>
+          </a:prstGeom>
+        </p:spPr>
+        <p:txBody>
+          <a:bodyPr wrap="none">
+            <a:spAutoFit/>
+          </a:bodyPr>
+          <a:lstStyle/>
+          <a:p>
+            <a:r>
+              <a:rPr lang="en-US" altLang="zh-TW" dirty="0"/>
+              <a:t>B=</a:t>
+            </a:r>
+            <a:endParaRPr lang="zh-TW" altLang="en-US" dirty="0"/>
+          </a:p>
+        </p:txBody>
+      </p:sp>
+      <p:sp>
+        <p:nvSpPr>
+          <p:cNvPr id="13" name="矩形 12"/>
+          <p:cNvSpPr/>
+          <p:nvPr/>
+        </p:nvSpPr>
+        <p:spPr>
+          <a:xfrm>
+            <a:off x="7033599" y="4671863"/>
+            <a:ext cx="428322" cy="369332"/>
+          </a:xfrm>
+          <a:prstGeom prst="rect">
+            <a:avLst/>
+          </a:prstGeom>
+        </p:spPr>
+        <p:txBody>
+          <a:bodyPr wrap="none">
+            <a:spAutoFit/>
+          </a:bodyPr>
+          <a:lstStyle/>
+          <a:p>
+            <a:r>
+              <a:rPr lang="en-US" altLang="zh-TW" dirty="0">
+                <a:solidFill>
+                  <a:srgbClr val="0070C0"/>
+                </a:solidFill>
+              </a:rPr>
+              <a:t>77</a:t>
+            </a:r>
+            <a:endParaRPr lang="zh-TW" altLang="en-US" dirty="0">
+              <a:solidFill>
+                <a:srgbClr val="0070C0"/>
+              </a:solidFill>
+            </a:endParaRPr>
+          </a:p>
+        </p:txBody>
+      </p:sp>
+      <p:sp>
+        <p:nvSpPr>
+          <p:cNvPr id="14" name="矩形 13"/>
+          <p:cNvSpPr/>
+          <p:nvPr/>
+        </p:nvSpPr>
+        <p:spPr>
+          <a:xfrm>
+            <a:off x="6724697" y="5008266"/>
+            <a:ext cx="697692" cy="369332"/>
+          </a:xfrm>
+          <a:prstGeom prst="rect">
+            <a:avLst/>
+          </a:prstGeom>
+        </p:spPr>
+        <p:txBody>
+          <a:bodyPr wrap="none">
+            <a:spAutoFit/>
+          </a:bodyPr>
+          <a:lstStyle/>
+          <a:p>
+            <a:r>
+              <a:rPr lang="en-US" altLang="zh-TW" dirty="0"/>
+              <a:t>A</a:t>
+            </a:r>
+            <a:r>
+              <a:rPr lang="zh-TW" altLang="en-US" dirty="0"/>
+              <a:t> </a:t>
+            </a:r>
+            <a:r>
+              <a:rPr lang="en-US" altLang="zh-TW" dirty="0"/>
+              <a:t>&lt;</a:t>
+            </a:r>
+            <a:r>
+              <a:rPr lang="zh-TW" altLang="en-US" dirty="0"/>
+              <a:t> </a:t>
+            </a:r>
+            <a:r>
+              <a:rPr lang="en-US" altLang="zh-TW" dirty="0"/>
+              <a:t>B</a:t>
+            </a:r>
+            <a:endParaRPr lang="zh-TW" altLang="en-US" dirty="0"/>
           </a:p>
         </p:txBody>
       </p:sp>
@@ -14772,6 +15291,231 @@
                       </p:childTnLst>
                     </p:cTn>
                   </p:par>
+                  <p:par>
+                    <p:cTn id="7" fill="hold">
+                      <p:stCondLst>
+                        <p:cond delay="indefinite"/>
+                      </p:stCondLst>
+                      <p:childTnLst>
+                        <p:par>
+                          <p:cTn id="8" fill="hold">
+                            <p:stCondLst>
+                              <p:cond delay="0"/>
+                            </p:stCondLst>
+                            <p:childTnLst>
+                              <p:par>
+                                <p:cTn id="9" presetID="1" presetClass="entr" presetSubtype="0" fill="hold" grpId="0" nodeType="clickEffect">
+                                  <p:stCondLst>
+                                    <p:cond delay="0"/>
+                                  </p:stCondLst>
+                                  <p:childTnLst>
+                                    <p:set>
+                                      <p:cBhvr>
+                                        <p:cTn id="10" dur="1" fill="hold">
+                                          <p:stCondLst>
+                                            <p:cond delay="0"/>
+                                          </p:stCondLst>
+                                        </p:cTn>
+                                        <p:tgtEl>
+                                          <p:spTgt spid="10"/>
+                                        </p:tgtEl>
+                                        <p:attrNameLst>
+                                          <p:attrName>style.visibility</p:attrName>
+                                        </p:attrNameLst>
+                                      </p:cBhvr>
+                                      <p:to>
+                                        <p:strVal val="visible"/>
+                                      </p:to>
+                                    </p:set>
+                                  </p:childTnLst>
+                                </p:cTn>
+                              </p:par>
+                            </p:childTnLst>
+                          </p:cTn>
+                        </p:par>
+                      </p:childTnLst>
+                    </p:cTn>
+                  </p:par>
+                  <p:par>
+                    <p:cTn id="11" fill="hold">
+                      <p:stCondLst>
+                        <p:cond delay="indefinite"/>
+                      </p:stCondLst>
+                      <p:childTnLst>
+                        <p:par>
+                          <p:cTn id="12" fill="hold">
+                            <p:stCondLst>
+                              <p:cond delay="0"/>
+                            </p:stCondLst>
+                            <p:childTnLst>
+                              <p:par>
+                                <p:cTn id="13" presetID="1" presetClass="entr" presetSubtype="0" fill="hold" grpId="0" nodeType="clickEffect">
+                                  <p:stCondLst>
+                                    <p:cond delay="0"/>
+                                  </p:stCondLst>
+                                  <p:childTnLst>
+                                    <p:set>
+                                      <p:cBhvr>
+                                        <p:cTn id="14" dur="1" fill="hold">
+                                          <p:stCondLst>
+                                            <p:cond delay="0"/>
+                                          </p:stCondLst>
+                                        </p:cTn>
+                                        <p:tgtEl>
+                                          <p:spTgt spid="11"/>
+                                        </p:tgtEl>
+                                        <p:attrNameLst>
+                                          <p:attrName>style.visibility</p:attrName>
+                                        </p:attrNameLst>
+                                      </p:cBhvr>
+                                      <p:to>
+                                        <p:strVal val="visible"/>
+                                      </p:to>
+                                    </p:set>
+                                  </p:childTnLst>
+                                </p:cTn>
+                              </p:par>
+                            </p:childTnLst>
+                          </p:cTn>
+                        </p:par>
+                      </p:childTnLst>
+                    </p:cTn>
+                  </p:par>
+                  <p:par>
+                    <p:cTn id="15" fill="hold">
+                      <p:stCondLst>
+                        <p:cond delay="indefinite"/>
+                      </p:stCondLst>
+                      <p:childTnLst>
+                        <p:par>
+                          <p:cTn id="16" fill="hold">
+                            <p:stCondLst>
+                              <p:cond delay="0"/>
+                            </p:stCondLst>
+                            <p:childTnLst>
+                              <p:par>
+                                <p:cTn id="17" presetID="1" presetClass="entr" presetSubtype="0" fill="hold" grpId="0" nodeType="clickEffect">
+                                  <p:stCondLst>
+                                    <p:cond delay="0"/>
+                                  </p:stCondLst>
+                                  <p:childTnLst>
+                                    <p:set>
+                                      <p:cBhvr>
+                                        <p:cTn id="18" dur="1" fill="hold">
+                                          <p:stCondLst>
+                                            <p:cond delay="0"/>
+                                          </p:stCondLst>
+                                        </p:cTn>
+                                        <p:tgtEl>
+                                          <p:spTgt spid="12"/>
+                                        </p:tgtEl>
+                                        <p:attrNameLst>
+                                          <p:attrName>style.visibility</p:attrName>
+                                        </p:attrNameLst>
+                                      </p:cBhvr>
+                                      <p:to>
+                                        <p:strVal val="visible"/>
+                                      </p:to>
+                                    </p:set>
+                                  </p:childTnLst>
+                                </p:cTn>
+                              </p:par>
+                            </p:childTnLst>
+                          </p:cTn>
+                        </p:par>
+                      </p:childTnLst>
+                    </p:cTn>
+                  </p:par>
+                  <p:par>
+                    <p:cTn id="19" fill="hold">
+                      <p:stCondLst>
+                        <p:cond delay="indefinite"/>
+                      </p:stCondLst>
+                      <p:childTnLst>
+                        <p:par>
+                          <p:cTn id="20" fill="hold">
+                            <p:stCondLst>
+                              <p:cond delay="0"/>
+                            </p:stCondLst>
+                            <p:childTnLst>
+                              <p:par>
+                                <p:cTn id="21" presetID="1" presetClass="entr" presetSubtype="0" fill="hold" grpId="0" nodeType="clickEffect">
+                                  <p:stCondLst>
+                                    <p:cond delay="0"/>
+                                  </p:stCondLst>
+                                  <p:childTnLst>
+                                    <p:set>
+                                      <p:cBhvr>
+                                        <p:cTn id="22" dur="1" fill="hold">
+                                          <p:stCondLst>
+                                            <p:cond delay="0"/>
+                                          </p:stCondLst>
+                                        </p:cTn>
+                                        <p:tgtEl>
+                                          <p:spTgt spid="13"/>
+                                        </p:tgtEl>
+                                        <p:attrNameLst>
+                                          <p:attrName>style.visibility</p:attrName>
+                                        </p:attrNameLst>
+                                      </p:cBhvr>
+                                      <p:to>
+                                        <p:strVal val="visible"/>
+                                      </p:to>
+                                    </p:set>
+                                  </p:childTnLst>
+                                </p:cTn>
+                              </p:par>
+                            </p:childTnLst>
+                          </p:cTn>
+                        </p:par>
+                      </p:childTnLst>
+                    </p:cTn>
+                  </p:par>
+                  <p:par>
+                    <p:cTn id="23" fill="hold">
+                      <p:stCondLst>
+                        <p:cond delay="indefinite"/>
+                      </p:stCondLst>
+                      <p:childTnLst>
+                        <p:par>
+                          <p:cTn id="24" fill="hold">
+                            <p:stCondLst>
+                              <p:cond delay="0"/>
+                            </p:stCondLst>
+                            <p:childTnLst>
+                              <p:par>
+                                <p:cTn id="25" presetID="1" presetClass="entr" presetSubtype="0" fill="hold" grpId="0" nodeType="clickEffect">
+                                  <p:stCondLst>
+                                    <p:cond delay="0"/>
+                                  </p:stCondLst>
+                                  <p:childTnLst>
+                                    <p:set>
+                                      <p:cBhvr>
+                                        <p:cTn id="26" dur="1" fill="hold">
+                                          <p:stCondLst>
+                                            <p:cond delay="0"/>
+                                          </p:stCondLst>
+                                        </p:cTn>
+                                        <p:tgtEl>
+                                          <p:spTgt spid="14"/>
+                                        </p:tgtEl>
+                                        <p:attrNameLst>
+                                          <p:attrName>style.visibility</p:attrName>
+                                        </p:attrNameLst>
+                                      </p:cBhvr>
+                                      <p:to>
+                                        <p:strVal val="visible"/>
+                                      </p:to>
+                                    </p:set>
+                                  </p:childTnLst>
+                                </p:cTn>
+                              </p:par>
+                            </p:childTnLst>
+                          </p:cTn>
+                        </p:par>
+                      </p:childTnLst>
+                    </p:cTn>
+                  </p:par>
                 </p:childTnLst>
               </p:cTn>
               <p:prevCondLst>
@@ -14793,6 +15537,13 @@
         </p:cTn>
       </p:par>
     </p:tnLst>
+    <p:bldLst>
+      <p:bldP spid="10" grpId="0"/>
+      <p:bldP spid="11" grpId="0"/>
+      <p:bldP spid="12" grpId="0"/>
+      <p:bldP spid="13" grpId="0"/>
+      <p:bldP spid="14" grpId="0"/>
+    </p:bldLst>
   </p:timing>
 </p:sld>
 </file>

--- a/LCC/Python/03_流程控制(分支).pptx
+++ b/LCC/Python/03_流程控制(分支).pptx
@@ -894,7 +894,7 @@
             <a:fld id="{B61BEF0D-F0BB-DE4B-95CE-6DB70DBA9567}" type="datetimeFigureOut">
               <a:rPr lang="en-US" smtClean="0"/>
               <a:pPr/>
-              <a:t>2/22/2021</a:t>
+              <a:t>2/24/2021</a:t>
             </a:fld>
             <a:endParaRPr lang="en-US" dirty="0"/>
           </a:p>
@@ -1147,7 +1147,7 @@
             <a:fld id="{B61BEF0D-F0BB-DE4B-95CE-6DB70DBA9567}" type="datetimeFigureOut">
               <a:rPr lang="en-US" smtClean="0"/>
               <a:pPr/>
-              <a:t>2/22/2021</a:t>
+              <a:t>2/24/2021</a:t>
             </a:fld>
             <a:endParaRPr lang="en-US" dirty="0"/>
           </a:p>
@@ -1463,7 +1463,7 @@
             <a:fld id="{B61BEF0D-F0BB-DE4B-95CE-6DB70DBA9567}" type="datetimeFigureOut">
               <a:rPr lang="en-US" smtClean="0"/>
               <a:pPr/>
-              <a:t>2/22/2021</a:t>
+              <a:t>2/24/2021</a:t>
             </a:fld>
             <a:endParaRPr lang="en-US" dirty="0"/>
           </a:p>
@@ -1798,7 +1798,7 @@
             <a:fld id="{B61BEF0D-F0BB-DE4B-95CE-6DB70DBA9567}" type="datetimeFigureOut">
               <a:rPr lang="en-US" smtClean="0"/>
               <a:pPr/>
-              <a:t>2/22/2021</a:t>
+              <a:t>2/24/2021</a:t>
             </a:fld>
             <a:endParaRPr lang="en-US" dirty="0"/>
           </a:p>
@@ -2114,7 +2114,7 @@
             <a:fld id="{B61BEF0D-F0BB-DE4B-95CE-6DB70DBA9567}" type="datetimeFigureOut">
               <a:rPr lang="en-US" smtClean="0"/>
               <a:pPr/>
-              <a:t>2/22/2021</a:t>
+              <a:t>2/24/2021</a:t>
             </a:fld>
             <a:endParaRPr lang="en-US" dirty="0"/>
           </a:p>
@@ -2509,7 +2509,7 @@
             <a:fld id="{B61BEF0D-F0BB-DE4B-95CE-6DB70DBA9567}" type="datetimeFigureOut">
               <a:rPr lang="en-US" smtClean="0"/>
               <a:pPr/>
-              <a:t>2/22/2021</a:t>
+              <a:t>2/24/2021</a:t>
             </a:fld>
             <a:endParaRPr lang="en-US" dirty="0"/>
           </a:p>
@@ -2680,7 +2680,7 @@
           <a:p>
             <a:fld id="{55C6B4A9-1611-4792-9094-5F34BCA07E0B}" type="datetimeFigureOut">
               <a:rPr lang="en-US" smtClean="0"/>
-              <a:t>2/22/2021</a:t>
+              <a:t>2/24/2021</a:t>
             </a:fld>
             <a:endParaRPr lang="en-US" dirty="0"/>
           </a:p>
@@ -2861,7 +2861,7 @@
             <a:fld id="{B61BEF0D-F0BB-DE4B-95CE-6DB70DBA9567}" type="datetimeFigureOut">
               <a:rPr lang="en-US" smtClean="0"/>
               <a:pPr/>
-              <a:t>2/22/2021</a:t>
+              <a:t>2/24/2021</a:t>
             </a:fld>
             <a:endParaRPr lang="en-US" dirty="0"/>
           </a:p>
@@ -3033,7 +3033,7 @@
             <a:fld id="{B61BEF0D-F0BB-DE4B-95CE-6DB70DBA9567}" type="datetimeFigureOut">
               <a:rPr lang="en-US" smtClean="0"/>
               <a:pPr/>
-              <a:t>2/22/2021</a:t>
+              <a:t>2/24/2021</a:t>
             </a:fld>
             <a:endParaRPr lang="en-US" dirty="0"/>
           </a:p>
@@ -3315,7 +3315,7 @@
             <a:fld id="{B61BEF0D-F0BB-DE4B-95CE-6DB70DBA9567}" type="datetimeFigureOut">
               <a:rPr lang="en-US" smtClean="0"/>
               <a:pPr/>
-              <a:t>2/22/2021</a:t>
+              <a:t>2/24/2021</a:t>
             </a:fld>
             <a:endParaRPr lang="en-US" dirty="0"/>
           </a:p>
@@ -3548,7 +3548,7 @@
           <a:p>
             <a:fld id="{EB712588-04B1-427B-82EE-E8DB90309F08}" type="datetimeFigureOut">
               <a:rPr lang="en-US" smtClean="0"/>
-              <a:t>2/22/2021</a:t>
+              <a:t>2/24/2021</a:t>
             </a:fld>
             <a:endParaRPr lang="en-US" dirty="0"/>
           </a:p>
@@ -3956,7 +3956,7 @@
             <a:fld id="{B61BEF0D-F0BB-DE4B-95CE-6DB70DBA9567}" type="datetimeFigureOut">
               <a:rPr lang="en-US" smtClean="0"/>
               <a:pPr/>
-              <a:t>2/22/2021</a:t>
+              <a:t>2/24/2021</a:t>
             </a:fld>
             <a:endParaRPr lang="en-US" dirty="0"/>
           </a:p>
@@ -4114,7 +4114,7 @@
             <a:fld id="{B61BEF0D-F0BB-DE4B-95CE-6DB70DBA9567}" type="datetimeFigureOut">
               <a:rPr lang="en-US" smtClean="0"/>
               <a:pPr/>
-              <a:t>2/22/2021</a:t>
+              <a:t>2/24/2021</a:t>
             </a:fld>
             <a:endParaRPr lang="en-US" dirty="0"/>
           </a:p>
@@ -4244,7 +4244,7 @@
             <a:fld id="{B61BEF0D-F0BB-DE4B-95CE-6DB70DBA9567}" type="datetimeFigureOut">
               <a:rPr lang="en-US" smtClean="0"/>
               <a:pPr/>
-              <a:t>2/22/2021</a:t>
+              <a:t>2/24/2021</a:t>
             </a:fld>
             <a:endParaRPr lang="en-US" dirty="0"/>
           </a:p>
@@ -4500,7 +4500,7 @@
           <a:p>
             <a:fld id="{42A54C80-263E-416B-A8E0-580EDEADCBDC}" type="datetimeFigureOut">
               <a:rPr lang="en-US" smtClean="0"/>
-              <a:t>2/22/2021</a:t>
+              <a:t>2/24/2021</a:t>
             </a:fld>
             <a:endParaRPr lang="en-US" dirty="0"/>
           </a:p>
@@ -4807,7 +4807,7 @@
             <a:fld id="{B61BEF0D-F0BB-DE4B-95CE-6DB70DBA9567}" type="datetimeFigureOut">
               <a:rPr lang="en-US" smtClean="0"/>
               <a:pPr/>
-              <a:t>2/22/2021</a:t>
+              <a:t>2/24/2021</a:t>
             </a:fld>
             <a:endParaRPr lang="en-US" dirty="0"/>
           </a:p>
@@ -5510,7 +5510,7 @@
             <a:fld id="{B61BEF0D-F0BB-DE4B-95CE-6DB70DBA9567}" type="datetimeFigureOut">
               <a:rPr lang="en-US" smtClean="0"/>
               <a:pPr/>
-              <a:t>2/22/2021</a:t>
+              <a:t>2/24/2021</a:t>
             </a:fld>
             <a:endParaRPr lang="en-US" dirty="0"/>
           </a:p>
@@ -6129,7 +6129,7 @@
           <a:p>
             <a:fld id="{4805910D-2C61-424F-80CE-807290CF0E1E}" type="datetime4">
               <a:rPr lang="zh-TW" altLang="zh-TW"/>
-              <a:t>110年2月22日星期一</a:t>
+              <a:t>110年2月24日星期三</a:t>
             </a:fld>
             <a:endParaRPr lang="zh-TW" altLang="en-US" dirty="0"/>
           </a:p>
@@ -6546,8 +6546,29 @@
             <a:pPr lvl="1"/>
             <a:r>
               <a:rPr lang="zh-TW" altLang="en-US" dirty="0"/>
-              <a:t>語法？</a:t>
-            </a:r>
+              <a:t>語法</a:t>
+            </a:r>
+            <a:r>
+              <a:rPr lang="zh-TW" altLang="en-US" dirty="0" smtClean="0"/>
+              <a:t>？</a:t>
+            </a:r>
+            <a:endParaRPr lang="en-US" altLang="zh-TW" dirty="0"/>
+          </a:p>
+          <a:p>
+            <a:pPr lvl="1"/>
+            <a:r>
+              <a:rPr lang="zh-TW" altLang="en-US" dirty="0" smtClean="0"/>
+              <a:t>複合條件</a:t>
+            </a:r>
+            <a:r>
+              <a:rPr lang="zh-TW" altLang="en-US" smtClean="0"/>
+              <a:t>需要用 </a:t>
+            </a:r>
+            <a:r>
+              <a:rPr lang="en-US" altLang="zh-TW" smtClean="0"/>
+              <a:t>and, or, not</a:t>
+            </a:r>
+            <a:endParaRPr lang="zh-TW" altLang="en-US" dirty="0"/>
           </a:p>
           <a:p>
             <a:endParaRPr lang="zh-TW" altLang="en-US" dirty="0"/>
@@ -15109,11 +15130,6 @@
               </a:rPr>
               <a:t>13</a:t>
             </a:r>
-            <a:endParaRPr lang="en-US" altLang="zh-TW" dirty="0">
-              <a:solidFill>
-                <a:srgbClr val="0070C0"/>
-              </a:solidFill>
-            </a:endParaRPr>
           </a:p>
         </p:txBody>
       </p:sp>

--- a/LCC/Python/03_流程控制(分支).pptx
+++ b/LCC/Python/03_流程控制(分支).pptx
@@ -894,7 +894,7 @@
             <a:fld id="{B61BEF0D-F0BB-DE4B-95CE-6DB70DBA9567}" type="datetimeFigureOut">
               <a:rPr lang="en-US" smtClean="0"/>
               <a:pPr/>
-              <a:t>2/24/2021</a:t>
+              <a:t>6/6/2021</a:t>
             </a:fld>
             <a:endParaRPr lang="en-US" dirty="0"/>
           </a:p>
@@ -1147,7 +1147,7 @@
             <a:fld id="{B61BEF0D-F0BB-DE4B-95CE-6DB70DBA9567}" type="datetimeFigureOut">
               <a:rPr lang="en-US" smtClean="0"/>
               <a:pPr/>
-              <a:t>2/24/2021</a:t>
+              <a:t>6/6/2021</a:t>
             </a:fld>
             <a:endParaRPr lang="en-US" dirty="0"/>
           </a:p>
@@ -1463,7 +1463,7 @@
             <a:fld id="{B61BEF0D-F0BB-DE4B-95CE-6DB70DBA9567}" type="datetimeFigureOut">
               <a:rPr lang="en-US" smtClean="0"/>
               <a:pPr/>
-              <a:t>2/24/2021</a:t>
+              <a:t>6/6/2021</a:t>
             </a:fld>
             <a:endParaRPr lang="en-US" dirty="0"/>
           </a:p>
@@ -1798,7 +1798,7 @@
             <a:fld id="{B61BEF0D-F0BB-DE4B-95CE-6DB70DBA9567}" type="datetimeFigureOut">
               <a:rPr lang="en-US" smtClean="0"/>
               <a:pPr/>
-              <a:t>2/24/2021</a:t>
+              <a:t>6/6/2021</a:t>
             </a:fld>
             <a:endParaRPr lang="en-US" dirty="0"/>
           </a:p>
@@ -2114,7 +2114,7 @@
             <a:fld id="{B61BEF0D-F0BB-DE4B-95CE-6DB70DBA9567}" type="datetimeFigureOut">
               <a:rPr lang="en-US" smtClean="0"/>
               <a:pPr/>
-              <a:t>2/24/2021</a:t>
+              <a:t>6/6/2021</a:t>
             </a:fld>
             <a:endParaRPr lang="en-US" dirty="0"/>
           </a:p>
@@ -2509,7 +2509,7 @@
             <a:fld id="{B61BEF0D-F0BB-DE4B-95CE-6DB70DBA9567}" type="datetimeFigureOut">
               <a:rPr lang="en-US" smtClean="0"/>
               <a:pPr/>
-              <a:t>2/24/2021</a:t>
+              <a:t>6/6/2021</a:t>
             </a:fld>
             <a:endParaRPr lang="en-US" dirty="0"/>
           </a:p>
@@ -2680,7 +2680,7 @@
           <a:p>
             <a:fld id="{55C6B4A9-1611-4792-9094-5F34BCA07E0B}" type="datetimeFigureOut">
               <a:rPr lang="en-US" smtClean="0"/>
-              <a:t>2/24/2021</a:t>
+              <a:t>6/6/2021</a:t>
             </a:fld>
             <a:endParaRPr lang="en-US" dirty="0"/>
           </a:p>
@@ -2861,7 +2861,7 @@
             <a:fld id="{B61BEF0D-F0BB-DE4B-95CE-6DB70DBA9567}" type="datetimeFigureOut">
               <a:rPr lang="en-US" smtClean="0"/>
               <a:pPr/>
-              <a:t>2/24/2021</a:t>
+              <a:t>6/6/2021</a:t>
             </a:fld>
             <a:endParaRPr lang="en-US" dirty="0"/>
           </a:p>
@@ -3033,7 +3033,7 @@
             <a:fld id="{B61BEF0D-F0BB-DE4B-95CE-6DB70DBA9567}" type="datetimeFigureOut">
               <a:rPr lang="en-US" smtClean="0"/>
               <a:pPr/>
-              <a:t>2/24/2021</a:t>
+              <a:t>6/6/2021</a:t>
             </a:fld>
             <a:endParaRPr lang="en-US" dirty="0"/>
           </a:p>
@@ -3315,7 +3315,7 @@
             <a:fld id="{B61BEF0D-F0BB-DE4B-95CE-6DB70DBA9567}" type="datetimeFigureOut">
               <a:rPr lang="en-US" smtClean="0"/>
               <a:pPr/>
-              <a:t>2/24/2021</a:t>
+              <a:t>6/6/2021</a:t>
             </a:fld>
             <a:endParaRPr lang="en-US" dirty="0"/>
           </a:p>
@@ -3548,7 +3548,7 @@
           <a:p>
             <a:fld id="{EB712588-04B1-427B-82EE-E8DB90309F08}" type="datetimeFigureOut">
               <a:rPr lang="en-US" smtClean="0"/>
-              <a:t>2/24/2021</a:t>
+              <a:t>6/6/2021</a:t>
             </a:fld>
             <a:endParaRPr lang="en-US" dirty="0"/>
           </a:p>
@@ -3956,7 +3956,7 @@
             <a:fld id="{B61BEF0D-F0BB-DE4B-95CE-6DB70DBA9567}" type="datetimeFigureOut">
               <a:rPr lang="en-US" smtClean="0"/>
               <a:pPr/>
-              <a:t>2/24/2021</a:t>
+              <a:t>6/6/2021</a:t>
             </a:fld>
             <a:endParaRPr lang="en-US" dirty="0"/>
           </a:p>
@@ -4114,7 +4114,7 @@
             <a:fld id="{B61BEF0D-F0BB-DE4B-95CE-6DB70DBA9567}" type="datetimeFigureOut">
               <a:rPr lang="en-US" smtClean="0"/>
               <a:pPr/>
-              <a:t>2/24/2021</a:t>
+              <a:t>6/6/2021</a:t>
             </a:fld>
             <a:endParaRPr lang="en-US" dirty="0"/>
           </a:p>
@@ -4244,7 +4244,7 @@
             <a:fld id="{B61BEF0D-F0BB-DE4B-95CE-6DB70DBA9567}" type="datetimeFigureOut">
               <a:rPr lang="en-US" smtClean="0"/>
               <a:pPr/>
-              <a:t>2/24/2021</a:t>
+              <a:t>6/6/2021</a:t>
             </a:fld>
             <a:endParaRPr lang="en-US" dirty="0"/>
           </a:p>
@@ -4500,7 +4500,7 @@
           <a:p>
             <a:fld id="{42A54C80-263E-416B-A8E0-580EDEADCBDC}" type="datetimeFigureOut">
               <a:rPr lang="en-US" smtClean="0"/>
-              <a:t>2/24/2021</a:t>
+              <a:t>6/6/2021</a:t>
             </a:fld>
             <a:endParaRPr lang="en-US" dirty="0"/>
           </a:p>
@@ -4807,7 +4807,7 @@
             <a:fld id="{B61BEF0D-F0BB-DE4B-95CE-6DB70DBA9567}" type="datetimeFigureOut">
               <a:rPr lang="en-US" smtClean="0"/>
               <a:pPr/>
-              <a:t>2/24/2021</a:t>
+              <a:t>6/6/2021</a:t>
             </a:fld>
             <a:endParaRPr lang="en-US" dirty="0"/>
           </a:p>
@@ -5510,7 +5510,7 @@
             <a:fld id="{B61BEF0D-F0BB-DE4B-95CE-6DB70DBA9567}" type="datetimeFigureOut">
               <a:rPr lang="en-US" smtClean="0"/>
               <a:pPr/>
-              <a:t>2/24/2021</a:t>
+              <a:t>6/6/2021</a:t>
             </a:fld>
             <a:endParaRPr lang="en-US" dirty="0"/>
           </a:p>
@@ -6129,7 +6129,7 @@
           <a:p>
             <a:fld id="{4805910D-2C61-424F-80CE-807290CF0E1E}" type="datetime4">
               <a:rPr lang="zh-TW" altLang="zh-TW"/>
-              <a:t>110年2月24日星期三</a:t>
+              <a:t>110年6月6日星期日</a:t>
             </a:fld>
             <a:endParaRPr lang="zh-TW" altLang="en-US" dirty="0"/>
           </a:p>
@@ -6214,6 +6214,62 @@
           </a:p>
         </p:txBody>
       </p:sp>
+      <p:sp>
+        <p:nvSpPr>
+          <p:cNvPr id="6" name="矩形 5"/>
+          <p:cNvSpPr/>
+          <p:nvPr/>
+        </p:nvSpPr>
+        <p:spPr>
+          <a:xfrm>
+            <a:off x="167912" y="514394"/>
+            <a:ext cx="5104282" cy="461665"/>
+          </a:xfrm>
+          <a:prstGeom prst="rect">
+            <a:avLst/>
+          </a:prstGeom>
+        </p:spPr>
+        <p:txBody>
+          <a:bodyPr wrap="none">
+            <a:spAutoFit/>
+          </a:bodyPr>
+          <a:lstStyle/>
+          <a:p>
+            <a:r>
+              <a:rPr lang="zh-TW" altLang="en-US" sz="2400" dirty="0" smtClean="0"/>
+              <a:t>講義網址：https</a:t>
+            </a:r>
+            <a:r>
+              <a:rPr lang="zh-TW" altLang="en-US" sz="2400" dirty="0"/>
+              <a:t>://reurl.cc/9r5G1d</a:t>
+            </a:r>
+          </a:p>
+        </p:txBody>
+      </p:sp>
+      <p:pic>
+        <p:nvPicPr>
+          <p:cNvPr id="7" name="圖片 6"/>
+          <p:cNvPicPr>
+            <a:picLocks noChangeAspect="1"/>
+          </p:cNvPicPr>
+          <p:nvPr/>
+        </p:nvPicPr>
+        <p:blipFill>
+          <a:blip r:embed="rId3"/>
+          <a:stretch>
+            <a:fillRect/>
+          </a:stretch>
+        </p:blipFill>
+        <p:spPr>
+          <a:xfrm>
+            <a:off x="792692" y="975922"/>
+            <a:ext cx="1822492" cy="1822492"/>
+          </a:xfrm>
+          <a:prstGeom prst="rect">
+            <a:avLst/>
+          </a:prstGeom>
+        </p:spPr>
+      </p:pic>
     </p:spTree>
     <p:extLst>
       <p:ext uri="{BB962C8B-B14F-4D97-AF65-F5344CB8AC3E}">
@@ -8672,6 +8728,54 @@
       </p:grpSpPr>
       <p:sp>
         <p:nvSpPr>
+          <p:cNvPr id="8" name="矩形 7"/>
+          <p:cNvSpPr/>
+          <p:nvPr/>
+        </p:nvSpPr>
+        <p:spPr>
+          <a:xfrm>
+            <a:off x="6693408" y="1746504"/>
+            <a:ext cx="4416552" cy="3474720"/>
+          </a:xfrm>
+          <a:prstGeom prst="rect">
+            <a:avLst/>
+          </a:prstGeom>
+          <a:solidFill>
+            <a:srgbClr val="FFFFCC"/>
+          </a:solidFill>
+          <a:ln>
+            <a:solidFill>
+              <a:srgbClr val="FFFFCC"/>
+            </a:solidFill>
+          </a:ln>
+        </p:spPr>
+        <p:style>
+          <a:lnRef idx="2">
+            <a:schemeClr val="accent1">
+              <a:shade val="50000"/>
+            </a:schemeClr>
+          </a:lnRef>
+          <a:fillRef idx="1">
+            <a:schemeClr val="accent1"/>
+          </a:fillRef>
+          <a:effectRef idx="0">
+            <a:schemeClr val="accent1"/>
+          </a:effectRef>
+          <a:fontRef idx="minor">
+            <a:schemeClr val="lt1"/>
+          </a:fontRef>
+        </p:style>
+        <p:txBody>
+          <a:bodyPr rtlCol="0" anchor="ctr"/>
+          <a:lstStyle/>
+          <a:p>
+            <a:pPr algn="ctr"/>
+            <a:endParaRPr lang="zh-TW" altLang="en-US"/>
+          </a:p>
+        </p:txBody>
+      </p:sp>
+      <p:sp>
+        <p:nvSpPr>
           <p:cNvPr id="2" name="標題 1"/>
           <p:cNvSpPr>
             <a:spLocks noGrp="1"/>
@@ -8831,12 +8935,16 @@
               <a:t> </a:t>
             </a:r>
             <a:r>
+              <a:rPr lang="zh-TW" altLang="en-US" dirty="0"/>
+              <a:t>成立</a:t>
+            </a:r>
+            <a:r>
               <a:rPr lang="zh-TW" altLang="en-US" dirty="0" smtClean="0">
                 <a:solidFill>
                   <a:schemeClr val="tx1"/>
                 </a:solidFill>
               </a:rPr>
-              <a:t>就</a:t>
+              <a:t>就做</a:t>
             </a:r>
             <a:r>
               <a:rPr lang="en-US" altLang="zh-TW" b="1" u="sng" dirty="0" smtClean="0">
@@ -8852,7 +8960,7 @@
                   <a:schemeClr val="tx1"/>
                 </a:solidFill>
               </a:rPr>
-              <a:t>，否則</a:t>
+              <a:t>，否則做</a:t>
             </a:r>
             <a:r>
               <a:rPr lang="en-US" altLang="zh-TW" b="1" u="sng" dirty="0" smtClean="0">
@@ -10260,6 +10368,51 @@
                       </p:childTnLst>
                     </p:cTn>
                   </p:par>
+                  <p:par>
+                    <p:cTn id="45" fill="hold">
+                      <p:stCondLst>
+                        <p:cond delay="indefinite"/>
+                      </p:stCondLst>
+                      <p:childTnLst>
+                        <p:par>
+                          <p:cTn id="46" fill="hold">
+                            <p:stCondLst>
+                              <p:cond delay="0"/>
+                            </p:stCondLst>
+                            <p:childTnLst>
+                              <p:par>
+                                <p:cTn id="47" presetID="1" presetClass="entr" presetSubtype="0" fill="hold" grpId="0" nodeType="clickEffect">
+                                  <p:stCondLst>
+                                    <p:cond delay="0"/>
+                                  </p:stCondLst>
+                                  <p:childTnLst>
+                                    <p:set>
+                                      <p:cBhvr>
+                                        <p:cTn id="48" dur="1" fill="hold">
+                                          <p:stCondLst>
+                                            <p:cond delay="0"/>
+                                          </p:stCondLst>
+                                        </p:cTn>
+                                        <p:tgtEl>
+                                          <p:spTgt spid="8"/>
+                                        </p:tgtEl>
+                                        <p:attrNameLst>
+                                          <p:attrName>style.visibility</p:attrName>
+                                        </p:attrNameLst>
+                                      </p:cBhvr>
+                                      <p:to>
+                                        <p:strVal val="visible"/>
+                                      </p:to>
+                                    </p:set>
+                                  </p:childTnLst>
+                                </p:cTn>
+                              </p:par>
+                            </p:childTnLst>
+                          </p:cTn>
+                        </p:par>
+                      </p:childTnLst>
+                    </p:cTn>
+                  </p:par>
                 </p:childTnLst>
               </p:cTn>
               <p:prevCondLst>
@@ -10282,6 +10435,7 @@
       </p:par>
     </p:tnLst>
     <p:bldLst>
+      <p:bldP spid="8" grpId="0" animBg="1"/>
       <p:bldP spid="5" grpId="0" animBg="1"/>
       <p:bldP spid="6" grpId="0" animBg="1"/>
       <p:bldP spid="10" grpId="0" animBg="1"/>

--- a/LCC/Python/03_流程控制(分支).pptx
+++ b/LCC/Python/03_流程控制(分支).pptx
@@ -8,29 +8,30 @@
     <p:sldId id="256" r:id="rId2"/>
     <p:sldId id="257" r:id="rId3"/>
     <p:sldId id="265" r:id="rId4"/>
-    <p:sldId id="258" r:id="rId5"/>
-    <p:sldId id="259" r:id="rId6"/>
-    <p:sldId id="278" r:id="rId7"/>
-    <p:sldId id="279" r:id="rId8"/>
-    <p:sldId id="262" r:id="rId9"/>
-    <p:sldId id="263" r:id="rId10"/>
-    <p:sldId id="264" r:id="rId11"/>
-    <p:sldId id="260" r:id="rId12"/>
-    <p:sldId id="261" r:id="rId13"/>
-    <p:sldId id="281" r:id="rId14"/>
-    <p:sldId id="266" r:id="rId15"/>
-    <p:sldId id="280" r:id="rId16"/>
-    <p:sldId id="267" r:id="rId17"/>
-    <p:sldId id="268" r:id="rId18"/>
-    <p:sldId id="269" r:id="rId19"/>
-    <p:sldId id="270" r:id="rId20"/>
-    <p:sldId id="271" r:id="rId21"/>
-    <p:sldId id="277" r:id="rId22"/>
-    <p:sldId id="272" r:id="rId23"/>
-    <p:sldId id="273" r:id="rId24"/>
-    <p:sldId id="274" r:id="rId25"/>
-    <p:sldId id="275" r:id="rId26"/>
-    <p:sldId id="276" r:id="rId27"/>
+    <p:sldId id="282" r:id="rId5"/>
+    <p:sldId id="258" r:id="rId6"/>
+    <p:sldId id="259" r:id="rId7"/>
+    <p:sldId id="278" r:id="rId8"/>
+    <p:sldId id="279" r:id="rId9"/>
+    <p:sldId id="262" r:id="rId10"/>
+    <p:sldId id="263" r:id="rId11"/>
+    <p:sldId id="264" r:id="rId12"/>
+    <p:sldId id="260" r:id="rId13"/>
+    <p:sldId id="261" r:id="rId14"/>
+    <p:sldId id="281" r:id="rId15"/>
+    <p:sldId id="266" r:id="rId16"/>
+    <p:sldId id="280" r:id="rId17"/>
+    <p:sldId id="267" r:id="rId18"/>
+    <p:sldId id="268" r:id="rId19"/>
+    <p:sldId id="269" r:id="rId20"/>
+    <p:sldId id="270" r:id="rId21"/>
+    <p:sldId id="271" r:id="rId22"/>
+    <p:sldId id="277" r:id="rId23"/>
+    <p:sldId id="272" r:id="rId24"/>
+    <p:sldId id="273" r:id="rId25"/>
+    <p:sldId id="274" r:id="rId26"/>
+    <p:sldId id="275" r:id="rId27"/>
+    <p:sldId id="276" r:id="rId28"/>
   </p:sldIdLst>
   <p:sldSz cx="12192000" cy="6858000"/>
   <p:notesSz cx="6858000" cy="9144000"/>
@@ -894,7 +895,7 @@
             <a:fld id="{B61BEF0D-F0BB-DE4B-95CE-6DB70DBA9567}" type="datetimeFigureOut">
               <a:rPr lang="en-US" smtClean="0"/>
               <a:pPr/>
-              <a:t>6/6/2021</a:t>
+              <a:t>11/17/2021</a:t>
             </a:fld>
             <a:endParaRPr lang="en-US" dirty="0"/>
           </a:p>
@@ -1147,7 +1148,7 @@
             <a:fld id="{B61BEF0D-F0BB-DE4B-95CE-6DB70DBA9567}" type="datetimeFigureOut">
               <a:rPr lang="en-US" smtClean="0"/>
               <a:pPr/>
-              <a:t>6/6/2021</a:t>
+              <a:t>11/17/2021</a:t>
             </a:fld>
             <a:endParaRPr lang="en-US" dirty="0"/>
           </a:p>
@@ -1463,7 +1464,7 @@
             <a:fld id="{B61BEF0D-F0BB-DE4B-95CE-6DB70DBA9567}" type="datetimeFigureOut">
               <a:rPr lang="en-US" smtClean="0"/>
               <a:pPr/>
-              <a:t>6/6/2021</a:t>
+              <a:t>11/17/2021</a:t>
             </a:fld>
             <a:endParaRPr lang="en-US" dirty="0"/>
           </a:p>
@@ -1798,7 +1799,7 @@
             <a:fld id="{B61BEF0D-F0BB-DE4B-95CE-6DB70DBA9567}" type="datetimeFigureOut">
               <a:rPr lang="en-US" smtClean="0"/>
               <a:pPr/>
-              <a:t>6/6/2021</a:t>
+              <a:t>11/17/2021</a:t>
             </a:fld>
             <a:endParaRPr lang="en-US" dirty="0"/>
           </a:p>
@@ -2114,7 +2115,7 @@
             <a:fld id="{B61BEF0D-F0BB-DE4B-95CE-6DB70DBA9567}" type="datetimeFigureOut">
               <a:rPr lang="en-US" smtClean="0"/>
               <a:pPr/>
-              <a:t>6/6/2021</a:t>
+              <a:t>11/17/2021</a:t>
             </a:fld>
             <a:endParaRPr lang="en-US" dirty="0"/>
           </a:p>
@@ -2509,7 +2510,7 @@
             <a:fld id="{B61BEF0D-F0BB-DE4B-95CE-6DB70DBA9567}" type="datetimeFigureOut">
               <a:rPr lang="en-US" smtClean="0"/>
               <a:pPr/>
-              <a:t>6/6/2021</a:t>
+              <a:t>11/17/2021</a:t>
             </a:fld>
             <a:endParaRPr lang="en-US" dirty="0"/>
           </a:p>
@@ -2680,7 +2681,7 @@
           <a:p>
             <a:fld id="{55C6B4A9-1611-4792-9094-5F34BCA07E0B}" type="datetimeFigureOut">
               <a:rPr lang="en-US" smtClean="0"/>
-              <a:t>6/6/2021</a:t>
+              <a:t>11/17/2021</a:t>
             </a:fld>
             <a:endParaRPr lang="en-US" dirty="0"/>
           </a:p>
@@ -2861,7 +2862,7 @@
             <a:fld id="{B61BEF0D-F0BB-DE4B-95CE-6DB70DBA9567}" type="datetimeFigureOut">
               <a:rPr lang="en-US" smtClean="0"/>
               <a:pPr/>
-              <a:t>6/6/2021</a:t>
+              <a:t>11/17/2021</a:t>
             </a:fld>
             <a:endParaRPr lang="en-US" dirty="0"/>
           </a:p>
@@ -3033,7 +3034,7 @@
             <a:fld id="{B61BEF0D-F0BB-DE4B-95CE-6DB70DBA9567}" type="datetimeFigureOut">
               <a:rPr lang="en-US" smtClean="0"/>
               <a:pPr/>
-              <a:t>6/6/2021</a:t>
+              <a:t>11/17/2021</a:t>
             </a:fld>
             <a:endParaRPr lang="en-US" dirty="0"/>
           </a:p>
@@ -3079,39 +3080,6 @@
               <a:t>‹#›</a:t>
             </a:fld>
             <a:endParaRPr lang="en-US" dirty="0"/>
-          </a:p>
-        </p:txBody>
-      </p:sp>
-      <p:sp>
-        <p:nvSpPr>
-          <p:cNvPr id="7" name="矩形 6"/>
-          <p:cNvSpPr/>
-          <p:nvPr userDrawn="1"/>
-        </p:nvSpPr>
-        <p:spPr>
-          <a:xfrm>
-            <a:off x="583155" y="6375118"/>
-            <a:ext cx="6890473" cy="338554"/>
-          </a:xfrm>
-          <a:prstGeom prst="rect">
-            <a:avLst/>
-          </a:prstGeom>
-        </p:spPr>
-        <p:txBody>
-          <a:bodyPr wrap="square">
-            <a:spAutoFit/>
-          </a:bodyPr>
-          <a:lstStyle/>
-          <a:p>
-            <a:r>
-              <a:rPr lang="zh-TW" altLang="en-US" sz="1600" dirty="0" smtClean="0"/>
-              <a:t>https://github.com/liulawsi/LLC_Python/tree/main/Section0</a:t>
-            </a:r>
-            <a:r>
-              <a:rPr lang="en-US" altLang="zh-TW" sz="1600" dirty="0" smtClean="0"/>
-              <a:t>3</a:t>
-            </a:r>
-            <a:endParaRPr lang="zh-TW" altLang="en-US" sz="1600" dirty="0"/>
           </a:p>
         </p:txBody>
       </p:sp>
@@ -3315,7 +3283,7 @@
             <a:fld id="{B61BEF0D-F0BB-DE4B-95CE-6DB70DBA9567}" type="datetimeFigureOut">
               <a:rPr lang="en-US" smtClean="0"/>
               <a:pPr/>
-              <a:t>6/6/2021</a:t>
+              <a:t>11/17/2021</a:t>
             </a:fld>
             <a:endParaRPr lang="en-US" dirty="0"/>
           </a:p>
@@ -3548,7 +3516,7 @@
           <a:p>
             <a:fld id="{EB712588-04B1-427B-82EE-E8DB90309F08}" type="datetimeFigureOut">
               <a:rPr lang="en-US" smtClean="0"/>
-              <a:t>6/6/2021</a:t>
+              <a:t>11/17/2021</a:t>
             </a:fld>
             <a:endParaRPr lang="en-US" dirty="0"/>
           </a:p>
@@ -3593,39 +3561,6 @@
               <a:t>‹#›</a:t>
             </a:fld>
             <a:endParaRPr lang="en-US" dirty="0"/>
-          </a:p>
-        </p:txBody>
-      </p:sp>
-      <p:sp>
-        <p:nvSpPr>
-          <p:cNvPr id="8" name="矩形 7"/>
-          <p:cNvSpPr/>
-          <p:nvPr userDrawn="1"/>
-        </p:nvSpPr>
-        <p:spPr>
-          <a:xfrm>
-            <a:off x="583155" y="6375118"/>
-            <a:ext cx="6890473" cy="338554"/>
-          </a:xfrm>
-          <a:prstGeom prst="rect">
-            <a:avLst/>
-          </a:prstGeom>
-        </p:spPr>
-        <p:txBody>
-          <a:bodyPr wrap="square">
-            <a:spAutoFit/>
-          </a:bodyPr>
-          <a:lstStyle/>
-          <a:p>
-            <a:r>
-              <a:rPr lang="zh-TW" altLang="en-US" sz="1600" dirty="0" smtClean="0"/>
-              <a:t>https://github.com/liulawsi/LLC_Python/tree/main/Section0</a:t>
-            </a:r>
-            <a:r>
-              <a:rPr lang="en-US" altLang="zh-TW" sz="1600" dirty="0" smtClean="0"/>
-              <a:t>3</a:t>
-            </a:r>
-            <a:endParaRPr lang="zh-TW" altLang="en-US" sz="1600" dirty="0"/>
           </a:p>
         </p:txBody>
       </p:sp>
@@ -3956,7 +3891,7 @@
             <a:fld id="{B61BEF0D-F0BB-DE4B-95CE-6DB70DBA9567}" type="datetimeFigureOut">
               <a:rPr lang="en-US" smtClean="0"/>
               <a:pPr/>
-              <a:t>6/6/2021</a:t>
+              <a:t>11/17/2021</a:t>
             </a:fld>
             <a:endParaRPr lang="en-US" dirty="0"/>
           </a:p>
@@ -4002,39 +3937,6 @@
               <a:t>‹#›</a:t>
             </a:fld>
             <a:endParaRPr lang="en-US" dirty="0"/>
-          </a:p>
-        </p:txBody>
-      </p:sp>
-      <p:sp>
-        <p:nvSpPr>
-          <p:cNvPr id="10" name="矩形 9"/>
-          <p:cNvSpPr/>
-          <p:nvPr userDrawn="1"/>
-        </p:nvSpPr>
-        <p:spPr>
-          <a:xfrm>
-            <a:off x="583155" y="6375118"/>
-            <a:ext cx="6890473" cy="338554"/>
-          </a:xfrm>
-          <a:prstGeom prst="rect">
-            <a:avLst/>
-          </a:prstGeom>
-        </p:spPr>
-        <p:txBody>
-          <a:bodyPr wrap="square">
-            <a:spAutoFit/>
-          </a:bodyPr>
-          <a:lstStyle/>
-          <a:p>
-            <a:r>
-              <a:rPr lang="zh-TW" altLang="en-US" sz="1600" dirty="0" smtClean="0"/>
-              <a:t>https://github.com/liulawsi/LLC_Python/tree/main/Section0</a:t>
-            </a:r>
-            <a:r>
-              <a:rPr lang="en-US" altLang="zh-TW" sz="1600" dirty="0" smtClean="0"/>
-              <a:t>3</a:t>
-            </a:r>
-            <a:endParaRPr lang="zh-TW" altLang="en-US" sz="1600" dirty="0"/>
           </a:p>
         </p:txBody>
       </p:sp>
@@ -4114,7 +4016,7 @@
             <a:fld id="{B61BEF0D-F0BB-DE4B-95CE-6DB70DBA9567}" type="datetimeFigureOut">
               <a:rPr lang="en-US" smtClean="0"/>
               <a:pPr/>
-              <a:t>6/6/2021</a:t>
+              <a:t>11/17/2021</a:t>
             </a:fld>
             <a:endParaRPr lang="en-US" dirty="0"/>
           </a:p>
@@ -4160,39 +4062,6 @@
               <a:t>‹#›</a:t>
             </a:fld>
             <a:endParaRPr lang="en-US" dirty="0"/>
-          </a:p>
-        </p:txBody>
-      </p:sp>
-      <p:sp>
-        <p:nvSpPr>
-          <p:cNvPr id="6" name="矩形 5"/>
-          <p:cNvSpPr/>
-          <p:nvPr userDrawn="1"/>
-        </p:nvSpPr>
-        <p:spPr>
-          <a:xfrm>
-            <a:off x="583155" y="6375118"/>
-            <a:ext cx="6890473" cy="338554"/>
-          </a:xfrm>
-          <a:prstGeom prst="rect">
-            <a:avLst/>
-          </a:prstGeom>
-        </p:spPr>
-        <p:txBody>
-          <a:bodyPr wrap="square">
-            <a:spAutoFit/>
-          </a:bodyPr>
-          <a:lstStyle/>
-          <a:p>
-            <a:r>
-              <a:rPr lang="zh-TW" altLang="en-US" sz="1600" dirty="0" smtClean="0"/>
-              <a:t>https://github.com/liulawsi/LLC_Python/tree/main/Section0</a:t>
-            </a:r>
-            <a:r>
-              <a:rPr lang="en-US" altLang="zh-TW" sz="1600" dirty="0" smtClean="0"/>
-              <a:t>3</a:t>
-            </a:r>
-            <a:endParaRPr lang="zh-TW" altLang="en-US" sz="1600" dirty="0"/>
           </a:p>
         </p:txBody>
       </p:sp>
@@ -4244,7 +4113,7 @@
             <a:fld id="{B61BEF0D-F0BB-DE4B-95CE-6DB70DBA9567}" type="datetimeFigureOut">
               <a:rPr lang="en-US" smtClean="0"/>
               <a:pPr/>
-              <a:t>6/6/2021</a:t>
+              <a:t>11/17/2021</a:t>
             </a:fld>
             <a:endParaRPr lang="en-US" dirty="0"/>
           </a:p>
@@ -4500,7 +4369,7 @@
           <a:p>
             <a:fld id="{42A54C80-263E-416B-A8E0-580EDEADCBDC}" type="datetimeFigureOut">
               <a:rPr lang="en-US" smtClean="0"/>
-              <a:t>6/6/2021</a:t>
+              <a:t>11/17/2021</a:t>
             </a:fld>
             <a:endParaRPr lang="en-US" dirty="0"/>
           </a:p>
@@ -4807,7 +4676,7 @@
             <a:fld id="{B61BEF0D-F0BB-DE4B-95CE-6DB70DBA9567}" type="datetimeFigureOut">
               <a:rPr lang="en-US" smtClean="0"/>
               <a:pPr/>
-              <a:t>6/6/2021</a:t>
+              <a:t>11/17/2021</a:t>
             </a:fld>
             <a:endParaRPr lang="en-US" dirty="0"/>
           </a:p>
@@ -5510,7 +5379,7 @@
             <a:fld id="{B61BEF0D-F0BB-DE4B-95CE-6DB70DBA9567}" type="datetimeFigureOut">
               <a:rPr lang="en-US" smtClean="0"/>
               <a:pPr/>
-              <a:t>6/6/2021</a:t>
+              <a:t>11/17/2021</a:t>
             </a:fld>
             <a:endParaRPr lang="en-US" dirty="0"/>
           </a:p>
@@ -5634,6 +5503,39 @@
           </a:extLst>
         </p:spPr>
       </p:pic>
+      <p:sp>
+        <p:nvSpPr>
+          <p:cNvPr id="7" name="矩形 6"/>
+          <p:cNvSpPr/>
+          <p:nvPr userDrawn="1"/>
+        </p:nvSpPr>
+        <p:spPr>
+          <a:xfrm>
+            <a:off x="447147" y="6406487"/>
+            <a:ext cx="3863558" cy="369332"/>
+          </a:xfrm>
+          <a:prstGeom prst="rect">
+            <a:avLst/>
+          </a:prstGeom>
+        </p:spPr>
+        <p:txBody>
+          <a:bodyPr wrap="none">
+            <a:spAutoFit/>
+          </a:bodyPr>
+          <a:lstStyle/>
+          <a:p>
+            <a:r>
+              <a:rPr lang="zh-TW" altLang="en-US" sz="1800" dirty="0" smtClean="0"/>
+              <a:t>講義網址：</a:t>
+            </a:r>
+            <a:r>
+              <a:rPr lang="en-US" altLang="zh-TW" sz="1800" dirty="0" smtClean="0"/>
+              <a:t>https://reurl.cc/q16rOy</a:t>
+            </a:r>
+            <a:endParaRPr lang="zh-TW" altLang="en-US" sz="1800" dirty="0"/>
+          </a:p>
+        </p:txBody>
+      </p:sp>
     </p:spTree>
     <p:extLst>
       <p:ext uri="{BB962C8B-B14F-4D97-AF65-F5344CB8AC3E}">
@@ -6129,7 +6031,7 @@
           <a:p>
             <a:fld id="{4805910D-2C61-424F-80CE-807290CF0E1E}" type="datetime4">
               <a:rPr lang="zh-TW" altLang="zh-TW"/>
-              <a:t>110年6月6日星期日</a:t>
+              <a:t>110年11月17日星期三</a:t>
             </a:fld>
             <a:endParaRPr lang="zh-TW" altLang="en-US" dirty="0"/>
           </a:p>
@@ -6178,52 +6080,14 @@
       </p:pic>
       <p:sp>
         <p:nvSpPr>
-          <p:cNvPr id="5" name="文字方塊 4"/>
-          <p:cNvSpPr txBox="1"/>
-          <p:nvPr/>
-        </p:nvSpPr>
-        <p:spPr>
-          <a:xfrm>
-            <a:off x="292608" y="6216062"/>
-            <a:ext cx="8468537" cy="369332"/>
-          </a:xfrm>
-          <a:prstGeom prst="rect">
-            <a:avLst/>
-          </a:prstGeom>
-          <a:noFill/>
-        </p:spPr>
-        <p:txBody>
-          <a:bodyPr wrap="none" rtlCol="0">
-            <a:spAutoFit/>
-          </a:bodyPr>
-          <a:lstStyle/>
-          <a:p>
-            <a:r>
-              <a:rPr lang="zh-TW" altLang="en-US" dirty="0" smtClean="0"/>
-              <a:t>投影片下載網址：</a:t>
-            </a:r>
-            <a:r>
-              <a:rPr lang="en-US" altLang="zh-TW" dirty="0" smtClean="0"/>
-              <a:t>https</a:t>
-            </a:r>
-            <a:r>
-              <a:rPr lang="en-US" altLang="zh-TW" dirty="0"/>
-              <a:t>://github.com/liulawsi/My_PPTs/tree/main/LCC/Python</a:t>
-            </a:r>
-            <a:endParaRPr lang="zh-TW" altLang="en-US" dirty="0"/>
-          </a:p>
-        </p:txBody>
-      </p:sp>
-      <p:sp>
-        <p:nvSpPr>
           <p:cNvPr id="6" name="矩形 5"/>
           <p:cNvSpPr/>
           <p:nvPr/>
         </p:nvSpPr>
         <p:spPr>
           <a:xfrm>
-            <a:off x="167912" y="514394"/>
-            <a:ext cx="5104282" cy="461665"/>
+            <a:off x="634256" y="497458"/>
+            <a:ext cx="5093061" cy="461665"/>
           </a:xfrm>
           <a:prstGeom prst="rect">
             <a:avLst/>
@@ -6237,18 +6101,23 @@
           <a:p>
             <a:r>
               <a:rPr lang="zh-TW" altLang="en-US" sz="2400" dirty="0" smtClean="0"/>
-              <a:t>講義網址：https</a:t>
-            </a:r>
-            <a:r>
-              <a:rPr lang="zh-TW" altLang="en-US" sz="2400" dirty="0"/>
-              <a:t>://reurl.cc/9r5G1d</a:t>
-            </a:r>
+              <a:t>講義網址：</a:t>
+            </a:r>
+            <a:r>
+              <a:rPr lang="en-US" altLang="zh-TW" sz="2400" dirty="0"/>
+              <a:t>https://</a:t>
+            </a:r>
+            <a:r>
+              <a:rPr lang="en-US" altLang="zh-TW" sz="2400" dirty="0" smtClean="0"/>
+              <a:t>reurl.cc/q16rOy</a:t>
+            </a:r>
+            <a:endParaRPr lang="zh-TW" altLang="en-US" sz="2400" dirty="0"/>
           </a:p>
         </p:txBody>
       </p:sp>
       <p:pic>
         <p:nvPicPr>
-          <p:cNvPr id="7" name="圖片 6"/>
+          <p:cNvPr id="9" name="圖片 8"/>
           <p:cNvPicPr>
             <a:picLocks noChangeAspect="1"/>
           </p:cNvPicPr>
@@ -6262,7 +6131,7 @@
         </p:blipFill>
         <p:spPr>
           <a:xfrm>
-            <a:off x="792692" y="975922"/>
+            <a:off x="775914" y="921364"/>
             <a:ext cx="1822492" cy="1822492"/>
           </a:xfrm>
           <a:prstGeom prst="rect">
@@ -6307,6 +6176,149 @@
           <a:chExt cx="0" cy="0"/>
         </a:xfrm>
       </p:grpSpPr>
+      <p:sp>
+        <p:nvSpPr>
+          <p:cNvPr id="2" name="標題 1"/>
+          <p:cNvSpPr>
+            <a:spLocks noGrp="1"/>
+          </p:cNvSpPr>
+          <p:nvPr>
+            <p:ph type="title"/>
+          </p:nvPr>
+        </p:nvSpPr>
+        <p:spPr/>
+        <p:txBody>
+          <a:bodyPr/>
+          <a:lstStyle/>
+          <a:p>
+            <a:r>
+              <a:rPr lang="zh-TW" altLang="en-US" dirty="0"/>
+              <a:t>練習</a:t>
+            </a:r>
+            <a:r>
+              <a:rPr lang="zh-TW" altLang="en-US" dirty="0" smtClean="0"/>
+              <a:t>一</a:t>
+            </a:r>
+            <a:r>
+              <a:rPr lang="zh-TW" altLang="en-US" dirty="0"/>
+              <a:t>參考</a:t>
+            </a:r>
+            <a:r>
+              <a:rPr lang="zh-TW" altLang="en-US" dirty="0" smtClean="0"/>
+              <a:t>解答</a:t>
+            </a:r>
+            <a:r>
+              <a:rPr lang="en-US" altLang="zh-TW" dirty="0" smtClean="0"/>
+              <a:t>(1)</a:t>
+            </a:r>
+            <a:endParaRPr lang="zh-TW" altLang="en-US" dirty="0"/>
+          </a:p>
+        </p:txBody>
+      </p:sp>
+      <p:sp>
+        <p:nvSpPr>
+          <p:cNvPr id="3" name="內容版面配置區 2"/>
+          <p:cNvSpPr>
+            <a:spLocks noGrp="1"/>
+          </p:cNvSpPr>
+          <p:nvPr>
+            <p:ph idx="1"/>
+          </p:nvPr>
+        </p:nvSpPr>
+        <p:spPr/>
+        <p:txBody>
+          <a:bodyPr/>
+          <a:lstStyle/>
+          <a:p>
+            <a:endParaRPr lang="zh-TW" altLang="en-US" dirty="0"/>
+          </a:p>
+        </p:txBody>
+      </p:sp>
+      <p:pic>
+        <p:nvPicPr>
+          <p:cNvPr id="4" name="圖片 3"/>
+          <p:cNvPicPr>
+            <a:picLocks noChangeAspect="1"/>
+          </p:cNvPicPr>
+          <p:nvPr/>
+        </p:nvPicPr>
+        <p:blipFill>
+          <a:blip r:embed="rId2"/>
+          <a:stretch>
+            <a:fillRect/>
+          </a:stretch>
+        </p:blipFill>
+        <p:spPr>
+          <a:xfrm>
+            <a:off x="677334" y="1848312"/>
+            <a:ext cx="4762500" cy="4505325"/>
+          </a:xfrm>
+          <a:prstGeom prst="rect">
+            <a:avLst/>
+          </a:prstGeom>
+        </p:spPr>
+      </p:pic>
+      <p:pic>
+        <p:nvPicPr>
+          <p:cNvPr id="7" name="圖片 6"/>
+          <p:cNvPicPr>
+            <a:picLocks noChangeAspect="1"/>
+          </p:cNvPicPr>
+          <p:nvPr/>
+        </p:nvPicPr>
+        <p:blipFill>
+          <a:blip r:embed="rId3"/>
+          <a:stretch>
+            <a:fillRect/>
+          </a:stretch>
+        </p:blipFill>
+        <p:spPr>
+          <a:xfrm>
+            <a:off x="5823392" y="1848312"/>
+            <a:ext cx="1878363" cy="1178352"/>
+          </a:xfrm>
+          <a:prstGeom prst="rect">
+            <a:avLst/>
+          </a:prstGeom>
+        </p:spPr>
+      </p:pic>
+    </p:spTree>
+    <p:extLst>
+      <p:ext uri="{BB962C8B-B14F-4D97-AF65-F5344CB8AC3E}">
+        <p14:creationId xmlns:p14="http://schemas.microsoft.com/office/powerpoint/2010/main" val="2119860618"/>
+      </p:ext>
+    </p:extLst>
+  </p:cSld>
+  <p:clrMapOvr>
+    <a:masterClrMapping/>
+  </p:clrMapOvr>
+  <p:timing>
+    <p:tnLst>
+      <p:par>
+        <p:cTn id="1" dur="indefinite" restart="never" nodeType="tmRoot"/>
+      </p:par>
+    </p:tnLst>
+  </p:timing>
+</p:sld>
+</file>
+
+<file path=ppt/slides/slide11.xml><?xml version="1.0" encoding="utf-8"?>
+<p:sld xmlns:a="http://schemas.openxmlformats.org/drawingml/2006/main" xmlns:r="http://schemas.openxmlformats.org/officeDocument/2006/relationships" xmlns:p="http://schemas.openxmlformats.org/presentationml/2006/main">
+  <p:cSld>
+    <p:spTree>
+      <p:nvGrpSpPr>
+        <p:cNvPr id="1" name=""/>
+        <p:cNvGrpSpPr/>
+        <p:nvPr/>
+      </p:nvGrpSpPr>
+      <p:grpSpPr>
+        <a:xfrm>
+          <a:off x="0" y="0"/>
+          <a:ext cx="0" cy="0"/>
+          <a:chOff x="0" y="0"/>
+          <a:chExt cx="0" cy="0"/>
+        </a:xfrm>
+      </p:grpSpPr>
       <p:pic>
         <p:nvPicPr>
           <p:cNvPr id="7" name="圖片 6"/>
@@ -6447,7 +6459,7 @@
 </p:sld>
 </file>
 
-<file path=ppt/slides/slide11.xml><?xml version="1.0" encoding="utf-8"?>
+<file path=ppt/slides/slide12.xml><?xml version="1.0" encoding="utf-8"?>
 <p:sld xmlns:a="http://schemas.openxmlformats.org/drawingml/2006/main" xmlns:r="http://schemas.openxmlformats.org/officeDocument/2006/relationships" xmlns:p="http://schemas.openxmlformats.org/presentationml/2006/main">
   <p:cSld>
     <p:spTree>
@@ -6962,7 +6974,7 @@
 </p:sld>
 </file>
 
-<file path=ppt/slides/slide12.xml><?xml version="1.0" encoding="utf-8"?>
+<file path=ppt/slides/slide13.xml><?xml version="1.0" encoding="utf-8"?>
 <p:sld xmlns:a="http://schemas.openxmlformats.org/drawingml/2006/main" xmlns:r="http://schemas.openxmlformats.org/officeDocument/2006/relationships" xmlns:p="http://schemas.openxmlformats.org/presentationml/2006/main">
   <p:cSld>
     <p:spTree>
@@ -7048,8 +7060,8 @@
         </p:blipFill>
         <p:spPr>
           <a:xfrm>
-            <a:off x="7415561" y="1930400"/>
-            <a:ext cx="3716881" cy="4352099"/>
+            <a:off x="7941136" y="1522622"/>
+            <a:ext cx="4055792" cy="4748930"/>
           </a:xfrm>
           <a:prstGeom prst="rect">
             <a:avLst/>
@@ -7072,8 +7084,8 @@
         </p:blipFill>
         <p:spPr>
           <a:xfrm>
-            <a:off x="307323" y="3694969"/>
-            <a:ext cx="3331095" cy="2576582"/>
+            <a:off x="307323" y="3483864"/>
+            <a:ext cx="3604019" cy="2787687"/>
           </a:xfrm>
           <a:prstGeom prst="rect">
             <a:avLst/>
@@ -7096,8 +7108,8 @@
         </p:blipFill>
         <p:spPr>
           <a:xfrm>
-            <a:off x="3744659" y="2514600"/>
-            <a:ext cx="3581738" cy="3754352"/>
+            <a:off x="3991546" y="2231811"/>
+            <a:ext cx="3854005" cy="4039740"/>
           </a:xfrm>
           <a:prstGeom prst="rect">
             <a:avLst/>
@@ -7108,127 +7120,6 @@
     <p:extLst>
       <p:ext uri="{BB962C8B-B14F-4D97-AF65-F5344CB8AC3E}">
         <p14:creationId xmlns:p14="http://schemas.microsoft.com/office/powerpoint/2010/main" val="3929825047"/>
-      </p:ext>
-    </p:extLst>
-  </p:cSld>
-  <p:clrMapOvr>
-    <a:masterClrMapping/>
-  </p:clrMapOvr>
-  <p:timing>
-    <p:tnLst>
-      <p:par>
-        <p:cTn id="1" dur="indefinite" restart="never" nodeType="tmRoot"/>
-      </p:par>
-    </p:tnLst>
-  </p:timing>
-</p:sld>
-</file>
-
-<file path=ppt/slides/slide13.xml><?xml version="1.0" encoding="utf-8"?>
-<p:sld xmlns:a="http://schemas.openxmlformats.org/drawingml/2006/main" xmlns:r="http://schemas.openxmlformats.org/officeDocument/2006/relationships" xmlns:p="http://schemas.openxmlformats.org/presentationml/2006/main">
-  <p:cSld>
-    <p:spTree>
-      <p:nvGrpSpPr>
-        <p:cNvPr id="1" name=""/>
-        <p:cNvGrpSpPr/>
-        <p:nvPr/>
-      </p:nvGrpSpPr>
-      <p:grpSpPr>
-        <a:xfrm>
-          <a:off x="0" y="0"/>
-          <a:ext cx="0" cy="0"/>
-          <a:chOff x="0" y="0"/>
-          <a:chExt cx="0" cy="0"/>
-        </a:xfrm>
-      </p:grpSpPr>
-      <p:sp>
-        <p:nvSpPr>
-          <p:cNvPr id="2" name="標題 1"/>
-          <p:cNvSpPr>
-            <a:spLocks noGrp="1"/>
-          </p:cNvSpPr>
-          <p:nvPr>
-            <p:ph type="title"/>
-          </p:nvPr>
-        </p:nvSpPr>
-        <p:spPr/>
-        <p:txBody>
-          <a:bodyPr/>
-          <a:lstStyle/>
-          <a:p>
-            <a:r>
-              <a:rPr lang="zh-TW" altLang="en-US" dirty="0" smtClean="0"/>
-              <a:t>小練習</a:t>
-            </a:r>
-            <a:r>
-              <a:rPr lang="en-US" altLang="zh-TW" dirty="0" smtClean="0"/>
-              <a:t/>
-            </a:r>
-            <a:br>
-              <a:rPr lang="en-US" altLang="zh-TW" dirty="0" smtClean="0"/>
-            </a:br>
-            <a:r>
-              <a:rPr lang="zh-TW" altLang="en-US" dirty="0"/>
-              <a:t>自己來喔</a:t>
-            </a:r>
-          </a:p>
-        </p:txBody>
-      </p:sp>
-      <p:sp>
-        <p:nvSpPr>
-          <p:cNvPr id="3" name="內容版面配置區 2"/>
-          <p:cNvSpPr>
-            <a:spLocks noGrp="1"/>
-          </p:cNvSpPr>
-          <p:nvPr>
-            <p:ph idx="1"/>
-          </p:nvPr>
-        </p:nvSpPr>
-        <p:spPr/>
-        <p:txBody>
-          <a:bodyPr/>
-          <a:lstStyle/>
-          <a:p>
-            <a:r>
-              <a:rPr lang="zh-TW" altLang="en-US" dirty="0" smtClean="0"/>
-              <a:t>輸入三角型三邊長，判斷是否可以形成三角形。</a:t>
-            </a:r>
-            <a:endParaRPr lang="en-US" altLang="zh-TW" dirty="0" smtClean="0"/>
-          </a:p>
-          <a:p>
-            <a:pPr lvl="1"/>
-            <a:r>
-              <a:rPr lang="zh-TW" altLang="en-US" dirty="0"/>
-              <a:t>進階：是不是正三角形</a:t>
-            </a:r>
-            <a:r>
-              <a:rPr lang="zh-TW" altLang="en-US" dirty="0" smtClean="0"/>
-              <a:t>？是不是直角三角形？是不是鈍</a:t>
-            </a:r>
-            <a:r>
-              <a:rPr lang="en-US" altLang="zh-TW" dirty="0" smtClean="0"/>
-              <a:t>(</a:t>
-            </a:r>
-            <a:r>
-              <a:rPr lang="zh-TW" altLang="en-US" dirty="0" smtClean="0"/>
-              <a:t>銳</a:t>
-            </a:r>
-            <a:r>
-              <a:rPr lang="en-US" altLang="zh-TW" dirty="0" smtClean="0"/>
-              <a:t>)</a:t>
-            </a:r>
-            <a:r>
-              <a:rPr lang="zh-TW" altLang="en-US" dirty="0" smtClean="0"/>
-              <a:t>角三角形？</a:t>
-            </a:r>
-            <a:endParaRPr lang="zh-TW" altLang="en-US" dirty="0"/>
-          </a:p>
-        </p:txBody>
-      </p:sp>
-    </p:spTree>
-    <p:extLst>
-      <p:ext uri="{BB962C8B-B14F-4D97-AF65-F5344CB8AC3E}">
-        <p14:creationId xmlns:p14="http://schemas.microsoft.com/office/powerpoint/2010/main" val="3351905157"/>
       </p:ext>
     </p:extLst>
   </p:cSld>
@@ -7264,6 +7155,127 @@
       </p:grpSpPr>
       <p:sp>
         <p:nvSpPr>
+          <p:cNvPr id="2" name="標題 1"/>
+          <p:cNvSpPr>
+            <a:spLocks noGrp="1"/>
+          </p:cNvSpPr>
+          <p:nvPr>
+            <p:ph type="title"/>
+          </p:nvPr>
+        </p:nvSpPr>
+        <p:spPr/>
+        <p:txBody>
+          <a:bodyPr/>
+          <a:lstStyle/>
+          <a:p>
+            <a:r>
+              <a:rPr lang="zh-TW" altLang="en-US" dirty="0" smtClean="0"/>
+              <a:t>小練習</a:t>
+            </a:r>
+            <a:r>
+              <a:rPr lang="en-US" altLang="zh-TW" dirty="0" smtClean="0"/>
+              <a:t/>
+            </a:r>
+            <a:br>
+              <a:rPr lang="en-US" altLang="zh-TW" dirty="0" smtClean="0"/>
+            </a:br>
+            <a:r>
+              <a:rPr lang="zh-TW" altLang="en-US" dirty="0"/>
+              <a:t>自己來喔</a:t>
+            </a:r>
+          </a:p>
+        </p:txBody>
+      </p:sp>
+      <p:sp>
+        <p:nvSpPr>
+          <p:cNvPr id="3" name="內容版面配置區 2"/>
+          <p:cNvSpPr>
+            <a:spLocks noGrp="1"/>
+          </p:cNvSpPr>
+          <p:nvPr>
+            <p:ph idx="1"/>
+          </p:nvPr>
+        </p:nvSpPr>
+        <p:spPr/>
+        <p:txBody>
+          <a:bodyPr/>
+          <a:lstStyle/>
+          <a:p>
+            <a:r>
+              <a:rPr lang="zh-TW" altLang="en-US" dirty="0" smtClean="0"/>
+              <a:t>輸入三角型三邊長，判斷是否可以形成三角形。</a:t>
+            </a:r>
+            <a:endParaRPr lang="en-US" altLang="zh-TW" dirty="0" smtClean="0"/>
+          </a:p>
+          <a:p>
+            <a:pPr lvl="1"/>
+            <a:r>
+              <a:rPr lang="zh-TW" altLang="en-US" dirty="0"/>
+              <a:t>進階：是不是正三角形</a:t>
+            </a:r>
+            <a:r>
+              <a:rPr lang="zh-TW" altLang="en-US" dirty="0" smtClean="0"/>
+              <a:t>？是不是直角三角形？是不是鈍</a:t>
+            </a:r>
+            <a:r>
+              <a:rPr lang="en-US" altLang="zh-TW" dirty="0" smtClean="0"/>
+              <a:t>(</a:t>
+            </a:r>
+            <a:r>
+              <a:rPr lang="zh-TW" altLang="en-US" dirty="0" smtClean="0"/>
+              <a:t>銳</a:t>
+            </a:r>
+            <a:r>
+              <a:rPr lang="en-US" altLang="zh-TW" dirty="0" smtClean="0"/>
+              <a:t>)</a:t>
+            </a:r>
+            <a:r>
+              <a:rPr lang="zh-TW" altLang="en-US" dirty="0" smtClean="0"/>
+              <a:t>角三角形？</a:t>
+            </a:r>
+            <a:endParaRPr lang="zh-TW" altLang="en-US" dirty="0"/>
+          </a:p>
+        </p:txBody>
+      </p:sp>
+    </p:spTree>
+    <p:extLst>
+      <p:ext uri="{BB962C8B-B14F-4D97-AF65-F5344CB8AC3E}">
+        <p14:creationId xmlns:p14="http://schemas.microsoft.com/office/powerpoint/2010/main" val="3351905157"/>
+      </p:ext>
+    </p:extLst>
+  </p:cSld>
+  <p:clrMapOvr>
+    <a:masterClrMapping/>
+  </p:clrMapOvr>
+  <p:timing>
+    <p:tnLst>
+      <p:par>
+        <p:cTn id="1" dur="indefinite" restart="never" nodeType="tmRoot"/>
+      </p:par>
+    </p:tnLst>
+  </p:timing>
+</p:sld>
+</file>
+
+<file path=ppt/slides/slide15.xml><?xml version="1.0" encoding="utf-8"?>
+<p:sld xmlns:a="http://schemas.openxmlformats.org/drawingml/2006/main" xmlns:r="http://schemas.openxmlformats.org/officeDocument/2006/relationships" xmlns:p="http://schemas.openxmlformats.org/presentationml/2006/main">
+  <p:cSld>
+    <p:spTree>
+      <p:nvGrpSpPr>
+        <p:cNvPr id="1" name=""/>
+        <p:cNvGrpSpPr/>
+        <p:nvPr/>
+      </p:nvGrpSpPr>
+      <p:grpSpPr>
+        <a:xfrm>
+          <a:off x="0" y="0"/>
+          <a:ext cx="0" cy="0"/>
+          <a:chOff x="0" y="0"/>
+          <a:chExt cx="0" cy="0"/>
+        </a:xfrm>
+      </p:grpSpPr>
+      <p:sp>
+        <p:nvSpPr>
           <p:cNvPr id="4" name="標題 3"/>
           <p:cNvSpPr>
             <a:spLocks noGrp="1"/>
@@ -7348,7 +7360,7 @@
 </p:sld>
 </file>
 
-<file path=ppt/slides/slide15.xml><?xml version="1.0" encoding="utf-8"?>
+<file path=ppt/slides/slide16.xml><?xml version="1.0" encoding="utf-8"?>
 <p:sld xmlns:a="http://schemas.openxmlformats.org/drawingml/2006/main" xmlns:r="http://schemas.openxmlformats.org/officeDocument/2006/relationships" xmlns:p="http://schemas.openxmlformats.org/presentationml/2006/main">
   <p:cSld>
     <p:spTree>
@@ -7512,7 +7524,7 @@
 </p:sld>
 </file>
 
-<file path=ppt/slides/slide16.xml><?xml version="1.0" encoding="utf-8"?>
+<file path=ppt/slides/slide17.xml><?xml version="1.0" encoding="utf-8"?>
 <p:sld xmlns:a="http://schemas.openxmlformats.org/drawingml/2006/main" xmlns:r="http://schemas.openxmlformats.org/officeDocument/2006/relationships" xmlns:p="http://schemas.openxmlformats.org/presentationml/2006/main">
   <p:cSld>
     <p:spTree>
@@ -8042,7 +8054,7 @@
 </p:sld>
 </file>
 
-<file path=ppt/slides/slide17.xml><?xml version="1.0" encoding="utf-8"?>
+<file path=ppt/slides/slide18.xml><?xml version="1.0" encoding="utf-8"?>
 <p:sld xmlns:a="http://schemas.openxmlformats.org/drawingml/2006/main" xmlns:r="http://schemas.openxmlformats.org/officeDocument/2006/relationships" xmlns:p="http://schemas.openxmlformats.org/presentationml/2006/main">
   <p:cSld>
     <p:spTree>
@@ -8307,107 +8319,6 @@
 </p:sld>
 </file>
 
-<file path=ppt/slides/slide18.xml><?xml version="1.0" encoding="utf-8"?>
-<p:sld xmlns:a="http://schemas.openxmlformats.org/drawingml/2006/main" xmlns:r="http://schemas.openxmlformats.org/officeDocument/2006/relationships" xmlns:p="http://schemas.openxmlformats.org/presentationml/2006/main">
-  <p:cSld>
-    <p:spTree>
-      <p:nvGrpSpPr>
-        <p:cNvPr id="1" name=""/>
-        <p:cNvGrpSpPr/>
-        <p:nvPr/>
-      </p:nvGrpSpPr>
-      <p:grpSpPr>
-        <a:xfrm>
-          <a:off x="0" y="0"/>
-          <a:ext cx="0" cy="0"/>
-          <a:chOff x="0" y="0"/>
-          <a:chExt cx="0" cy="0"/>
-        </a:xfrm>
-      </p:grpSpPr>
-      <p:sp>
-        <p:nvSpPr>
-          <p:cNvPr id="4" name="標題 3"/>
-          <p:cNvSpPr>
-            <a:spLocks noGrp="1"/>
-          </p:cNvSpPr>
-          <p:nvPr>
-            <p:ph type="title"/>
-          </p:nvPr>
-        </p:nvSpPr>
-        <p:spPr/>
-        <p:txBody>
-          <a:bodyPr/>
-          <a:lstStyle/>
-          <a:p>
-            <a:r>
-              <a:rPr lang="zh-TW" altLang="en-US" dirty="0" smtClean="0"/>
-              <a:t>覺得每次測試都要重新執行煩嗎？</a:t>
-            </a:r>
-            <a:r>
-              <a:rPr lang="en-US" altLang="zh-TW" dirty="0" smtClean="0"/>
-              <a:t/>
-            </a:r>
-            <a:br>
-              <a:rPr lang="en-US" altLang="zh-TW" dirty="0" smtClean="0"/>
-            </a:br>
-            <a:r>
-              <a:rPr lang="zh-TW" altLang="en-US" dirty="0"/>
-              <a:t>來學個</a:t>
-            </a:r>
-            <a:r>
-              <a:rPr lang="zh-TW" altLang="en-US" dirty="0">
-                <a:solidFill>
-                  <a:srgbClr val="C00000"/>
-                </a:solidFill>
-              </a:rPr>
-              <a:t>永久迴圈</a:t>
-            </a:r>
-            <a:r>
-              <a:rPr lang="zh-TW" altLang="en-US" dirty="0"/>
-              <a:t>吧！</a:t>
-            </a:r>
-          </a:p>
-        </p:txBody>
-      </p:sp>
-      <p:sp>
-        <p:nvSpPr>
-          <p:cNvPr id="5" name="文字版面配置區 4"/>
-          <p:cNvSpPr>
-            <a:spLocks noGrp="1"/>
-          </p:cNvSpPr>
-          <p:nvPr>
-            <p:ph type="body" idx="1"/>
-          </p:nvPr>
-        </p:nvSpPr>
-        <p:spPr/>
-        <p:txBody>
-          <a:bodyPr/>
-          <a:lstStyle/>
-          <a:p>
-            <a:endParaRPr lang="zh-TW" altLang="en-US"/>
-          </a:p>
-        </p:txBody>
-      </p:sp>
-    </p:spTree>
-    <p:extLst>
-      <p:ext uri="{BB962C8B-B14F-4D97-AF65-F5344CB8AC3E}">
-        <p14:creationId xmlns:p14="http://schemas.microsoft.com/office/powerpoint/2010/main" val="2469663644"/>
-      </p:ext>
-    </p:extLst>
-  </p:cSld>
-  <p:clrMapOvr>
-    <a:masterClrMapping/>
-  </p:clrMapOvr>
-  <p:timing>
-    <p:tnLst>
-      <p:par>
-        <p:cTn id="1" dur="indefinite" restart="never" nodeType="tmRoot"/>
-      </p:par>
-    </p:tnLst>
-  </p:timing>
-</p:sld>
-</file>
-
 <file path=ppt/slides/slide19.xml><?xml version="1.0" encoding="utf-8"?>
 <p:sld xmlns:a="http://schemas.openxmlformats.org/drawingml/2006/main" xmlns:r="http://schemas.openxmlformats.org/officeDocument/2006/relationships" xmlns:p="http://schemas.openxmlformats.org/presentationml/2006/main">
   <p:cSld>
@@ -8425,30 +8336,6 @@
           <a:chExt cx="0" cy="0"/>
         </a:xfrm>
       </p:grpSpPr>
-      <p:pic>
-        <p:nvPicPr>
-          <p:cNvPr id="3" name="圖片 2"/>
-          <p:cNvPicPr>
-            <a:picLocks noChangeAspect="1"/>
-          </p:cNvPicPr>
-          <p:nvPr/>
-        </p:nvPicPr>
-        <p:blipFill>
-          <a:blip r:embed="rId2"/>
-          <a:stretch>
-            <a:fillRect/>
-          </a:stretch>
-        </p:blipFill>
-        <p:spPr>
-          <a:xfrm>
-            <a:off x="5394960" y="989082"/>
-            <a:ext cx="4895850" cy="5362575"/>
-          </a:xfrm>
-          <a:prstGeom prst="rect">
-            <a:avLst/>
-          </a:prstGeom>
-        </p:spPr>
-      </p:pic>
       <p:sp>
         <p:nvSpPr>
           <p:cNvPr id="4" name="標題 3"/>
@@ -8465,29 +8352,43 @@
           <a:lstStyle/>
           <a:p>
             <a:r>
+              <a:rPr lang="zh-TW" altLang="en-US" dirty="0" smtClean="0"/>
+              <a:t>覺得每次測試都要重新執行煩嗎？</a:t>
+            </a:r>
+            <a:r>
               <a:rPr lang="en-US" altLang="zh-TW" dirty="0" smtClean="0"/>
-              <a:t>while</a:t>
-            </a:r>
-            <a:r>
-              <a:rPr lang="zh-TW" altLang="en-US" dirty="0" smtClean="0"/>
-              <a:t> </a:t>
-            </a:r>
-            <a:r>
+              <a:t/>
+            </a:r>
+            <a:br>
               <a:rPr lang="en-US" altLang="zh-TW" dirty="0" smtClean="0"/>
-              <a:t>True:</a:t>
-            </a:r>
-            <a:endParaRPr lang="zh-TW" altLang="en-US" dirty="0"/>
-          </a:p>
-        </p:txBody>
-      </p:sp>
-      <p:sp>
-        <p:nvSpPr>
-          <p:cNvPr id="5" name="內容版面配置區 4"/>
+            </a:br>
+            <a:r>
+              <a:rPr lang="zh-TW" altLang="en-US" dirty="0"/>
+              <a:t>來學個</a:t>
+            </a:r>
+            <a:r>
+              <a:rPr lang="zh-TW" altLang="en-US" dirty="0">
+                <a:solidFill>
+                  <a:srgbClr val="C00000"/>
+                </a:solidFill>
+              </a:rPr>
+              <a:t>永久迴圈</a:t>
+            </a:r>
+            <a:r>
+              <a:rPr lang="zh-TW" altLang="en-US" dirty="0"/>
+              <a:t>吧！</a:t>
+            </a:r>
+          </a:p>
+        </p:txBody>
+      </p:sp>
+      <p:sp>
+        <p:nvSpPr>
+          <p:cNvPr id="5" name="文字版面配置區 4"/>
           <p:cNvSpPr>
             <a:spLocks noGrp="1"/>
           </p:cNvSpPr>
           <p:nvPr>
-            <p:ph idx="1"/>
+            <p:ph type="body" idx="1"/>
           </p:nvPr>
         </p:nvSpPr>
         <p:spPr/>
@@ -8495,204 +8396,14 @@
           <a:bodyPr/>
           <a:lstStyle/>
           <a:p>
-            <a:r>
-              <a:rPr lang="zh-TW" altLang="en-US" dirty="0" smtClean="0"/>
-              <a:t>把剛剛的程式碼加工一下如右圖所示：</a:t>
-            </a:r>
-            <a:endParaRPr lang="en-US" altLang="zh-TW" dirty="0" smtClean="0"/>
-          </a:p>
-          <a:p>
-            <a:r>
-              <a:rPr lang="zh-TW" altLang="en-US" dirty="0" smtClean="0"/>
-              <a:t>執行畫面如下，可連續輸入了！</a:t>
-            </a:r>
-            <a:endParaRPr lang="zh-TW" altLang="en-US" dirty="0"/>
-          </a:p>
-        </p:txBody>
-      </p:sp>
-      <p:sp>
-        <p:nvSpPr>
-          <p:cNvPr id="7" name="矩形 6"/>
-          <p:cNvSpPr/>
-          <p:nvPr/>
-        </p:nvSpPr>
-        <p:spPr>
-          <a:xfrm>
-            <a:off x="5894070" y="2569464"/>
-            <a:ext cx="1494282" cy="270318"/>
-          </a:xfrm>
-          <a:prstGeom prst="rect">
-            <a:avLst/>
-          </a:prstGeom>
-          <a:noFill/>
-          <a:ln w="38100">
-            <a:solidFill>
-              <a:srgbClr val="FF0000"/>
-            </a:solidFill>
-          </a:ln>
-        </p:spPr>
-        <p:style>
-          <a:lnRef idx="2">
-            <a:schemeClr val="accent1">
-              <a:shade val="50000"/>
-            </a:schemeClr>
-          </a:lnRef>
-          <a:fillRef idx="1">
-            <a:schemeClr val="accent1"/>
-          </a:fillRef>
-          <a:effectRef idx="0">
-            <a:schemeClr val="accent1"/>
-          </a:effectRef>
-          <a:fontRef idx="minor">
-            <a:schemeClr val="lt1"/>
-          </a:fontRef>
-        </p:style>
-        <p:txBody>
-          <a:bodyPr rtlCol="0" anchor="ctr"/>
-          <a:lstStyle/>
-          <a:p>
-            <a:pPr algn="ctr"/>
             <a:endParaRPr lang="zh-TW" altLang="en-US"/>
-          </a:p>
-        </p:txBody>
-      </p:sp>
-      <p:sp>
-        <p:nvSpPr>
-          <p:cNvPr id="9" name="向右箭號 8"/>
-          <p:cNvSpPr/>
-          <p:nvPr/>
-        </p:nvSpPr>
-        <p:spPr>
-          <a:xfrm>
-            <a:off x="5086195" y="4185826"/>
-            <a:ext cx="448056" cy="466344"/>
-          </a:xfrm>
-          <a:prstGeom prst="rightArrow">
-            <a:avLst/>
-          </a:prstGeom>
-          <a:solidFill>
-            <a:srgbClr val="FF0000"/>
-          </a:solidFill>
-          <a:ln>
-            <a:solidFill>
-              <a:srgbClr val="FF0000"/>
-            </a:solidFill>
-          </a:ln>
-        </p:spPr>
-        <p:style>
-          <a:lnRef idx="2">
-            <a:schemeClr val="accent1">
-              <a:shade val="50000"/>
-            </a:schemeClr>
-          </a:lnRef>
-          <a:fillRef idx="1">
-            <a:schemeClr val="accent1"/>
-          </a:fillRef>
-          <a:effectRef idx="0">
-            <a:schemeClr val="accent1"/>
-          </a:effectRef>
-          <a:fontRef idx="minor">
-            <a:schemeClr val="lt1"/>
-          </a:fontRef>
-        </p:style>
-        <p:txBody>
-          <a:bodyPr rtlCol="0" anchor="ctr"/>
-          <a:lstStyle/>
-          <a:p>
-            <a:pPr algn="ctr"/>
-            <a:endParaRPr lang="zh-TW" altLang="en-US"/>
-          </a:p>
-        </p:txBody>
-      </p:sp>
-      <p:sp>
-        <p:nvSpPr>
-          <p:cNvPr id="10" name="左大括弧 9"/>
-          <p:cNvSpPr/>
-          <p:nvPr/>
-        </p:nvSpPr>
-        <p:spPr>
-          <a:xfrm>
-            <a:off x="5623788" y="2967548"/>
-            <a:ext cx="471678" cy="2902900"/>
-          </a:xfrm>
-          <a:prstGeom prst="leftBrace">
-            <a:avLst>
-              <a:gd name="adj1" fmla="val 8333"/>
-              <a:gd name="adj2" fmla="val 49370"/>
-            </a:avLst>
-          </a:prstGeom>
-          <a:noFill/>
-          <a:ln w="28575">
-            <a:solidFill>
-              <a:srgbClr val="FF0000"/>
-            </a:solidFill>
-          </a:ln>
-        </p:spPr>
-        <p:style>
-          <a:lnRef idx="1">
-            <a:schemeClr val="accent1"/>
-          </a:lnRef>
-          <a:fillRef idx="0">
-            <a:schemeClr val="accent1"/>
-          </a:fillRef>
-          <a:effectRef idx="0">
-            <a:schemeClr val="accent1"/>
-          </a:effectRef>
-          <a:fontRef idx="minor">
-            <a:schemeClr val="tx1"/>
-          </a:fontRef>
-        </p:style>
-        <p:txBody>
-          <a:bodyPr rtlCol="0" anchor="ctr"/>
-          <a:lstStyle/>
-          <a:p>
-            <a:pPr algn="ctr"/>
-            <a:endParaRPr lang="zh-TW" altLang="en-US"/>
-          </a:p>
-        </p:txBody>
-      </p:sp>
-      <p:sp>
-        <p:nvSpPr>
-          <p:cNvPr id="11" name="文字方塊 10"/>
-          <p:cNvSpPr txBox="1"/>
-          <p:nvPr/>
-        </p:nvSpPr>
-        <p:spPr>
-          <a:xfrm>
-            <a:off x="4763029" y="4558210"/>
-            <a:ext cx="646331" cy="369332"/>
-          </a:xfrm>
-          <a:prstGeom prst="rect">
-            <a:avLst/>
-          </a:prstGeom>
-          <a:noFill/>
-        </p:spPr>
-        <p:txBody>
-          <a:bodyPr wrap="none" rtlCol="0">
-            <a:spAutoFit/>
-          </a:bodyPr>
-          <a:lstStyle/>
-          <a:p>
-            <a:r>
-              <a:rPr lang="zh-TW" altLang="en-US" dirty="0" smtClean="0">
-                <a:solidFill>
-                  <a:srgbClr val="FF0000"/>
-                </a:solidFill>
-              </a:rPr>
-              <a:t>縮排</a:t>
-            </a:r>
-            <a:endParaRPr lang="zh-TW" altLang="en-US" dirty="0">
-              <a:solidFill>
-                <a:srgbClr val="FF0000"/>
-              </a:solidFill>
-            </a:endParaRPr>
           </a:p>
         </p:txBody>
       </p:sp>
     </p:spTree>
     <p:extLst>
       <p:ext uri="{BB962C8B-B14F-4D97-AF65-F5344CB8AC3E}">
-        <p14:creationId xmlns:p14="http://schemas.microsoft.com/office/powerpoint/2010/main" val="2962973419"/>
+        <p14:creationId xmlns:p14="http://schemas.microsoft.com/office/powerpoint/2010/main" val="2469663644"/>
       </p:ext>
     </p:extLst>
   </p:cSld>
@@ -10468,6 +10179,307 @@
           <a:chExt cx="0" cy="0"/>
         </a:xfrm>
       </p:grpSpPr>
+      <p:pic>
+        <p:nvPicPr>
+          <p:cNvPr id="3" name="圖片 2"/>
+          <p:cNvPicPr>
+            <a:picLocks noChangeAspect="1"/>
+          </p:cNvPicPr>
+          <p:nvPr/>
+        </p:nvPicPr>
+        <p:blipFill>
+          <a:blip r:embed="rId2"/>
+          <a:stretch>
+            <a:fillRect/>
+          </a:stretch>
+        </p:blipFill>
+        <p:spPr>
+          <a:xfrm>
+            <a:off x="5394960" y="989082"/>
+            <a:ext cx="4895850" cy="5362575"/>
+          </a:xfrm>
+          <a:prstGeom prst="rect">
+            <a:avLst/>
+          </a:prstGeom>
+        </p:spPr>
+      </p:pic>
+      <p:sp>
+        <p:nvSpPr>
+          <p:cNvPr id="4" name="標題 3"/>
+          <p:cNvSpPr>
+            <a:spLocks noGrp="1"/>
+          </p:cNvSpPr>
+          <p:nvPr>
+            <p:ph type="title"/>
+          </p:nvPr>
+        </p:nvSpPr>
+        <p:spPr/>
+        <p:txBody>
+          <a:bodyPr/>
+          <a:lstStyle/>
+          <a:p>
+            <a:r>
+              <a:rPr lang="en-US" altLang="zh-TW" dirty="0" smtClean="0"/>
+              <a:t>while</a:t>
+            </a:r>
+            <a:r>
+              <a:rPr lang="zh-TW" altLang="en-US" dirty="0" smtClean="0"/>
+              <a:t> </a:t>
+            </a:r>
+            <a:r>
+              <a:rPr lang="en-US" altLang="zh-TW" dirty="0" smtClean="0"/>
+              <a:t>True:</a:t>
+            </a:r>
+            <a:endParaRPr lang="zh-TW" altLang="en-US" dirty="0"/>
+          </a:p>
+        </p:txBody>
+      </p:sp>
+      <p:sp>
+        <p:nvSpPr>
+          <p:cNvPr id="5" name="內容版面配置區 4"/>
+          <p:cNvSpPr>
+            <a:spLocks noGrp="1"/>
+          </p:cNvSpPr>
+          <p:nvPr>
+            <p:ph idx="1"/>
+          </p:nvPr>
+        </p:nvSpPr>
+        <p:spPr/>
+        <p:txBody>
+          <a:bodyPr/>
+          <a:lstStyle/>
+          <a:p>
+            <a:r>
+              <a:rPr lang="zh-TW" altLang="en-US" dirty="0" smtClean="0"/>
+              <a:t>把剛剛的程式碼加工一下如右圖所示：</a:t>
+            </a:r>
+            <a:endParaRPr lang="en-US" altLang="zh-TW" dirty="0" smtClean="0"/>
+          </a:p>
+          <a:p>
+            <a:r>
+              <a:rPr lang="zh-TW" altLang="en-US" dirty="0" smtClean="0"/>
+              <a:t>執行畫面如下，可連續輸入了！</a:t>
+            </a:r>
+            <a:endParaRPr lang="zh-TW" altLang="en-US" dirty="0"/>
+          </a:p>
+        </p:txBody>
+      </p:sp>
+      <p:sp>
+        <p:nvSpPr>
+          <p:cNvPr id="7" name="矩形 6"/>
+          <p:cNvSpPr/>
+          <p:nvPr/>
+        </p:nvSpPr>
+        <p:spPr>
+          <a:xfrm>
+            <a:off x="5894070" y="2569464"/>
+            <a:ext cx="1494282" cy="270318"/>
+          </a:xfrm>
+          <a:prstGeom prst="rect">
+            <a:avLst/>
+          </a:prstGeom>
+          <a:noFill/>
+          <a:ln w="38100">
+            <a:solidFill>
+              <a:srgbClr val="FF0000"/>
+            </a:solidFill>
+          </a:ln>
+        </p:spPr>
+        <p:style>
+          <a:lnRef idx="2">
+            <a:schemeClr val="accent1">
+              <a:shade val="50000"/>
+            </a:schemeClr>
+          </a:lnRef>
+          <a:fillRef idx="1">
+            <a:schemeClr val="accent1"/>
+          </a:fillRef>
+          <a:effectRef idx="0">
+            <a:schemeClr val="accent1"/>
+          </a:effectRef>
+          <a:fontRef idx="minor">
+            <a:schemeClr val="lt1"/>
+          </a:fontRef>
+        </p:style>
+        <p:txBody>
+          <a:bodyPr rtlCol="0" anchor="ctr"/>
+          <a:lstStyle/>
+          <a:p>
+            <a:pPr algn="ctr"/>
+            <a:endParaRPr lang="zh-TW" altLang="en-US"/>
+          </a:p>
+        </p:txBody>
+      </p:sp>
+      <p:sp>
+        <p:nvSpPr>
+          <p:cNvPr id="9" name="向右箭號 8"/>
+          <p:cNvSpPr/>
+          <p:nvPr/>
+        </p:nvSpPr>
+        <p:spPr>
+          <a:xfrm>
+            <a:off x="5086195" y="4185826"/>
+            <a:ext cx="448056" cy="466344"/>
+          </a:xfrm>
+          <a:prstGeom prst="rightArrow">
+            <a:avLst/>
+          </a:prstGeom>
+          <a:solidFill>
+            <a:srgbClr val="FF0000"/>
+          </a:solidFill>
+          <a:ln>
+            <a:solidFill>
+              <a:srgbClr val="FF0000"/>
+            </a:solidFill>
+          </a:ln>
+        </p:spPr>
+        <p:style>
+          <a:lnRef idx="2">
+            <a:schemeClr val="accent1">
+              <a:shade val="50000"/>
+            </a:schemeClr>
+          </a:lnRef>
+          <a:fillRef idx="1">
+            <a:schemeClr val="accent1"/>
+          </a:fillRef>
+          <a:effectRef idx="0">
+            <a:schemeClr val="accent1"/>
+          </a:effectRef>
+          <a:fontRef idx="minor">
+            <a:schemeClr val="lt1"/>
+          </a:fontRef>
+        </p:style>
+        <p:txBody>
+          <a:bodyPr rtlCol="0" anchor="ctr"/>
+          <a:lstStyle/>
+          <a:p>
+            <a:pPr algn="ctr"/>
+            <a:endParaRPr lang="zh-TW" altLang="en-US"/>
+          </a:p>
+        </p:txBody>
+      </p:sp>
+      <p:sp>
+        <p:nvSpPr>
+          <p:cNvPr id="10" name="左大括弧 9"/>
+          <p:cNvSpPr/>
+          <p:nvPr/>
+        </p:nvSpPr>
+        <p:spPr>
+          <a:xfrm>
+            <a:off x="5623788" y="2967548"/>
+            <a:ext cx="471678" cy="2902900"/>
+          </a:xfrm>
+          <a:prstGeom prst="leftBrace">
+            <a:avLst>
+              <a:gd name="adj1" fmla="val 8333"/>
+              <a:gd name="adj2" fmla="val 49370"/>
+            </a:avLst>
+          </a:prstGeom>
+          <a:noFill/>
+          <a:ln w="28575">
+            <a:solidFill>
+              <a:srgbClr val="FF0000"/>
+            </a:solidFill>
+          </a:ln>
+        </p:spPr>
+        <p:style>
+          <a:lnRef idx="1">
+            <a:schemeClr val="accent1"/>
+          </a:lnRef>
+          <a:fillRef idx="0">
+            <a:schemeClr val="accent1"/>
+          </a:fillRef>
+          <a:effectRef idx="0">
+            <a:schemeClr val="accent1"/>
+          </a:effectRef>
+          <a:fontRef idx="minor">
+            <a:schemeClr val="tx1"/>
+          </a:fontRef>
+        </p:style>
+        <p:txBody>
+          <a:bodyPr rtlCol="0" anchor="ctr"/>
+          <a:lstStyle/>
+          <a:p>
+            <a:pPr algn="ctr"/>
+            <a:endParaRPr lang="zh-TW" altLang="en-US"/>
+          </a:p>
+        </p:txBody>
+      </p:sp>
+      <p:sp>
+        <p:nvSpPr>
+          <p:cNvPr id="11" name="文字方塊 10"/>
+          <p:cNvSpPr txBox="1"/>
+          <p:nvPr/>
+        </p:nvSpPr>
+        <p:spPr>
+          <a:xfrm>
+            <a:off x="4763029" y="4558210"/>
+            <a:ext cx="646331" cy="369332"/>
+          </a:xfrm>
+          <a:prstGeom prst="rect">
+            <a:avLst/>
+          </a:prstGeom>
+          <a:noFill/>
+        </p:spPr>
+        <p:txBody>
+          <a:bodyPr wrap="none" rtlCol="0">
+            <a:spAutoFit/>
+          </a:bodyPr>
+          <a:lstStyle/>
+          <a:p>
+            <a:r>
+              <a:rPr lang="zh-TW" altLang="en-US" dirty="0" smtClean="0">
+                <a:solidFill>
+                  <a:srgbClr val="FF0000"/>
+                </a:solidFill>
+              </a:rPr>
+              <a:t>縮排</a:t>
+            </a:r>
+            <a:endParaRPr lang="zh-TW" altLang="en-US" dirty="0">
+              <a:solidFill>
+                <a:srgbClr val="FF0000"/>
+              </a:solidFill>
+            </a:endParaRPr>
+          </a:p>
+        </p:txBody>
+      </p:sp>
+    </p:spTree>
+    <p:extLst>
+      <p:ext uri="{BB962C8B-B14F-4D97-AF65-F5344CB8AC3E}">
+        <p14:creationId xmlns:p14="http://schemas.microsoft.com/office/powerpoint/2010/main" val="2962973419"/>
+      </p:ext>
+    </p:extLst>
+  </p:cSld>
+  <p:clrMapOvr>
+    <a:masterClrMapping/>
+  </p:clrMapOvr>
+  <p:timing>
+    <p:tnLst>
+      <p:par>
+        <p:cTn id="1" dur="indefinite" restart="never" nodeType="tmRoot"/>
+      </p:par>
+    </p:tnLst>
+  </p:timing>
+</p:sld>
+</file>
+
+<file path=ppt/slides/slide21.xml><?xml version="1.0" encoding="utf-8"?>
+<p:sld xmlns:a="http://schemas.openxmlformats.org/drawingml/2006/main" xmlns:r="http://schemas.openxmlformats.org/officeDocument/2006/relationships" xmlns:p="http://schemas.openxmlformats.org/presentationml/2006/main">
+  <p:cSld>
+    <p:spTree>
+      <p:nvGrpSpPr>
+        <p:cNvPr id="1" name=""/>
+        <p:cNvGrpSpPr/>
+        <p:nvPr/>
+      </p:nvGrpSpPr>
+      <p:grpSpPr>
+        <a:xfrm>
+          <a:off x="0" y="0"/>
+          <a:ext cx="0" cy="0"/>
+          <a:chOff x="0" y="0"/>
+          <a:chExt cx="0" cy="0"/>
+        </a:xfrm>
+      </p:grpSpPr>
       <p:sp>
         <p:nvSpPr>
           <p:cNvPr id="2" name="標題 1"/>
@@ -10737,7 +10749,7 @@
 </p:sld>
 </file>
 
-<file path=ppt/slides/slide21.xml><?xml version="1.0" encoding="utf-8"?>
+<file path=ppt/slides/slide22.xml><?xml version="1.0" encoding="utf-8"?>
 <p:sld xmlns:a="http://schemas.openxmlformats.org/drawingml/2006/main" xmlns:r="http://schemas.openxmlformats.org/officeDocument/2006/relationships" xmlns:p="http://schemas.openxmlformats.org/presentationml/2006/main">
   <p:cSld>
     <p:spTree>
@@ -11287,7 +11299,7 @@
 </p:sld>
 </file>
 
-<file path=ppt/slides/slide22.xml><?xml version="1.0" encoding="utf-8"?>
+<file path=ppt/slides/slide23.xml><?xml version="1.0" encoding="utf-8"?>
 <p:sld xmlns:a="http://schemas.openxmlformats.org/drawingml/2006/main" xmlns:r="http://schemas.openxmlformats.org/officeDocument/2006/relationships" xmlns:p="http://schemas.openxmlformats.org/presentationml/2006/main">
   <p:cSld>
     <p:spTree>
@@ -11378,7 +11390,7 @@
 </p:sld>
 </file>
 
-<file path=ppt/slides/slide23.xml><?xml version="1.0" encoding="utf-8"?>
+<file path=ppt/slides/slide24.xml><?xml version="1.0" encoding="utf-8"?>
 <p:sld xmlns:a="http://schemas.openxmlformats.org/drawingml/2006/main" xmlns:r="http://schemas.openxmlformats.org/officeDocument/2006/relationships" xmlns:p="http://schemas.openxmlformats.org/presentationml/2006/main">
   <p:cSld>
     <p:spTree>
@@ -11819,7 +11831,7 @@
 </p:sld>
 </file>
 
-<file path=ppt/slides/slide24.xml><?xml version="1.0" encoding="utf-8"?>
+<file path=ppt/slides/slide25.xml><?xml version="1.0" encoding="utf-8"?>
 <p:sld xmlns:a="http://schemas.openxmlformats.org/drawingml/2006/main" xmlns:r="http://schemas.openxmlformats.org/officeDocument/2006/relationships" xmlns:p="http://schemas.openxmlformats.org/presentationml/2006/main">
   <p:cSld>
     <p:spTree>
@@ -12503,7 +12515,7 @@
 </p:sld>
 </file>
 
-<file path=ppt/slides/slide25.xml><?xml version="1.0" encoding="utf-8"?>
+<file path=ppt/slides/slide26.xml><?xml version="1.0" encoding="utf-8"?>
 <p:sld xmlns:a="http://schemas.openxmlformats.org/drawingml/2006/main" xmlns:r="http://schemas.openxmlformats.org/officeDocument/2006/relationships" xmlns:p="http://schemas.openxmlformats.org/presentationml/2006/main">
   <p:cSld>
     <p:spTree>
@@ -12605,7 +12617,7 @@
 </p:sld>
 </file>
 
-<file path=ppt/slides/slide26.xml><?xml version="1.0" encoding="utf-8"?>
+<file path=ppt/slides/slide27.xml><?xml version="1.0" encoding="utf-8"?>
 <p:sld xmlns:a="http://schemas.openxmlformats.org/drawingml/2006/main" xmlns:r="http://schemas.openxmlformats.org/officeDocument/2006/relationships" xmlns:p="http://schemas.openxmlformats.org/presentationml/2006/main">
   <p:cSld>
     <p:spTree>
@@ -13763,6 +13775,132 @@
       </p:grpSpPr>
       <p:sp>
         <p:nvSpPr>
+          <p:cNvPr id="4" name="標題 3"/>
+          <p:cNvSpPr>
+            <a:spLocks noGrp="1"/>
+          </p:cNvSpPr>
+          <p:nvPr>
+            <p:ph type="title"/>
+          </p:nvPr>
+        </p:nvSpPr>
+        <p:spPr>
+          <a:xfrm>
+            <a:off x="677335" y="1947672"/>
+            <a:ext cx="8596668" cy="2579777"/>
+          </a:xfrm>
+        </p:spPr>
+        <p:txBody>
+          <a:bodyPr>
+            <a:normAutofit/>
+          </a:bodyPr>
+          <a:lstStyle/>
+          <a:p>
+            <a:pPr algn="ctr"/>
+            <a:r>
+              <a:rPr lang="zh-TW" altLang="en-US" sz="4400" dirty="0" smtClean="0"/>
+              <a:t>很重要！所以再說一次！</a:t>
+            </a:r>
+            <a:r>
+              <a:rPr lang="en-US" altLang="zh-TW" sz="4400" dirty="0" smtClean="0"/>
+              <a:t/>
+            </a:r>
+            <a:br>
+              <a:rPr lang="en-US" altLang="zh-TW" sz="4400" dirty="0" smtClean="0"/>
+            </a:br>
+            <a:r>
+              <a:rPr lang="en-US" altLang="zh-TW" sz="4400" dirty="0" smtClean="0"/>
+              <a:t/>
+            </a:r>
+            <a:br>
+              <a:rPr lang="en-US" altLang="zh-TW" sz="4400" dirty="0" smtClean="0"/>
+            </a:br>
+            <a:r>
+              <a:rPr lang="zh-TW" altLang="en-US" sz="4400" b="1" dirty="0">
+                <a:solidFill>
+                  <a:srgbClr val="FF0000"/>
+                </a:solidFill>
+              </a:rPr>
+              <a:t>冒號</a:t>
+            </a:r>
+            <a:r>
+              <a:rPr lang="zh-TW" altLang="en-US" sz="4400" b="1" dirty="0">
+                <a:solidFill>
+                  <a:schemeClr val="tx1"/>
+                </a:solidFill>
+              </a:rPr>
+              <a:t>與</a:t>
+            </a:r>
+            <a:r>
+              <a:rPr lang="zh-TW" altLang="en-US" sz="4400" b="1" dirty="0">
+                <a:solidFill>
+                  <a:srgbClr val="FF0000"/>
+                </a:solidFill>
+              </a:rPr>
+              <a:t>縮排不可省略</a:t>
+            </a:r>
+            <a:r>
+              <a:rPr lang="zh-TW" altLang="en-US" sz="4400" b="1" dirty="0" smtClean="0">
+                <a:solidFill>
+                  <a:srgbClr val="FF0000"/>
+                </a:solidFill>
+              </a:rPr>
+              <a:t>！</a:t>
+            </a:r>
+            <a:endParaRPr lang="zh-TW" altLang="en-US" sz="4400" dirty="0"/>
+          </a:p>
+        </p:txBody>
+      </p:sp>
+      <p:sp>
+        <p:nvSpPr>
+          <p:cNvPr id="5" name="文字版面配置區 4"/>
+          <p:cNvSpPr>
+            <a:spLocks noGrp="1"/>
+          </p:cNvSpPr>
+          <p:nvPr>
+            <p:ph type="body" idx="1"/>
+          </p:nvPr>
+        </p:nvSpPr>
+        <p:spPr/>
+        <p:txBody>
+          <a:bodyPr/>
+          <a:lstStyle/>
+          <a:p>
+            <a:endParaRPr lang="zh-TW" altLang="en-US"/>
+          </a:p>
+        </p:txBody>
+      </p:sp>
+    </p:spTree>
+    <p:extLst>
+      <p:ext uri="{BB962C8B-B14F-4D97-AF65-F5344CB8AC3E}">
+        <p14:creationId xmlns:p14="http://schemas.microsoft.com/office/powerpoint/2010/main" val="4009830497"/>
+      </p:ext>
+    </p:extLst>
+  </p:cSld>
+  <p:clrMapOvr>
+    <a:masterClrMapping/>
+  </p:clrMapOvr>
+</p:sld>
+</file>
+
+<file path=ppt/slides/slide5.xml><?xml version="1.0" encoding="utf-8"?>
+<p:sld xmlns:a="http://schemas.openxmlformats.org/drawingml/2006/main" xmlns:r="http://schemas.openxmlformats.org/officeDocument/2006/relationships" xmlns:p="http://schemas.openxmlformats.org/presentationml/2006/main">
+  <p:cSld>
+    <p:spTree>
+      <p:nvGrpSpPr>
+        <p:cNvPr id="1" name=""/>
+        <p:cNvGrpSpPr/>
+        <p:nvPr/>
+      </p:nvGrpSpPr>
+      <p:grpSpPr>
+        <a:xfrm>
+          <a:off x="0" y="0"/>
+          <a:ext cx="0" cy="0"/>
+          <a:chOff x="0" y="0"/>
+          <a:chExt cx="0" cy="0"/>
+        </a:xfrm>
+      </p:grpSpPr>
+      <p:sp>
+        <p:nvSpPr>
           <p:cNvPr id="2" name="標題 1"/>
           <p:cNvSpPr>
             <a:spLocks noGrp="1"/>
@@ -13990,7 +14128,7 @@
 </p:sld>
 </file>
 
-<file path=ppt/slides/slide5.xml><?xml version="1.0" encoding="utf-8"?>
+<file path=ppt/slides/slide6.xml><?xml version="1.0" encoding="utf-8"?>
 <p:sld xmlns:a="http://schemas.openxmlformats.org/drawingml/2006/main" xmlns:r="http://schemas.openxmlformats.org/officeDocument/2006/relationships" xmlns:p="http://schemas.openxmlformats.org/presentationml/2006/main">
   <p:cSld>
     <p:spTree>
@@ -14121,7 +14259,7 @@
 </p:sld>
 </file>
 
-<file path=ppt/slides/slide6.xml><?xml version="1.0" encoding="utf-8"?>
+<file path=ppt/slides/slide7.xml><?xml version="1.0" encoding="utf-8"?>
 <p:sld xmlns:a="http://schemas.openxmlformats.org/drawingml/2006/main" xmlns:r="http://schemas.openxmlformats.org/officeDocument/2006/relationships" xmlns:p="http://schemas.openxmlformats.org/presentationml/2006/main">
   <p:cSld>
     <p:spTree>
@@ -14652,7 +14790,7 @@
 </p:sld>
 </file>
 
-<file path=ppt/slides/slide7.xml><?xml version="1.0" encoding="utf-8"?>
+<file path=ppt/slides/slide8.xml><?xml version="1.0" encoding="utf-8"?>
 <p:sld xmlns:a="http://schemas.openxmlformats.org/drawingml/2006/main" xmlns:r="http://schemas.openxmlformats.org/officeDocument/2006/relationships" xmlns:p="http://schemas.openxmlformats.org/presentationml/2006/main">
   <p:cSld>
     <p:spTree>
@@ -14794,7 +14932,7 @@
 </p:sld>
 </file>
 
-<file path=ppt/slides/slide8.xml><?xml version="1.0" encoding="utf-8"?>
+<file path=ppt/slides/slide9.xml><?xml version="1.0" encoding="utf-8"?>
 <p:sld xmlns:a="http://schemas.openxmlformats.org/drawingml/2006/main" xmlns:r="http://schemas.openxmlformats.org/officeDocument/2006/relationships" xmlns:p="http://schemas.openxmlformats.org/presentationml/2006/main">
   <p:cSld>
     <p:spTree>
@@ -15718,149 +15856,6 @@
 </p:sld>
 </file>
 
-<file path=ppt/slides/slide9.xml><?xml version="1.0" encoding="utf-8"?>
-<p:sld xmlns:a="http://schemas.openxmlformats.org/drawingml/2006/main" xmlns:r="http://schemas.openxmlformats.org/officeDocument/2006/relationships" xmlns:p="http://schemas.openxmlformats.org/presentationml/2006/main">
-  <p:cSld>
-    <p:spTree>
-      <p:nvGrpSpPr>
-        <p:cNvPr id="1" name=""/>
-        <p:cNvGrpSpPr/>
-        <p:nvPr/>
-      </p:nvGrpSpPr>
-      <p:grpSpPr>
-        <a:xfrm>
-          <a:off x="0" y="0"/>
-          <a:ext cx="0" cy="0"/>
-          <a:chOff x="0" y="0"/>
-          <a:chExt cx="0" cy="0"/>
-        </a:xfrm>
-      </p:grpSpPr>
-      <p:sp>
-        <p:nvSpPr>
-          <p:cNvPr id="2" name="標題 1"/>
-          <p:cNvSpPr>
-            <a:spLocks noGrp="1"/>
-          </p:cNvSpPr>
-          <p:nvPr>
-            <p:ph type="title"/>
-          </p:nvPr>
-        </p:nvSpPr>
-        <p:spPr/>
-        <p:txBody>
-          <a:bodyPr/>
-          <a:lstStyle/>
-          <a:p>
-            <a:r>
-              <a:rPr lang="zh-TW" altLang="en-US" dirty="0"/>
-              <a:t>練習</a:t>
-            </a:r>
-            <a:r>
-              <a:rPr lang="zh-TW" altLang="en-US" dirty="0" smtClean="0"/>
-              <a:t>一</a:t>
-            </a:r>
-            <a:r>
-              <a:rPr lang="zh-TW" altLang="en-US" dirty="0"/>
-              <a:t>參考</a:t>
-            </a:r>
-            <a:r>
-              <a:rPr lang="zh-TW" altLang="en-US" dirty="0" smtClean="0"/>
-              <a:t>解答</a:t>
-            </a:r>
-            <a:r>
-              <a:rPr lang="en-US" altLang="zh-TW" dirty="0" smtClean="0"/>
-              <a:t>(1)</a:t>
-            </a:r>
-            <a:endParaRPr lang="zh-TW" altLang="en-US" dirty="0"/>
-          </a:p>
-        </p:txBody>
-      </p:sp>
-      <p:sp>
-        <p:nvSpPr>
-          <p:cNvPr id="3" name="內容版面配置區 2"/>
-          <p:cNvSpPr>
-            <a:spLocks noGrp="1"/>
-          </p:cNvSpPr>
-          <p:nvPr>
-            <p:ph idx="1"/>
-          </p:nvPr>
-        </p:nvSpPr>
-        <p:spPr/>
-        <p:txBody>
-          <a:bodyPr/>
-          <a:lstStyle/>
-          <a:p>
-            <a:endParaRPr lang="zh-TW" altLang="en-US" dirty="0"/>
-          </a:p>
-        </p:txBody>
-      </p:sp>
-      <p:pic>
-        <p:nvPicPr>
-          <p:cNvPr id="4" name="圖片 3"/>
-          <p:cNvPicPr>
-            <a:picLocks noChangeAspect="1"/>
-          </p:cNvPicPr>
-          <p:nvPr/>
-        </p:nvPicPr>
-        <p:blipFill>
-          <a:blip r:embed="rId2"/>
-          <a:stretch>
-            <a:fillRect/>
-          </a:stretch>
-        </p:blipFill>
-        <p:spPr>
-          <a:xfrm>
-            <a:off x="677334" y="1848312"/>
-            <a:ext cx="4762500" cy="4505325"/>
-          </a:xfrm>
-          <a:prstGeom prst="rect">
-            <a:avLst/>
-          </a:prstGeom>
-        </p:spPr>
-      </p:pic>
-      <p:pic>
-        <p:nvPicPr>
-          <p:cNvPr id="7" name="圖片 6"/>
-          <p:cNvPicPr>
-            <a:picLocks noChangeAspect="1"/>
-          </p:cNvPicPr>
-          <p:nvPr/>
-        </p:nvPicPr>
-        <p:blipFill>
-          <a:blip r:embed="rId3"/>
-          <a:stretch>
-            <a:fillRect/>
-          </a:stretch>
-        </p:blipFill>
-        <p:spPr>
-          <a:xfrm>
-            <a:off x="5823392" y="1848312"/>
-            <a:ext cx="1878363" cy="1178352"/>
-          </a:xfrm>
-          <a:prstGeom prst="rect">
-            <a:avLst/>
-          </a:prstGeom>
-        </p:spPr>
-      </p:pic>
-    </p:spTree>
-    <p:extLst>
-      <p:ext uri="{BB962C8B-B14F-4D97-AF65-F5344CB8AC3E}">
-        <p14:creationId xmlns:p14="http://schemas.microsoft.com/office/powerpoint/2010/main" val="2119860618"/>
-      </p:ext>
-    </p:extLst>
-  </p:cSld>
-  <p:clrMapOvr>
-    <a:masterClrMapping/>
-  </p:clrMapOvr>
-  <p:timing>
-    <p:tnLst>
-      <p:par>
-        <p:cTn id="1" dur="indefinite" restart="never" nodeType="tmRoot"/>
-      </p:par>
-    </p:tnLst>
-  </p:timing>
-</p:sld>
-</file>
-
 <file path=ppt/theme/theme1.xml><?xml version="1.0" encoding="utf-8"?>
 <a:theme xmlns:a="http://schemas.openxmlformats.org/drawingml/2006/main" name="多面向">
   <a:themeElements>

--- a/LCC/Python/03_流程控制(分支).pptx
+++ b/LCC/Python/03_流程控制(分支).pptx
@@ -27,11 +27,14 @@
     <p:sldId id="270" r:id="rId21"/>
     <p:sldId id="271" r:id="rId22"/>
     <p:sldId id="277" r:id="rId23"/>
-    <p:sldId id="272" r:id="rId24"/>
-    <p:sldId id="273" r:id="rId25"/>
-    <p:sldId id="274" r:id="rId26"/>
-    <p:sldId id="275" r:id="rId27"/>
-    <p:sldId id="276" r:id="rId28"/>
+    <p:sldId id="283" r:id="rId24"/>
+    <p:sldId id="272" r:id="rId25"/>
+    <p:sldId id="273" r:id="rId26"/>
+    <p:sldId id="274" r:id="rId27"/>
+    <p:sldId id="275" r:id="rId28"/>
+    <p:sldId id="276" r:id="rId29"/>
+    <p:sldId id="284" r:id="rId30"/>
+    <p:sldId id="285" r:id="rId31"/>
   </p:sldIdLst>
   <p:sldSz cx="12192000" cy="6858000"/>
   <p:notesSz cx="6858000" cy="9144000"/>
@@ -895,7 +898,7 @@
             <a:fld id="{B61BEF0D-F0BB-DE4B-95CE-6DB70DBA9567}" type="datetimeFigureOut">
               <a:rPr lang="en-US" smtClean="0"/>
               <a:pPr/>
-              <a:t>11/17/2021</a:t>
+              <a:t>12/4/2021</a:t>
             </a:fld>
             <a:endParaRPr lang="en-US" dirty="0"/>
           </a:p>
@@ -1148,7 +1151,7 @@
             <a:fld id="{B61BEF0D-F0BB-DE4B-95CE-6DB70DBA9567}" type="datetimeFigureOut">
               <a:rPr lang="en-US" smtClean="0"/>
               <a:pPr/>
-              <a:t>11/17/2021</a:t>
+              <a:t>12/4/2021</a:t>
             </a:fld>
             <a:endParaRPr lang="en-US" dirty="0"/>
           </a:p>
@@ -1464,7 +1467,7 @@
             <a:fld id="{B61BEF0D-F0BB-DE4B-95CE-6DB70DBA9567}" type="datetimeFigureOut">
               <a:rPr lang="en-US" smtClean="0"/>
               <a:pPr/>
-              <a:t>11/17/2021</a:t>
+              <a:t>12/4/2021</a:t>
             </a:fld>
             <a:endParaRPr lang="en-US" dirty="0"/>
           </a:p>
@@ -1799,7 +1802,7 @@
             <a:fld id="{B61BEF0D-F0BB-DE4B-95CE-6DB70DBA9567}" type="datetimeFigureOut">
               <a:rPr lang="en-US" smtClean="0"/>
               <a:pPr/>
-              <a:t>11/17/2021</a:t>
+              <a:t>12/4/2021</a:t>
             </a:fld>
             <a:endParaRPr lang="en-US" dirty="0"/>
           </a:p>
@@ -2115,7 +2118,7 @@
             <a:fld id="{B61BEF0D-F0BB-DE4B-95CE-6DB70DBA9567}" type="datetimeFigureOut">
               <a:rPr lang="en-US" smtClean="0"/>
               <a:pPr/>
-              <a:t>11/17/2021</a:t>
+              <a:t>12/4/2021</a:t>
             </a:fld>
             <a:endParaRPr lang="en-US" dirty="0"/>
           </a:p>
@@ -2510,7 +2513,7 @@
             <a:fld id="{B61BEF0D-F0BB-DE4B-95CE-6DB70DBA9567}" type="datetimeFigureOut">
               <a:rPr lang="en-US" smtClean="0"/>
               <a:pPr/>
-              <a:t>11/17/2021</a:t>
+              <a:t>12/4/2021</a:t>
             </a:fld>
             <a:endParaRPr lang="en-US" dirty="0"/>
           </a:p>
@@ -2681,7 +2684,7 @@
           <a:p>
             <a:fld id="{55C6B4A9-1611-4792-9094-5F34BCA07E0B}" type="datetimeFigureOut">
               <a:rPr lang="en-US" smtClean="0"/>
-              <a:t>11/17/2021</a:t>
+              <a:t>12/4/2021</a:t>
             </a:fld>
             <a:endParaRPr lang="en-US" dirty="0"/>
           </a:p>
@@ -2862,7 +2865,7 @@
             <a:fld id="{B61BEF0D-F0BB-DE4B-95CE-6DB70DBA9567}" type="datetimeFigureOut">
               <a:rPr lang="en-US" smtClean="0"/>
               <a:pPr/>
-              <a:t>11/17/2021</a:t>
+              <a:t>12/4/2021</a:t>
             </a:fld>
             <a:endParaRPr lang="en-US" dirty="0"/>
           </a:p>
@@ -3034,7 +3037,7 @@
             <a:fld id="{B61BEF0D-F0BB-DE4B-95CE-6DB70DBA9567}" type="datetimeFigureOut">
               <a:rPr lang="en-US" smtClean="0"/>
               <a:pPr/>
-              <a:t>11/17/2021</a:t>
+              <a:t>12/4/2021</a:t>
             </a:fld>
             <a:endParaRPr lang="en-US" dirty="0"/>
           </a:p>
@@ -3283,7 +3286,7 @@
             <a:fld id="{B61BEF0D-F0BB-DE4B-95CE-6DB70DBA9567}" type="datetimeFigureOut">
               <a:rPr lang="en-US" smtClean="0"/>
               <a:pPr/>
-              <a:t>11/17/2021</a:t>
+              <a:t>12/4/2021</a:t>
             </a:fld>
             <a:endParaRPr lang="en-US" dirty="0"/>
           </a:p>
@@ -3516,7 +3519,7 @@
           <a:p>
             <a:fld id="{EB712588-04B1-427B-82EE-E8DB90309F08}" type="datetimeFigureOut">
               <a:rPr lang="en-US" smtClean="0"/>
-              <a:t>11/17/2021</a:t>
+              <a:t>12/4/2021</a:t>
             </a:fld>
             <a:endParaRPr lang="en-US" dirty="0"/>
           </a:p>
@@ -3891,7 +3894,7 @@
             <a:fld id="{B61BEF0D-F0BB-DE4B-95CE-6DB70DBA9567}" type="datetimeFigureOut">
               <a:rPr lang="en-US" smtClean="0"/>
               <a:pPr/>
-              <a:t>11/17/2021</a:t>
+              <a:t>12/4/2021</a:t>
             </a:fld>
             <a:endParaRPr lang="en-US" dirty="0"/>
           </a:p>
@@ -4016,7 +4019,7 @@
             <a:fld id="{B61BEF0D-F0BB-DE4B-95CE-6DB70DBA9567}" type="datetimeFigureOut">
               <a:rPr lang="en-US" smtClean="0"/>
               <a:pPr/>
-              <a:t>11/17/2021</a:t>
+              <a:t>12/4/2021</a:t>
             </a:fld>
             <a:endParaRPr lang="en-US" dirty="0"/>
           </a:p>
@@ -4113,7 +4116,7 @@
             <a:fld id="{B61BEF0D-F0BB-DE4B-95CE-6DB70DBA9567}" type="datetimeFigureOut">
               <a:rPr lang="en-US" smtClean="0"/>
               <a:pPr/>
-              <a:t>11/17/2021</a:t>
+              <a:t>12/4/2021</a:t>
             </a:fld>
             <a:endParaRPr lang="en-US" dirty="0"/>
           </a:p>
@@ -4369,7 +4372,7 @@
           <a:p>
             <a:fld id="{42A54C80-263E-416B-A8E0-580EDEADCBDC}" type="datetimeFigureOut">
               <a:rPr lang="en-US" smtClean="0"/>
-              <a:t>11/17/2021</a:t>
+              <a:t>12/4/2021</a:t>
             </a:fld>
             <a:endParaRPr lang="en-US" dirty="0"/>
           </a:p>
@@ -4676,7 +4679,7 @@
             <a:fld id="{B61BEF0D-F0BB-DE4B-95CE-6DB70DBA9567}" type="datetimeFigureOut">
               <a:rPr lang="en-US" smtClean="0"/>
               <a:pPr/>
-              <a:t>11/17/2021</a:t>
+              <a:t>12/4/2021</a:t>
             </a:fld>
             <a:endParaRPr lang="en-US" dirty="0"/>
           </a:p>
@@ -5379,7 +5382,7 @@
             <a:fld id="{B61BEF0D-F0BB-DE4B-95CE-6DB70DBA9567}" type="datetimeFigureOut">
               <a:rPr lang="en-US" smtClean="0"/>
               <a:pPr/>
-              <a:t>11/17/2021</a:t>
+              <a:t>12/4/2021</a:t>
             </a:fld>
             <a:endParaRPr lang="en-US" dirty="0"/>
           </a:p>
@@ -5505,14 +5508,14 @@
       </p:pic>
       <p:sp>
         <p:nvSpPr>
-          <p:cNvPr id="7" name="矩形 6"/>
+          <p:cNvPr id="8" name="矩形 7"/>
           <p:cNvSpPr/>
           <p:nvPr userDrawn="1"/>
         </p:nvSpPr>
         <p:spPr>
           <a:xfrm>
-            <a:off x="447147" y="6406487"/>
-            <a:ext cx="3863558" cy="369332"/>
+            <a:off x="420275" y="6406487"/>
+            <a:ext cx="3918317" cy="369332"/>
           </a:xfrm>
           <a:prstGeom prst="rect">
             <a:avLst/>
@@ -5530,7 +5533,7 @@
             </a:r>
             <a:r>
               <a:rPr lang="en-US" altLang="zh-TW" sz="1800" dirty="0" smtClean="0"/>
-              <a:t>https://reurl.cc/q16rOy</a:t>
+              <a:t>https://reurl.cc/OkNRey</a:t>
             </a:r>
             <a:endParaRPr lang="zh-TW" altLang="en-US" sz="1800" dirty="0"/>
           </a:p>
@@ -6031,7 +6034,7 @@
           <a:p>
             <a:fld id="{4805910D-2C61-424F-80CE-807290CF0E1E}" type="datetime4">
               <a:rPr lang="zh-TW" altLang="zh-TW"/>
-              <a:t>110年11月17日星期三</a:t>
+              <a:t>110年12月4日星期六</a:t>
             </a:fld>
             <a:endParaRPr lang="zh-TW" altLang="en-US" dirty="0"/>
           </a:p>
@@ -6087,7 +6090,7 @@
         <p:spPr>
           <a:xfrm>
             <a:off x="634256" y="497458"/>
-            <a:ext cx="5093061" cy="461665"/>
+            <a:ext cx="5165517" cy="461665"/>
           </a:xfrm>
           <a:prstGeom prst="rect">
             <a:avLst/>
@@ -6105,11 +6108,7 @@
             </a:r>
             <a:r>
               <a:rPr lang="en-US" altLang="zh-TW" sz="2400" dirty="0"/>
-              <a:t>https://</a:t>
-            </a:r>
-            <a:r>
-              <a:rPr lang="en-US" altLang="zh-TW" sz="2400" dirty="0" smtClean="0"/>
-              <a:t>reurl.cc/q16rOy</a:t>
+              <a:t>https://reurl.cc/OkNRey</a:t>
             </a:r>
             <a:endParaRPr lang="zh-TW" altLang="en-US" sz="2400" dirty="0"/>
           </a:p>
@@ -6117,7 +6116,7 @@
       </p:sp>
       <p:pic>
         <p:nvPicPr>
-          <p:cNvPr id="9" name="圖片 8"/>
+          <p:cNvPr id="5" name="圖片 4"/>
           <p:cNvPicPr>
             <a:picLocks noChangeAspect="1"/>
           </p:cNvPicPr>
@@ -6131,8 +6130,8 @@
         </p:blipFill>
         <p:spPr>
           <a:xfrm>
-            <a:off x="775914" y="921364"/>
-            <a:ext cx="1822492" cy="1822492"/>
+            <a:off x="792692" y="975784"/>
+            <a:ext cx="1785916" cy="1785916"/>
           </a:xfrm>
           <a:prstGeom prst="rect">
             <a:avLst/>
@@ -7721,7 +7720,23 @@
             </a:r>
             <a:r>
               <a:rPr lang="en-US" altLang="zh-TW" dirty="0" smtClean="0"/>
-              <a:t>if…else if….else if…..</a:t>
+              <a:t>if…</a:t>
+            </a:r>
+            <a:r>
+              <a:rPr lang="en-US" altLang="zh-TW" dirty="0" err="1" smtClean="0"/>
+              <a:t>elif</a:t>
+            </a:r>
+            <a:r>
+              <a:rPr lang="en-US" altLang="zh-TW" dirty="0" smtClean="0"/>
+              <a:t>….</a:t>
+            </a:r>
+            <a:r>
+              <a:rPr lang="en-US" altLang="zh-TW" dirty="0" err="1" smtClean="0"/>
+              <a:t>elif</a:t>
+            </a:r>
+            <a:r>
+              <a:rPr lang="en-US" altLang="zh-TW" dirty="0" smtClean="0"/>
+              <a:t>…..</a:t>
             </a:r>
             <a:endParaRPr lang="zh-TW" altLang="en-US" dirty="0"/>
           </a:p>
@@ -10928,7 +10943,31 @@
             </a:r>
             <a:r>
               <a:rPr lang="en-US" altLang="zh-TW" dirty="0" smtClean="0"/>
-              <a:t>if…else if…..else if….else if…..</a:t>
+              <a:t>if…</a:t>
+            </a:r>
+            <a:r>
+              <a:rPr lang="en-US" altLang="zh-TW" dirty="0" err="1" smtClean="0"/>
+              <a:t>elif</a:t>
+            </a:r>
+            <a:r>
+              <a:rPr lang="en-US" altLang="zh-TW" dirty="0" smtClean="0"/>
+              <a:t>…..</a:t>
+            </a:r>
+            <a:r>
+              <a:rPr lang="en-US" altLang="zh-TW" dirty="0" err="1" smtClean="0"/>
+              <a:t>elif</a:t>
+            </a:r>
+            <a:r>
+              <a:rPr lang="en-US" altLang="zh-TW" dirty="0" smtClean="0"/>
+              <a:t>….</a:t>
+            </a:r>
+            <a:r>
+              <a:rPr lang="en-US" altLang="zh-TW" dirty="0" err="1" smtClean="0"/>
+              <a:t>elif</a:t>
+            </a:r>
+            <a:r>
+              <a:rPr lang="en-US" altLang="zh-TW" dirty="0" smtClean="0"/>
+              <a:t>…..</a:t>
             </a:r>
           </a:p>
           <a:p>
@@ -11318,6 +11357,215 @@
       </p:grpSpPr>
       <p:sp>
         <p:nvSpPr>
+          <p:cNvPr id="2" name="標題 1"/>
+          <p:cNvSpPr>
+            <a:spLocks noGrp="1"/>
+          </p:cNvSpPr>
+          <p:nvPr>
+            <p:ph type="title"/>
+          </p:nvPr>
+        </p:nvSpPr>
+        <p:spPr/>
+        <p:txBody>
+          <a:bodyPr/>
+          <a:lstStyle/>
+          <a:p>
+            <a:r>
+              <a:rPr lang="zh-TW" altLang="en-US" dirty="0" smtClean="0"/>
+              <a:t>課後練習</a:t>
+            </a:r>
+            <a:endParaRPr lang="zh-TW" altLang="en-US" dirty="0"/>
+          </a:p>
+        </p:txBody>
+      </p:sp>
+      <p:sp>
+        <p:nvSpPr>
+          <p:cNvPr id="3" name="內容版面配置區 2"/>
+          <p:cNvSpPr>
+            <a:spLocks noGrp="1"/>
+          </p:cNvSpPr>
+          <p:nvPr>
+            <p:ph idx="1"/>
+          </p:nvPr>
+        </p:nvSpPr>
+        <p:spPr/>
+        <p:txBody>
+          <a:bodyPr/>
+          <a:lstStyle/>
+          <a:p>
+            <a:r>
+              <a:rPr lang="zh-TW" altLang="en-US" dirty="0" smtClean="0"/>
+              <a:t>輸入年齡，依照年齡區分</a:t>
+            </a:r>
+            <a:endParaRPr lang="en-US" altLang="zh-TW" dirty="0" smtClean="0"/>
+          </a:p>
+          <a:p>
+            <a:pPr lvl="1"/>
+            <a:r>
+              <a:rPr lang="zh-TW" altLang="en-US" dirty="0"/>
+              <a:t>嬰兒：</a:t>
+            </a:r>
+            <a:r>
+              <a:rPr lang="en-US" altLang="zh-TW" dirty="0"/>
+              <a:t>3</a:t>
+            </a:r>
+            <a:r>
+              <a:rPr lang="zh-TW" altLang="en-US" dirty="0"/>
+              <a:t>歲</a:t>
+            </a:r>
+            <a:r>
+              <a:rPr lang="zh-TW" altLang="en-US" dirty="0" smtClean="0"/>
+              <a:t>以下</a:t>
+            </a:r>
+            <a:endParaRPr lang="en-US" altLang="zh-TW" dirty="0" smtClean="0"/>
+          </a:p>
+          <a:p>
+            <a:pPr lvl="1"/>
+            <a:r>
+              <a:rPr lang="zh-TW" altLang="en-US" dirty="0"/>
+              <a:t>兒童：</a:t>
+            </a:r>
+            <a:r>
+              <a:rPr lang="en-US" altLang="zh-TW" dirty="0"/>
+              <a:t>12</a:t>
+            </a:r>
+            <a:r>
+              <a:rPr lang="zh-TW" altLang="en-US" dirty="0"/>
+              <a:t>歲</a:t>
+            </a:r>
+            <a:r>
+              <a:rPr lang="zh-TW" altLang="en-US" dirty="0" smtClean="0"/>
+              <a:t>以下</a:t>
+            </a:r>
+            <a:endParaRPr lang="en-US" altLang="zh-TW" dirty="0" smtClean="0"/>
+          </a:p>
+          <a:p>
+            <a:pPr lvl="1"/>
+            <a:r>
+              <a:rPr lang="zh-TW" altLang="en-US" dirty="0"/>
+              <a:t>青年：</a:t>
+            </a:r>
+            <a:r>
+              <a:rPr lang="en-US" altLang="zh-TW" dirty="0"/>
+              <a:t>18</a:t>
+            </a:r>
+            <a:r>
+              <a:rPr lang="zh-TW" altLang="en-US" dirty="0"/>
+              <a:t>歲</a:t>
+            </a:r>
+            <a:r>
+              <a:rPr lang="zh-TW" altLang="en-US" dirty="0" smtClean="0"/>
+              <a:t>以下</a:t>
+            </a:r>
+            <a:endParaRPr lang="en-US" altLang="zh-TW" dirty="0" smtClean="0"/>
+          </a:p>
+          <a:p>
+            <a:pPr lvl="1"/>
+            <a:r>
+              <a:rPr lang="zh-TW" altLang="en-US" dirty="0" smtClean="0"/>
+              <a:t>壯年：</a:t>
+            </a:r>
+            <a:r>
+              <a:rPr lang="en-US" altLang="zh-TW" dirty="0" smtClean="0"/>
+              <a:t>45</a:t>
+            </a:r>
+            <a:r>
+              <a:rPr lang="zh-TW" altLang="en-US" dirty="0" smtClean="0"/>
+              <a:t>歲以下</a:t>
+            </a:r>
+            <a:endParaRPr lang="en-US" altLang="zh-TW" dirty="0" smtClean="0"/>
+          </a:p>
+          <a:p>
+            <a:pPr lvl="1"/>
+            <a:r>
+              <a:rPr lang="zh-TW" altLang="en-US" dirty="0"/>
+              <a:t>中年：</a:t>
+            </a:r>
+            <a:r>
+              <a:rPr lang="en-US" altLang="zh-TW" dirty="0"/>
+              <a:t>65</a:t>
+            </a:r>
+            <a:r>
+              <a:rPr lang="zh-TW" altLang="en-US" dirty="0"/>
+              <a:t>歲以下</a:t>
+            </a:r>
+            <a:endParaRPr lang="en-US" altLang="zh-TW" dirty="0" smtClean="0"/>
+          </a:p>
+          <a:p>
+            <a:pPr lvl="1"/>
+            <a:r>
+              <a:rPr lang="zh-TW" altLang="en-US" dirty="0"/>
+              <a:t>老年</a:t>
+            </a:r>
+            <a:r>
+              <a:rPr lang="zh-TW" altLang="en-US" dirty="0" smtClean="0"/>
+              <a:t>：</a:t>
+            </a:r>
+            <a:r>
+              <a:rPr lang="en-US" altLang="zh-TW" dirty="0" smtClean="0"/>
+              <a:t>65</a:t>
+            </a:r>
+            <a:r>
+              <a:rPr lang="zh-TW" altLang="en-US" dirty="0" smtClean="0"/>
+              <a:t>歲以上</a:t>
+            </a:r>
+            <a:endParaRPr lang="en-US" altLang="zh-TW" dirty="0" smtClean="0"/>
+          </a:p>
+          <a:p>
+            <a:r>
+              <a:rPr lang="zh-TW" altLang="en-US" dirty="0"/>
+              <a:t>輸出這個年齡是屬於哪個年齡層</a:t>
+            </a:r>
+            <a:r>
+              <a:rPr lang="zh-TW" altLang="en-US" dirty="0" smtClean="0"/>
+              <a:t>？</a:t>
+            </a:r>
+            <a:endParaRPr lang="en-US" altLang="zh-TW" dirty="0" smtClean="0"/>
+          </a:p>
+          <a:p>
+            <a:endParaRPr lang="zh-TW" altLang="en-US" dirty="0"/>
+          </a:p>
+        </p:txBody>
+      </p:sp>
+    </p:spTree>
+    <p:extLst>
+      <p:ext uri="{BB962C8B-B14F-4D97-AF65-F5344CB8AC3E}">
+        <p14:creationId xmlns:p14="http://schemas.microsoft.com/office/powerpoint/2010/main" val="1627060933"/>
+      </p:ext>
+    </p:extLst>
+  </p:cSld>
+  <p:clrMapOvr>
+    <a:masterClrMapping/>
+  </p:clrMapOvr>
+  <p:timing>
+    <p:tnLst>
+      <p:par>
+        <p:cTn id="1" dur="indefinite" restart="never" nodeType="tmRoot"/>
+      </p:par>
+    </p:tnLst>
+  </p:timing>
+</p:sld>
+</file>
+
+<file path=ppt/slides/slide24.xml><?xml version="1.0" encoding="utf-8"?>
+<p:sld xmlns:a="http://schemas.openxmlformats.org/drawingml/2006/main" xmlns:r="http://schemas.openxmlformats.org/officeDocument/2006/relationships" xmlns:p="http://schemas.openxmlformats.org/presentationml/2006/main">
+  <p:cSld>
+    <p:spTree>
+      <p:nvGrpSpPr>
+        <p:cNvPr id="1" name=""/>
+        <p:cNvGrpSpPr/>
+        <p:nvPr/>
+      </p:nvGrpSpPr>
+      <p:grpSpPr>
+        <a:xfrm>
+          <a:off x="0" y="0"/>
+          <a:ext cx="0" cy="0"/>
+          <a:chOff x="0" y="0"/>
+          <a:chExt cx="0" cy="0"/>
+        </a:xfrm>
+      </p:grpSpPr>
+      <p:sp>
+        <p:nvSpPr>
           <p:cNvPr id="4" name="標題 3"/>
           <p:cNvSpPr>
             <a:spLocks noGrp="1"/>
@@ -11390,7 +11638,7 @@
 </p:sld>
 </file>
 
-<file path=ppt/slides/slide24.xml><?xml version="1.0" encoding="utf-8"?>
+<file path=ppt/slides/slide25.xml><?xml version="1.0" encoding="utf-8"?>
 <p:sld xmlns:a="http://schemas.openxmlformats.org/drawingml/2006/main" xmlns:r="http://schemas.openxmlformats.org/officeDocument/2006/relationships" xmlns:p="http://schemas.openxmlformats.org/presentationml/2006/main">
   <p:cSld>
     <p:spTree>
@@ -11831,7 +12079,7 @@
 </p:sld>
 </file>
 
-<file path=ppt/slides/slide25.xml><?xml version="1.0" encoding="utf-8"?>
+<file path=ppt/slides/slide26.xml><?xml version="1.0" encoding="utf-8"?>
 <p:sld xmlns:a="http://schemas.openxmlformats.org/drawingml/2006/main" xmlns:r="http://schemas.openxmlformats.org/officeDocument/2006/relationships" xmlns:p="http://schemas.openxmlformats.org/presentationml/2006/main">
   <p:cSld>
     <p:spTree>
@@ -12515,7 +12763,7 @@
 </p:sld>
 </file>
 
-<file path=ppt/slides/slide26.xml><?xml version="1.0" encoding="utf-8"?>
+<file path=ppt/slides/slide27.xml><?xml version="1.0" encoding="utf-8"?>
 <p:sld xmlns:a="http://schemas.openxmlformats.org/drawingml/2006/main" xmlns:r="http://schemas.openxmlformats.org/officeDocument/2006/relationships" xmlns:p="http://schemas.openxmlformats.org/presentationml/2006/main">
   <p:cSld>
     <p:spTree>
@@ -12617,7 +12865,7 @@
 </p:sld>
 </file>
 
-<file path=ppt/slides/slide27.xml><?xml version="1.0" encoding="utf-8"?>
+<file path=ppt/slides/slide28.xml><?xml version="1.0" encoding="utf-8"?>
 <p:sld xmlns:a="http://schemas.openxmlformats.org/drawingml/2006/main" xmlns:r="http://schemas.openxmlformats.org/officeDocument/2006/relationships" xmlns:p="http://schemas.openxmlformats.org/presentationml/2006/main">
   <p:cSld>
     <p:spTree>
@@ -13217,6 +13465,153 @@
 </p:sld>
 </file>
 
+<file path=ppt/slides/slide29.xml><?xml version="1.0" encoding="utf-8"?>
+<p:sld xmlns:a="http://schemas.openxmlformats.org/drawingml/2006/main" xmlns:r="http://schemas.openxmlformats.org/officeDocument/2006/relationships" xmlns:p="http://schemas.openxmlformats.org/presentationml/2006/main">
+  <p:cSld>
+    <p:spTree>
+      <p:nvGrpSpPr>
+        <p:cNvPr id="1" name=""/>
+        <p:cNvGrpSpPr/>
+        <p:nvPr/>
+      </p:nvGrpSpPr>
+      <p:grpSpPr>
+        <a:xfrm>
+          <a:off x="0" y="0"/>
+          <a:ext cx="0" cy="0"/>
+          <a:chOff x="0" y="0"/>
+          <a:chExt cx="0" cy="0"/>
+        </a:xfrm>
+      </p:grpSpPr>
+      <p:sp>
+        <p:nvSpPr>
+          <p:cNvPr id="2" name="標題 1"/>
+          <p:cNvSpPr>
+            <a:spLocks noGrp="1"/>
+          </p:cNvSpPr>
+          <p:nvPr>
+            <p:ph type="title"/>
+          </p:nvPr>
+        </p:nvSpPr>
+        <p:spPr/>
+        <p:txBody>
+          <a:bodyPr/>
+          <a:lstStyle/>
+          <a:p>
+            <a:r>
+              <a:rPr lang="zh-TW" altLang="en-US" dirty="0" smtClean="0"/>
+              <a:t>小練習 </a:t>
+            </a:r>
+            <a:r>
+              <a:rPr lang="en-US" altLang="zh-TW" dirty="0" smtClean="0"/>
+              <a:t>1</a:t>
+            </a:r>
+            <a:br>
+              <a:rPr lang="en-US" altLang="zh-TW" dirty="0" smtClean="0"/>
+            </a:br>
+            <a:r>
+              <a:rPr lang="en-US" altLang="zh-TW" dirty="0" smtClean="0"/>
+              <a:t>BMI</a:t>
+            </a:r>
+            <a:r>
+              <a:rPr lang="zh-TW" altLang="en-US" dirty="0" smtClean="0"/>
+              <a:t>進階</a:t>
+            </a:r>
+            <a:endParaRPr lang="zh-TW" altLang="en-US" dirty="0"/>
+          </a:p>
+        </p:txBody>
+      </p:sp>
+      <p:sp>
+        <p:nvSpPr>
+          <p:cNvPr id="3" name="內容版面配置區 2"/>
+          <p:cNvSpPr>
+            <a:spLocks noGrp="1"/>
+          </p:cNvSpPr>
+          <p:nvPr>
+            <p:ph idx="1"/>
+          </p:nvPr>
+        </p:nvSpPr>
+        <p:spPr/>
+        <p:txBody>
+          <a:bodyPr/>
+          <a:lstStyle/>
+          <a:p>
+            <a:r>
+              <a:rPr lang="zh-TW" altLang="en-US" dirty="0" smtClean="0"/>
+              <a:t>把前面寫過的計算</a:t>
+            </a:r>
+            <a:r>
+              <a:rPr lang="en-US" altLang="zh-TW" dirty="0" smtClean="0"/>
+              <a:t>BMI</a:t>
+            </a:r>
+            <a:r>
+              <a:rPr lang="zh-TW" altLang="en-US" dirty="0" smtClean="0"/>
+              <a:t>程式找出來</a:t>
+            </a:r>
+            <a:endParaRPr lang="en-US" altLang="zh-TW" dirty="0" smtClean="0"/>
+          </a:p>
+          <a:p>
+            <a:r>
+              <a:rPr lang="zh-TW" altLang="en-US" dirty="0"/>
+              <a:t>增加功能</a:t>
+            </a:r>
+            <a:r>
+              <a:rPr lang="zh-TW" altLang="en-US" dirty="0" smtClean="0"/>
+              <a:t>，依照</a:t>
+            </a:r>
+            <a:r>
+              <a:rPr lang="en-US" altLang="zh-TW" dirty="0" smtClean="0"/>
+              <a:t>BMI &lt; 18, BMI &gt; 24</a:t>
+            </a:r>
+            <a:r>
+              <a:rPr lang="zh-TW" altLang="en-US" dirty="0" smtClean="0"/>
+              <a:t>及 </a:t>
+            </a:r>
+            <a:r>
+              <a:rPr lang="en-US" altLang="zh-TW" dirty="0" smtClean="0"/>
+              <a:t>18 &lt; BMI &lt; 24</a:t>
+            </a:r>
+            <a:r>
+              <a:rPr lang="zh-TW" altLang="en-US" dirty="0" smtClean="0"/>
+              <a:t>區分</a:t>
+            </a:r>
+            <a:endParaRPr lang="en-US" altLang="zh-TW" dirty="0" smtClean="0"/>
+          </a:p>
+          <a:p>
+            <a:r>
+              <a:rPr lang="zh-TW" altLang="en-US" dirty="0"/>
+              <a:t>分</a:t>
+            </a:r>
+            <a:r>
+              <a:rPr lang="zh-TW" altLang="en-US" dirty="0" smtClean="0"/>
+              <a:t>別是太瘦，太胖與正常</a:t>
+            </a:r>
+            <a:endParaRPr lang="en-US" altLang="zh-TW" dirty="0" smtClean="0"/>
+          </a:p>
+          <a:p>
+            <a:endParaRPr lang="en-US" altLang="zh-TW" dirty="0"/>
+          </a:p>
+        </p:txBody>
+      </p:sp>
+    </p:spTree>
+    <p:extLst>
+      <p:ext uri="{BB962C8B-B14F-4D97-AF65-F5344CB8AC3E}">
+        <p14:creationId xmlns:p14="http://schemas.microsoft.com/office/powerpoint/2010/main" val="1846638862"/>
+      </p:ext>
+    </p:extLst>
+  </p:cSld>
+  <p:clrMapOvr>
+    <a:masterClrMapping/>
+  </p:clrMapOvr>
+  <p:timing>
+    <p:tnLst>
+      <p:par>
+        <p:cTn id="1" dur="indefinite" restart="never" nodeType="tmRoot"/>
+      </p:par>
+    </p:tnLst>
+  </p:timing>
+</p:sld>
+</file>
+
 <file path=ppt/slides/slide3.xml><?xml version="1.0" encoding="utf-8"?>
 <p:sld xmlns:a="http://schemas.openxmlformats.org/drawingml/2006/main" xmlns:r="http://schemas.openxmlformats.org/officeDocument/2006/relationships" xmlns:p="http://schemas.openxmlformats.org/presentationml/2006/main">
   <p:cSld>
@@ -13740,6 +14135,141 @@
     <p:extLst>
       <p:ext uri="{BB962C8B-B14F-4D97-AF65-F5344CB8AC3E}">
         <p14:creationId xmlns:p14="http://schemas.microsoft.com/office/powerpoint/2010/main" val="4032816920"/>
+      </p:ext>
+    </p:extLst>
+  </p:cSld>
+  <p:clrMapOvr>
+    <a:masterClrMapping/>
+  </p:clrMapOvr>
+  <p:timing>
+    <p:tnLst>
+      <p:par>
+        <p:cTn id="1" dur="indefinite" restart="never" nodeType="tmRoot"/>
+      </p:par>
+    </p:tnLst>
+  </p:timing>
+</p:sld>
+</file>
+
+<file path=ppt/slides/slide30.xml><?xml version="1.0" encoding="utf-8"?>
+<p:sld xmlns:a="http://schemas.openxmlformats.org/drawingml/2006/main" xmlns:r="http://schemas.openxmlformats.org/officeDocument/2006/relationships" xmlns:p="http://schemas.openxmlformats.org/presentationml/2006/main">
+  <p:cSld>
+    <p:spTree>
+      <p:nvGrpSpPr>
+        <p:cNvPr id="1" name=""/>
+        <p:cNvGrpSpPr/>
+        <p:nvPr/>
+      </p:nvGrpSpPr>
+      <p:grpSpPr>
+        <a:xfrm>
+          <a:off x="0" y="0"/>
+          <a:ext cx="0" cy="0"/>
+          <a:chOff x="0" y="0"/>
+          <a:chExt cx="0" cy="0"/>
+        </a:xfrm>
+      </p:grpSpPr>
+      <p:sp>
+        <p:nvSpPr>
+          <p:cNvPr id="2" name="標題 1"/>
+          <p:cNvSpPr>
+            <a:spLocks noGrp="1"/>
+          </p:cNvSpPr>
+          <p:nvPr>
+            <p:ph type="title"/>
+          </p:nvPr>
+        </p:nvSpPr>
+        <p:spPr/>
+        <p:txBody>
+          <a:bodyPr/>
+          <a:lstStyle/>
+          <a:p>
+            <a:r>
+              <a:rPr lang="zh-TW" altLang="en-US" dirty="0" smtClean="0"/>
+              <a:t>小練習 </a:t>
+            </a:r>
+            <a:r>
+              <a:rPr lang="en-US" altLang="zh-TW" dirty="0" smtClean="0"/>
+              <a:t>2</a:t>
+            </a:r>
+            <a:br>
+              <a:rPr lang="en-US" altLang="zh-TW" dirty="0" smtClean="0"/>
+            </a:br>
+            <a:r>
+              <a:rPr lang="zh-TW" altLang="en-US" dirty="0" smtClean="0"/>
+              <a:t>帳號密碼輸入</a:t>
+            </a:r>
+            <a:endParaRPr lang="zh-TW" altLang="en-US" dirty="0"/>
+          </a:p>
+        </p:txBody>
+      </p:sp>
+      <p:sp>
+        <p:nvSpPr>
+          <p:cNvPr id="3" name="內容版面配置區 2"/>
+          <p:cNvSpPr>
+            <a:spLocks noGrp="1"/>
+          </p:cNvSpPr>
+          <p:nvPr>
+            <p:ph idx="1"/>
+          </p:nvPr>
+        </p:nvSpPr>
+        <p:spPr/>
+        <p:txBody>
+          <a:bodyPr/>
+          <a:lstStyle/>
+          <a:p>
+            <a:r>
+              <a:rPr lang="zh-TW" altLang="en-US" dirty="0" smtClean="0"/>
+              <a:t>寫一個程式，可以輸入帳號密碼。</a:t>
+            </a:r>
+            <a:endParaRPr lang="en-US" altLang="zh-TW" dirty="0" smtClean="0"/>
+          </a:p>
+          <a:p>
+            <a:r>
+              <a:rPr lang="zh-TW" altLang="en-US" dirty="0"/>
+              <a:t>程式中與</a:t>
+            </a:r>
+            <a:r>
+              <a:rPr lang="zh-TW" altLang="en-US" dirty="0" smtClean="0"/>
+              <a:t>固定一組帳號</a:t>
+            </a:r>
+            <a:r>
+              <a:rPr lang="zh-TW" altLang="en-US" dirty="0"/>
+              <a:t>密碼</a:t>
+            </a:r>
+            <a:r>
+              <a:rPr lang="zh-TW" altLang="en-US" dirty="0" smtClean="0"/>
+              <a:t>比對</a:t>
+            </a:r>
+            <a:endParaRPr lang="en-US" altLang="zh-TW" dirty="0" smtClean="0"/>
+          </a:p>
+          <a:p>
+            <a:r>
+              <a:rPr lang="zh-TW" altLang="en-US" dirty="0"/>
+              <a:t>正確的顯示</a:t>
+            </a:r>
+            <a:r>
+              <a:rPr lang="zh-TW" altLang="en-US" dirty="0" smtClean="0"/>
+              <a:t>歡迎</a:t>
+            </a:r>
+            <a:endParaRPr lang="en-US" altLang="zh-TW" dirty="0" smtClean="0"/>
+          </a:p>
+          <a:p>
+            <a:r>
+              <a:rPr lang="zh-TW" altLang="en-US" dirty="0"/>
+              <a:t>錯誤的顯示：帳號密碼錯誤</a:t>
+            </a:r>
+            <a:r>
+              <a:rPr lang="zh-TW" altLang="en-US" dirty="0" smtClean="0"/>
+              <a:t>，請重新輸入</a:t>
+            </a:r>
+            <a:endParaRPr lang="en-US" altLang="zh-TW" dirty="0"/>
+          </a:p>
+        </p:txBody>
+      </p:sp>
+    </p:spTree>
+    <p:extLst>
+      <p:ext uri="{BB962C8B-B14F-4D97-AF65-F5344CB8AC3E}">
+        <p14:creationId xmlns:p14="http://schemas.microsoft.com/office/powerpoint/2010/main" val="3081763697"/>
       </p:ext>
     </p:extLst>
   </p:cSld>
@@ -14569,6 +15099,87 @@
             <a:endParaRPr lang="zh-TW" altLang="en-US" dirty="0">
               <a:solidFill>
                 <a:srgbClr val="C00000"/>
+              </a:solidFill>
+            </a:endParaRPr>
+          </a:p>
+        </p:txBody>
+      </p:sp>
+      <p:sp>
+        <p:nvSpPr>
+          <p:cNvPr id="5" name="右大括弧 4"/>
+          <p:cNvSpPr/>
+          <p:nvPr/>
+        </p:nvSpPr>
+        <p:spPr>
+          <a:xfrm>
+            <a:off x="6519672" y="5074920"/>
+            <a:ext cx="320040" cy="429768"/>
+          </a:xfrm>
+          <a:prstGeom prst="rightBrace">
+            <a:avLst/>
+          </a:prstGeom>
+          <a:ln w="19050">
+            <a:solidFill>
+              <a:srgbClr val="FF0000"/>
+            </a:solidFill>
+          </a:ln>
+        </p:spPr>
+        <p:style>
+          <a:lnRef idx="1">
+            <a:schemeClr val="accent1"/>
+          </a:lnRef>
+          <a:fillRef idx="0">
+            <a:schemeClr val="accent1"/>
+          </a:fillRef>
+          <a:effectRef idx="0">
+            <a:schemeClr val="accent1"/>
+          </a:effectRef>
+          <a:fontRef idx="minor">
+            <a:schemeClr val="tx1"/>
+          </a:fontRef>
+        </p:style>
+        <p:txBody>
+          <a:bodyPr rtlCol="0" anchor="ctr"/>
+          <a:lstStyle/>
+          <a:p>
+            <a:pPr algn="ctr"/>
+            <a:endParaRPr lang="zh-TW" altLang="en-US"/>
+          </a:p>
+        </p:txBody>
+      </p:sp>
+      <p:sp>
+        <p:nvSpPr>
+          <p:cNvPr id="6" name="文字方塊 5"/>
+          <p:cNvSpPr txBox="1"/>
+          <p:nvPr/>
+        </p:nvSpPr>
+        <p:spPr>
+          <a:xfrm>
+            <a:off x="6839712" y="5105138"/>
+            <a:ext cx="2723823" cy="369332"/>
+          </a:xfrm>
+          <a:prstGeom prst="rect">
+            <a:avLst/>
+          </a:prstGeom>
+          <a:noFill/>
+        </p:spPr>
+        <p:txBody>
+          <a:bodyPr wrap="none" rtlCol="0">
+            <a:spAutoFit/>
+          </a:bodyPr>
+          <a:lstStyle/>
+          <a:p>
+            <a:r>
+              <a:rPr lang="zh-TW" altLang="en-US" b="1" dirty="0" smtClean="0">
+                <a:solidFill>
+                  <a:srgbClr val="FF0000"/>
+                </a:solidFill>
+              </a:rPr>
+              <a:t>這裡和其他語言不同喔！</a:t>
+            </a:r>
+            <a:endParaRPr lang="zh-TW" altLang="en-US" b="1" dirty="0">
+              <a:solidFill>
+                <a:srgbClr val="FF0000"/>
               </a:solidFill>
             </a:endParaRPr>
           </a:p>
@@ -14912,6 +15523,44 @@
           </a:prstGeom>
         </p:spPr>
       </p:pic>
+      <p:sp>
+        <p:nvSpPr>
+          <p:cNvPr id="6" name="文字方塊 5"/>
+          <p:cNvSpPr txBox="1"/>
+          <p:nvPr/>
+        </p:nvSpPr>
+        <p:spPr>
+          <a:xfrm>
+            <a:off x="5977480" y="3839365"/>
+            <a:ext cx="3057247" cy="523220"/>
+          </a:xfrm>
+          <a:prstGeom prst="rect">
+            <a:avLst/>
+          </a:prstGeom>
+          <a:noFill/>
+        </p:spPr>
+        <p:txBody>
+          <a:bodyPr wrap="none" rtlCol="0">
+            <a:spAutoFit/>
+          </a:bodyPr>
+          <a:lstStyle/>
+          <a:p>
+            <a:r>
+              <a:rPr lang="zh-TW" altLang="en-US" sz="2800" b="1" dirty="0" smtClean="0">
+                <a:solidFill>
+                  <a:srgbClr val="FF0000"/>
+                </a:solidFill>
+              </a:rPr>
+              <a:t>有沒有其他寫法？</a:t>
+            </a:r>
+            <a:endParaRPr lang="zh-TW" altLang="en-US" sz="2800" b="1" dirty="0">
+              <a:solidFill>
+                <a:srgbClr val="FF0000"/>
+              </a:solidFill>
+            </a:endParaRPr>
+          </a:p>
+        </p:txBody>
+      </p:sp>
     </p:spTree>
     <p:extLst>
       <p:ext uri="{BB962C8B-B14F-4D97-AF65-F5344CB8AC3E}">
@@ -14925,9 +15574,80 @@
   <p:timing>
     <p:tnLst>
       <p:par>
-        <p:cTn id="1" dur="indefinite" restart="never" nodeType="tmRoot"/>
+        <p:cTn id="1" dur="indefinite" restart="never" nodeType="tmRoot">
+          <p:childTnLst>
+            <p:seq concurrent="1" nextAc="seek">
+              <p:cTn id="2" dur="indefinite" nodeType="mainSeq">
+                <p:childTnLst>
+                  <p:par>
+                    <p:cTn id="3" fill="hold">
+                      <p:stCondLst>
+                        <p:cond delay="indefinite"/>
+                      </p:stCondLst>
+                      <p:childTnLst>
+                        <p:par>
+                          <p:cTn id="4" fill="hold">
+                            <p:stCondLst>
+                              <p:cond delay="0"/>
+                            </p:stCondLst>
+                            <p:childTnLst>
+                              <p:par>
+                                <p:cTn id="5" presetID="1" presetClass="entr" presetSubtype="0" fill="hold" grpId="0" nodeType="clickEffect">
+                                  <p:stCondLst>
+                                    <p:cond delay="0"/>
+                                  </p:stCondLst>
+                                  <p:childTnLst>
+                                    <p:set>
+                                      <p:cBhvr>
+                                        <p:cTn id="6" dur="1" fill="hold">
+                                          <p:stCondLst>
+                                            <p:cond delay="0"/>
+                                          </p:stCondLst>
+                                        </p:cTn>
+                                        <p:tgtEl>
+                                          <p:spTgt spid="6"/>
+                                        </p:tgtEl>
+                                        <p:attrNameLst>
+                                          <p:attrName>style.visibility</p:attrName>
+                                        </p:attrNameLst>
+                                      </p:cBhvr>
+                                      <p:to>
+                                        <p:strVal val="visible"/>
+                                      </p:to>
+                                    </p:set>
+                                  </p:childTnLst>
+                                </p:cTn>
+                              </p:par>
+                            </p:childTnLst>
+                          </p:cTn>
+                        </p:par>
+                      </p:childTnLst>
+                    </p:cTn>
+                  </p:par>
+                </p:childTnLst>
+              </p:cTn>
+              <p:prevCondLst>
+                <p:cond evt="onPrev" delay="0">
+                  <p:tgtEl>
+                    <p:sldTgt/>
+                  </p:tgtEl>
+                </p:cond>
+              </p:prevCondLst>
+              <p:nextCondLst>
+                <p:cond evt="onNext" delay="0">
+                  <p:tgtEl>
+                    <p:sldTgt/>
+                  </p:tgtEl>
+                </p:cond>
+              </p:nextCondLst>
+            </p:seq>
+          </p:childTnLst>
+        </p:cTn>
       </p:par>
     </p:tnLst>
+    <p:bldLst>
+      <p:bldP spid="6" grpId="0"/>
+    </p:bldLst>
   </p:timing>
 </p:sld>
 </file>

--- a/LCC/Python/03_流程控制(分支).pptx
+++ b/LCC/Python/03_流程控制(分支).pptx
@@ -898,7 +898,7 @@
             <a:fld id="{B61BEF0D-F0BB-DE4B-95CE-6DB70DBA9567}" type="datetimeFigureOut">
               <a:rPr lang="en-US" smtClean="0"/>
               <a:pPr/>
-              <a:t>12/4/2021</a:t>
+              <a:t>1/12/2022</a:t>
             </a:fld>
             <a:endParaRPr lang="en-US" dirty="0"/>
           </a:p>
@@ -1151,7 +1151,7 @@
             <a:fld id="{B61BEF0D-F0BB-DE4B-95CE-6DB70DBA9567}" type="datetimeFigureOut">
               <a:rPr lang="en-US" smtClean="0"/>
               <a:pPr/>
-              <a:t>12/4/2021</a:t>
+              <a:t>1/12/2022</a:t>
             </a:fld>
             <a:endParaRPr lang="en-US" dirty="0"/>
           </a:p>
@@ -1467,7 +1467,7 @@
             <a:fld id="{B61BEF0D-F0BB-DE4B-95CE-6DB70DBA9567}" type="datetimeFigureOut">
               <a:rPr lang="en-US" smtClean="0"/>
               <a:pPr/>
-              <a:t>12/4/2021</a:t>
+              <a:t>1/12/2022</a:t>
             </a:fld>
             <a:endParaRPr lang="en-US" dirty="0"/>
           </a:p>
@@ -1802,7 +1802,7 @@
             <a:fld id="{B61BEF0D-F0BB-DE4B-95CE-6DB70DBA9567}" type="datetimeFigureOut">
               <a:rPr lang="en-US" smtClean="0"/>
               <a:pPr/>
-              <a:t>12/4/2021</a:t>
+              <a:t>1/12/2022</a:t>
             </a:fld>
             <a:endParaRPr lang="en-US" dirty="0"/>
           </a:p>
@@ -2118,7 +2118,7 @@
             <a:fld id="{B61BEF0D-F0BB-DE4B-95CE-6DB70DBA9567}" type="datetimeFigureOut">
               <a:rPr lang="en-US" smtClean="0"/>
               <a:pPr/>
-              <a:t>12/4/2021</a:t>
+              <a:t>1/12/2022</a:t>
             </a:fld>
             <a:endParaRPr lang="en-US" dirty="0"/>
           </a:p>
@@ -2513,7 +2513,7 @@
             <a:fld id="{B61BEF0D-F0BB-DE4B-95CE-6DB70DBA9567}" type="datetimeFigureOut">
               <a:rPr lang="en-US" smtClean="0"/>
               <a:pPr/>
-              <a:t>12/4/2021</a:t>
+              <a:t>1/12/2022</a:t>
             </a:fld>
             <a:endParaRPr lang="en-US" dirty="0"/>
           </a:p>
@@ -2684,7 +2684,7 @@
           <a:p>
             <a:fld id="{55C6B4A9-1611-4792-9094-5F34BCA07E0B}" type="datetimeFigureOut">
               <a:rPr lang="en-US" smtClean="0"/>
-              <a:t>12/4/2021</a:t>
+              <a:t>1/12/2022</a:t>
             </a:fld>
             <a:endParaRPr lang="en-US" dirty="0"/>
           </a:p>
@@ -2865,7 +2865,7 @@
             <a:fld id="{B61BEF0D-F0BB-DE4B-95CE-6DB70DBA9567}" type="datetimeFigureOut">
               <a:rPr lang="en-US" smtClean="0"/>
               <a:pPr/>
-              <a:t>12/4/2021</a:t>
+              <a:t>1/12/2022</a:t>
             </a:fld>
             <a:endParaRPr lang="en-US" dirty="0"/>
           </a:p>
@@ -3037,7 +3037,7 @@
             <a:fld id="{B61BEF0D-F0BB-DE4B-95CE-6DB70DBA9567}" type="datetimeFigureOut">
               <a:rPr lang="en-US" smtClean="0"/>
               <a:pPr/>
-              <a:t>12/4/2021</a:t>
+              <a:t>1/12/2022</a:t>
             </a:fld>
             <a:endParaRPr lang="en-US" dirty="0"/>
           </a:p>
@@ -3286,7 +3286,7 @@
             <a:fld id="{B61BEF0D-F0BB-DE4B-95CE-6DB70DBA9567}" type="datetimeFigureOut">
               <a:rPr lang="en-US" smtClean="0"/>
               <a:pPr/>
-              <a:t>12/4/2021</a:t>
+              <a:t>1/12/2022</a:t>
             </a:fld>
             <a:endParaRPr lang="en-US" dirty="0"/>
           </a:p>
@@ -3519,7 +3519,7 @@
           <a:p>
             <a:fld id="{EB712588-04B1-427B-82EE-E8DB90309F08}" type="datetimeFigureOut">
               <a:rPr lang="en-US" smtClean="0"/>
-              <a:t>12/4/2021</a:t>
+              <a:t>1/12/2022</a:t>
             </a:fld>
             <a:endParaRPr lang="en-US" dirty="0"/>
           </a:p>
@@ -3894,7 +3894,7 @@
             <a:fld id="{B61BEF0D-F0BB-DE4B-95CE-6DB70DBA9567}" type="datetimeFigureOut">
               <a:rPr lang="en-US" smtClean="0"/>
               <a:pPr/>
-              <a:t>12/4/2021</a:t>
+              <a:t>1/12/2022</a:t>
             </a:fld>
             <a:endParaRPr lang="en-US" dirty="0"/>
           </a:p>
@@ -4019,7 +4019,7 @@
             <a:fld id="{B61BEF0D-F0BB-DE4B-95CE-6DB70DBA9567}" type="datetimeFigureOut">
               <a:rPr lang="en-US" smtClean="0"/>
               <a:pPr/>
-              <a:t>12/4/2021</a:t>
+              <a:t>1/12/2022</a:t>
             </a:fld>
             <a:endParaRPr lang="en-US" dirty="0"/>
           </a:p>
@@ -4116,7 +4116,7 @@
             <a:fld id="{B61BEF0D-F0BB-DE4B-95CE-6DB70DBA9567}" type="datetimeFigureOut">
               <a:rPr lang="en-US" smtClean="0"/>
               <a:pPr/>
-              <a:t>12/4/2021</a:t>
+              <a:t>1/12/2022</a:t>
             </a:fld>
             <a:endParaRPr lang="en-US" dirty="0"/>
           </a:p>
@@ -4372,7 +4372,7 @@
           <a:p>
             <a:fld id="{42A54C80-263E-416B-A8E0-580EDEADCBDC}" type="datetimeFigureOut">
               <a:rPr lang="en-US" smtClean="0"/>
-              <a:t>12/4/2021</a:t>
+              <a:t>1/12/2022</a:t>
             </a:fld>
             <a:endParaRPr lang="en-US" dirty="0"/>
           </a:p>
@@ -4679,7 +4679,7 @@
             <a:fld id="{B61BEF0D-F0BB-DE4B-95CE-6DB70DBA9567}" type="datetimeFigureOut">
               <a:rPr lang="en-US" smtClean="0"/>
               <a:pPr/>
-              <a:t>12/4/2021</a:t>
+              <a:t>1/12/2022</a:t>
             </a:fld>
             <a:endParaRPr lang="en-US" dirty="0"/>
           </a:p>
@@ -5382,7 +5382,7 @@
             <a:fld id="{B61BEF0D-F0BB-DE4B-95CE-6DB70DBA9567}" type="datetimeFigureOut">
               <a:rPr lang="en-US" smtClean="0"/>
               <a:pPr/>
-              <a:t>12/4/2021</a:t>
+              <a:t>1/12/2022</a:t>
             </a:fld>
             <a:endParaRPr lang="en-US" dirty="0"/>
           </a:p>
@@ -5515,7 +5515,7 @@
         <p:spPr>
           <a:xfrm>
             <a:off x="420275" y="6406487"/>
-            <a:ext cx="3918317" cy="369332"/>
+            <a:ext cx="2789546" cy="369332"/>
           </a:xfrm>
           <a:prstGeom prst="rect">
             <a:avLst/>
@@ -5528,12 +5528,8 @@
           <a:lstStyle/>
           <a:p>
             <a:r>
-              <a:rPr lang="zh-TW" altLang="en-US" sz="1800" dirty="0" smtClean="0"/>
-              <a:t>講義網址：</a:t>
-            </a:r>
-            <a:r>
               <a:rPr lang="en-US" altLang="zh-TW" sz="1800" dirty="0" smtClean="0"/>
-              <a:t>https://reurl.cc/OkNRey</a:t>
+              <a:t>https://reurl.cc/MbkNaK</a:t>
             </a:r>
             <a:endParaRPr lang="zh-TW" altLang="en-US" sz="1800" dirty="0"/>
           </a:p>
@@ -6034,7 +6030,7 @@
           <a:p>
             <a:fld id="{4805910D-2C61-424F-80CE-807290CF0E1E}" type="datetime4">
               <a:rPr lang="zh-TW" altLang="zh-TW"/>
-              <a:t>110年12月4日星期六</a:t>
+              <a:t>111年1月12日星期三</a:t>
             </a:fld>
             <a:endParaRPr lang="zh-TW" altLang="en-US" dirty="0"/>
           </a:p>
@@ -6083,55 +6079,62 @@
       </p:pic>
       <p:sp>
         <p:nvSpPr>
-          <p:cNvPr id="6" name="矩形 5"/>
-          <p:cNvSpPr/>
+          <p:cNvPr id="7" name="文字方塊 6"/>
+          <p:cNvSpPr txBox="1"/>
           <p:nvPr/>
         </p:nvSpPr>
         <p:spPr>
           <a:xfrm>
-            <a:off x="634256" y="497458"/>
-            <a:ext cx="5165517" cy="461665"/>
+            <a:off x="528866" y="341708"/>
+            <a:ext cx="4636206" cy="369332"/>
           </a:xfrm>
           <a:prstGeom prst="rect">
             <a:avLst/>
           </a:prstGeom>
+          <a:noFill/>
         </p:spPr>
         <p:txBody>
-          <a:bodyPr wrap="none">
+          <a:bodyPr wrap="none" rtlCol="0">
             <a:spAutoFit/>
           </a:bodyPr>
           <a:lstStyle/>
           <a:p>
             <a:r>
-              <a:rPr lang="zh-TW" altLang="en-US" sz="2400" dirty="0" smtClean="0"/>
-              <a:t>講義網址：</a:t>
-            </a:r>
-            <a:r>
-              <a:rPr lang="en-US" altLang="zh-TW" sz="2400" dirty="0"/>
-              <a:t>https://reurl.cc/OkNRey</a:t>
-            </a:r>
-            <a:endParaRPr lang="zh-TW" altLang="en-US" sz="2400" dirty="0"/>
+              <a:rPr lang="zh-TW" altLang="en-US" dirty="0" smtClean="0"/>
+              <a:t>投影片下載網址：</a:t>
+            </a:r>
+            <a:r>
+              <a:rPr lang="en-US" altLang="zh-TW" dirty="0"/>
+              <a:t>https://reurl.cc/MbkNaK</a:t>
+            </a:r>
+            <a:endParaRPr lang="zh-TW" altLang="en-US" dirty="0"/>
           </a:p>
         </p:txBody>
       </p:sp>
       <p:pic>
         <p:nvPicPr>
-          <p:cNvPr id="5" name="圖片 4"/>
+          <p:cNvPr id="8" name="圖片 7"/>
           <p:cNvPicPr>
             <a:picLocks noChangeAspect="1"/>
           </p:cNvPicPr>
           <p:nvPr/>
         </p:nvPicPr>
         <p:blipFill>
-          <a:blip r:embed="rId3"/>
+          <a:blip r:embed="rId3">
+            <a:extLst>
+              <a:ext uri="{28A0092B-C50C-407E-A947-70E740481C1C}">
+                <a14:useLocalDpi xmlns:a14="http://schemas.microsoft.com/office/drawing/2010/main" val="0"/>
+              </a:ext>
+            </a:extLst>
+          </a:blip>
           <a:stretch>
             <a:fillRect/>
           </a:stretch>
         </p:blipFill>
         <p:spPr>
           <a:xfrm>
-            <a:off x="792692" y="975784"/>
-            <a:ext cx="1785916" cy="1785916"/>
+            <a:off x="792692" y="711040"/>
+            <a:ext cx="1428750" cy="1428750"/>
           </a:xfrm>
           <a:prstGeom prst="rect">
             <a:avLst/>
